--- a/docs/КузьминГО_курсовая.pptx
+++ b/docs/КузьминГО_курсовая.pptx
@@ -4,17 +4,22 @@
   <p:sldMasterIdLst>
     <p:sldMasterId id="2147483648" r:id="rId1"/>
   </p:sldMasterIdLst>
+  <p:notesMasterIdLst>
+    <p:notesMasterId r:id="rId14"/>
+  </p:notesMasterIdLst>
   <p:sldIdLst>
     <p:sldId id="256" r:id="rId2"/>
-    <p:sldId id="257" r:id="rId3"/>
-    <p:sldId id="259" r:id="rId4"/>
-    <p:sldId id="270" r:id="rId5"/>
-    <p:sldId id="271" r:id="rId6"/>
-    <p:sldId id="272" r:id="rId7"/>
-    <p:sldId id="273" r:id="rId8"/>
-    <p:sldId id="274" r:id="rId9"/>
-    <p:sldId id="275" r:id="rId10"/>
-    <p:sldId id="276" r:id="rId11"/>
+    <p:sldId id="277" r:id="rId3"/>
+    <p:sldId id="278" r:id="rId4"/>
+    <p:sldId id="257" r:id="rId5"/>
+    <p:sldId id="259" r:id="rId6"/>
+    <p:sldId id="270" r:id="rId7"/>
+    <p:sldId id="271" r:id="rId8"/>
+    <p:sldId id="272" r:id="rId9"/>
+    <p:sldId id="273" r:id="rId10"/>
+    <p:sldId id="274" r:id="rId11"/>
+    <p:sldId id="275" r:id="rId12"/>
+    <p:sldId id="276" r:id="rId13"/>
   </p:sldIdLst>
   <p:sldSz cx="12192000" cy="6858000"/>
   <p:notesSz cx="6858000" cy="9144000"/>
@@ -119,6 +124,8 @@
         <p14:section name="Раздел по умолчанию" id="{7A57BC78-59F3-4B78-9FFE-26B77BC14E8D}">
           <p14:sldIdLst>
             <p14:sldId id="256"/>
+            <p14:sldId id="277"/>
+            <p14:sldId id="278"/>
             <p14:sldId id="257"/>
             <p14:sldId id="259"/>
             <p14:sldId id="270"/>
@@ -1082,6 +1089,2019 @@
 </cs:chartStyle>
 </file>
 
+<file path=ppt/notesMasters/notesMaster1.xml><?xml version="1.0" encoding="utf-8"?>
+<p:notesMaster xmlns:a="http://schemas.openxmlformats.org/drawingml/2006/main" xmlns:r="http://schemas.openxmlformats.org/officeDocument/2006/relationships" xmlns:p="http://schemas.openxmlformats.org/presentationml/2006/main">
+  <p:cSld>
+    <p:bg>
+      <p:bgRef idx="1001">
+        <a:schemeClr val="bg1"/>
+      </p:bgRef>
+    </p:bg>
+    <p:spTree>
+      <p:nvGrpSpPr>
+        <p:cNvPr id="1" name=""/>
+        <p:cNvGrpSpPr/>
+        <p:nvPr/>
+      </p:nvGrpSpPr>
+      <p:grpSpPr>
+        <a:xfrm>
+          <a:off x="0" y="0"/>
+          <a:ext cx="0" cy="0"/>
+          <a:chOff x="0" y="0"/>
+          <a:chExt cx="0" cy="0"/>
+        </a:xfrm>
+      </p:grpSpPr>
+      <p:sp>
+        <p:nvSpPr>
+          <p:cNvPr id="2" name="Верхний колонтитул 1"/>
+          <p:cNvSpPr>
+            <a:spLocks noGrp="1"/>
+          </p:cNvSpPr>
+          <p:nvPr>
+            <p:ph type="hdr" sz="quarter"/>
+          </p:nvPr>
+        </p:nvSpPr>
+        <p:spPr>
+          <a:xfrm>
+            <a:off x="0" y="0"/>
+            <a:ext cx="2971800" cy="458788"/>
+          </a:xfrm>
+          <a:prstGeom prst="rect">
+            <a:avLst/>
+          </a:prstGeom>
+        </p:spPr>
+        <p:txBody>
+          <a:bodyPr vert="horz" lIns="91440" tIns="45720" rIns="91440" bIns="45720" rtlCol="0"/>
+          <a:lstStyle>
+            <a:lvl1pPr algn="l">
+              <a:defRPr sz="1200"/>
+            </a:lvl1pPr>
+          </a:lstStyle>
+          <a:p>
+            <a:endParaRPr lang="ru-RU"/>
+          </a:p>
+        </p:txBody>
+      </p:sp>
+      <p:sp>
+        <p:nvSpPr>
+          <p:cNvPr id="3" name="Дата 2"/>
+          <p:cNvSpPr>
+            <a:spLocks noGrp="1"/>
+          </p:cNvSpPr>
+          <p:nvPr>
+            <p:ph type="dt" idx="1"/>
+          </p:nvPr>
+        </p:nvSpPr>
+        <p:spPr>
+          <a:xfrm>
+            <a:off x="3884613" y="0"/>
+            <a:ext cx="2971800" cy="458788"/>
+          </a:xfrm>
+          <a:prstGeom prst="rect">
+            <a:avLst/>
+          </a:prstGeom>
+        </p:spPr>
+        <p:txBody>
+          <a:bodyPr vert="horz" lIns="91440" tIns="45720" rIns="91440" bIns="45720" rtlCol="0"/>
+          <a:lstStyle>
+            <a:lvl1pPr algn="r">
+              <a:defRPr sz="1200"/>
+            </a:lvl1pPr>
+          </a:lstStyle>
+          <a:p>
+            <a:fld id="{7B0BCC4D-8C74-478C-B240-52726EE7229B}" type="datetimeFigureOut">
+              <a:rPr lang="ru-RU" smtClean="0"/>
+              <a:t>22.06.2025</a:t>
+            </a:fld>
+            <a:endParaRPr lang="ru-RU"/>
+          </a:p>
+        </p:txBody>
+      </p:sp>
+      <p:sp>
+        <p:nvSpPr>
+          <p:cNvPr id="4" name="Образ слайда 3"/>
+          <p:cNvSpPr>
+            <a:spLocks noGrp="1" noRot="1" noChangeAspect="1"/>
+          </p:cNvSpPr>
+          <p:nvPr>
+            <p:ph type="sldImg" idx="2"/>
+          </p:nvPr>
+        </p:nvSpPr>
+        <p:spPr>
+          <a:xfrm>
+            <a:off x="685800" y="1143000"/>
+            <a:ext cx="5486400" cy="3086100"/>
+          </a:xfrm>
+          <a:prstGeom prst="rect">
+            <a:avLst/>
+          </a:prstGeom>
+          <a:noFill/>
+          <a:ln w="12700">
+            <a:solidFill>
+              <a:prstClr val="black"/>
+            </a:solidFill>
+          </a:ln>
+        </p:spPr>
+        <p:txBody>
+          <a:bodyPr vert="horz" lIns="91440" tIns="45720" rIns="91440" bIns="45720" rtlCol="0" anchor="ctr"/>
+          <a:lstStyle/>
+          <a:p>
+            <a:endParaRPr lang="ru-RU"/>
+          </a:p>
+        </p:txBody>
+      </p:sp>
+      <p:sp>
+        <p:nvSpPr>
+          <p:cNvPr id="5" name="Заметки 4"/>
+          <p:cNvSpPr>
+            <a:spLocks noGrp="1"/>
+          </p:cNvSpPr>
+          <p:nvPr>
+            <p:ph type="body" sz="quarter" idx="3"/>
+          </p:nvPr>
+        </p:nvSpPr>
+        <p:spPr>
+          <a:xfrm>
+            <a:off x="685800" y="4400550"/>
+            <a:ext cx="5486400" cy="3600450"/>
+          </a:xfrm>
+          <a:prstGeom prst="rect">
+            <a:avLst/>
+          </a:prstGeom>
+        </p:spPr>
+        <p:txBody>
+          <a:bodyPr vert="horz" lIns="91440" tIns="45720" rIns="91440" bIns="45720" rtlCol="0"/>
+          <a:lstStyle/>
+          <a:p>
+            <a:pPr lvl="0"/>
+            <a:r>
+              <a:rPr lang="ru-RU"/>
+              <a:t>Образец текста</a:t>
+            </a:r>
+          </a:p>
+          <a:p>
+            <a:pPr lvl="1"/>
+            <a:r>
+              <a:rPr lang="ru-RU"/>
+              <a:t>Второй уровень</a:t>
+            </a:r>
+          </a:p>
+          <a:p>
+            <a:pPr lvl="2"/>
+            <a:r>
+              <a:rPr lang="ru-RU"/>
+              <a:t>Третий уровень</a:t>
+            </a:r>
+          </a:p>
+          <a:p>
+            <a:pPr lvl="3"/>
+            <a:r>
+              <a:rPr lang="ru-RU"/>
+              <a:t>Четвертый уровень</a:t>
+            </a:r>
+          </a:p>
+          <a:p>
+            <a:pPr lvl="4"/>
+            <a:r>
+              <a:rPr lang="ru-RU"/>
+              <a:t>Пятый уровень</a:t>
+            </a:r>
+          </a:p>
+        </p:txBody>
+      </p:sp>
+      <p:sp>
+        <p:nvSpPr>
+          <p:cNvPr id="6" name="Нижний колонтитул 5"/>
+          <p:cNvSpPr>
+            <a:spLocks noGrp="1"/>
+          </p:cNvSpPr>
+          <p:nvPr>
+            <p:ph type="ftr" sz="quarter" idx="4"/>
+          </p:nvPr>
+        </p:nvSpPr>
+        <p:spPr>
+          <a:xfrm>
+            <a:off x="0" y="8685213"/>
+            <a:ext cx="2971800" cy="458787"/>
+          </a:xfrm>
+          <a:prstGeom prst="rect">
+            <a:avLst/>
+          </a:prstGeom>
+        </p:spPr>
+        <p:txBody>
+          <a:bodyPr vert="horz" lIns="91440" tIns="45720" rIns="91440" bIns="45720" rtlCol="0" anchor="b"/>
+          <a:lstStyle>
+            <a:lvl1pPr algn="l">
+              <a:defRPr sz="1200"/>
+            </a:lvl1pPr>
+          </a:lstStyle>
+          <a:p>
+            <a:endParaRPr lang="ru-RU"/>
+          </a:p>
+        </p:txBody>
+      </p:sp>
+      <p:sp>
+        <p:nvSpPr>
+          <p:cNvPr id="7" name="Номер слайда 6"/>
+          <p:cNvSpPr>
+            <a:spLocks noGrp="1"/>
+          </p:cNvSpPr>
+          <p:nvPr>
+            <p:ph type="sldNum" sz="quarter" idx="5"/>
+          </p:nvPr>
+        </p:nvSpPr>
+        <p:spPr>
+          <a:xfrm>
+            <a:off x="3884613" y="8685213"/>
+            <a:ext cx="2971800" cy="458787"/>
+          </a:xfrm>
+          <a:prstGeom prst="rect">
+            <a:avLst/>
+          </a:prstGeom>
+        </p:spPr>
+        <p:txBody>
+          <a:bodyPr vert="horz" lIns="91440" tIns="45720" rIns="91440" bIns="45720" rtlCol="0" anchor="b"/>
+          <a:lstStyle>
+            <a:lvl1pPr algn="r">
+              <a:defRPr sz="1200"/>
+            </a:lvl1pPr>
+          </a:lstStyle>
+          <a:p>
+            <a:fld id="{5F7AF5EC-3846-4C9A-8899-82DC6DC6657E}" type="slidenum">
+              <a:rPr lang="ru-RU" smtClean="0"/>
+              <a:t>‹#›</a:t>
+            </a:fld>
+            <a:endParaRPr lang="ru-RU"/>
+          </a:p>
+        </p:txBody>
+      </p:sp>
+    </p:spTree>
+    <p:extLst>
+      <p:ext uri="{BB962C8B-B14F-4D97-AF65-F5344CB8AC3E}">
+        <p14:creationId xmlns:p14="http://schemas.microsoft.com/office/powerpoint/2010/main" val="1258938293"/>
+      </p:ext>
+    </p:extLst>
+  </p:cSld>
+  <p:clrMap bg1="lt1" tx1="dk1" bg2="lt2" tx2="dk2" accent1="accent1" accent2="accent2" accent3="accent3" accent4="accent4" accent5="accent5" accent6="accent6" hlink="hlink" folHlink="folHlink"/>
+  <p:notesStyle>
+    <a:lvl1pPr marL="0" algn="l" defTabSz="914400" rtl="0" eaLnBrk="1" latinLnBrk="0" hangingPunct="1">
+      <a:defRPr sz="1200" kern="1200">
+        <a:solidFill>
+          <a:schemeClr val="tx1"/>
+        </a:solidFill>
+        <a:latin typeface="+mn-lt"/>
+        <a:ea typeface="+mn-ea"/>
+        <a:cs typeface="+mn-cs"/>
+      </a:defRPr>
+    </a:lvl1pPr>
+    <a:lvl2pPr marL="457200" algn="l" defTabSz="914400" rtl="0" eaLnBrk="1" latinLnBrk="0" hangingPunct="1">
+      <a:defRPr sz="1200" kern="1200">
+        <a:solidFill>
+          <a:schemeClr val="tx1"/>
+        </a:solidFill>
+        <a:latin typeface="+mn-lt"/>
+        <a:ea typeface="+mn-ea"/>
+        <a:cs typeface="+mn-cs"/>
+      </a:defRPr>
+    </a:lvl2pPr>
+    <a:lvl3pPr marL="914400" algn="l" defTabSz="914400" rtl="0" eaLnBrk="1" latinLnBrk="0" hangingPunct="1">
+      <a:defRPr sz="1200" kern="1200">
+        <a:solidFill>
+          <a:schemeClr val="tx1"/>
+        </a:solidFill>
+        <a:latin typeface="+mn-lt"/>
+        <a:ea typeface="+mn-ea"/>
+        <a:cs typeface="+mn-cs"/>
+      </a:defRPr>
+    </a:lvl3pPr>
+    <a:lvl4pPr marL="1371600" algn="l" defTabSz="914400" rtl="0" eaLnBrk="1" latinLnBrk="0" hangingPunct="1">
+      <a:defRPr sz="1200" kern="1200">
+        <a:solidFill>
+          <a:schemeClr val="tx1"/>
+        </a:solidFill>
+        <a:latin typeface="+mn-lt"/>
+        <a:ea typeface="+mn-ea"/>
+        <a:cs typeface="+mn-cs"/>
+      </a:defRPr>
+    </a:lvl4pPr>
+    <a:lvl5pPr marL="1828800" algn="l" defTabSz="914400" rtl="0" eaLnBrk="1" latinLnBrk="0" hangingPunct="1">
+      <a:defRPr sz="1200" kern="1200">
+        <a:solidFill>
+          <a:schemeClr val="tx1"/>
+        </a:solidFill>
+        <a:latin typeface="+mn-lt"/>
+        <a:ea typeface="+mn-ea"/>
+        <a:cs typeface="+mn-cs"/>
+      </a:defRPr>
+    </a:lvl5pPr>
+    <a:lvl6pPr marL="2286000" algn="l" defTabSz="914400" rtl="0" eaLnBrk="1" latinLnBrk="0" hangingPunct="1">
+      <a:defRPr sz="1200" kern="1200">
+        <a:solidFill>
+          <a:schemeClr val="tx1"/>
+        </a:solidFill>
+        <a:latin typeface="+mn-lt"/>
+        <a:ea typeface="+mn-ea"/>
+        <a:cs typeface="+mn-cs"/>
+      </a:defRPr>
+    </a:lvl6pPr>
+    <a:lvl7pPr marL="2743200" algn="l" defTabSz="914400" rtl="0" eaLnBrk="1" latinLnBrk="0" hangingPunct="1">
+      <a:defRPr sz="1200" kern="1200">
+        <a:solidFill>
+          <a:schemeClr val="tx1"/>
+        </a:solidFill>
+        <a:latin typeface="+mn-lt"/>
+        <a:ea typeface="+mn-ea"/>
+        <a:cs typeface="+mn-cs"/>
+      </a:defRPr>
+    </a:lvl7pPr>
+    <a:lvl8pPr marL="3200400" algn="l" defTabSz="914400" rtl="0" eaLnBrk="1" latinLnBrk="0" hangingPunct="1">
+      <a:defRPr sz="1200" kern="1200">
+        <a:solidFill>
+          <a:schemeClr val="tx1"/>
+        </a:solidFill>
+        <a:latin typeface="+mn-lt"/>
+        <a:ea typeface="+mn-ea"/>
+        <a:cs typeface="+mn-cs"/>
+      </a:defRPr>
+    </a:lvl8pPr>
+    <a:lvl9pPr marL="3657600" algn="l" defTabSz="914400" rtl="0" eaLnBrk="1" latinLnBrk="0" hangingPunct="1">
+      <a:defRPr sz="1200" kern="1200">
+        <a:solidFill>
+          <a:schemeClr val="tx1"/>
+        </a:solidFill>
+        <a:latin typeface="+mn-lt"/>
+        <a:ea typeface="+mn-ea"/>
+        <a:cs typeface="+mn-cs"/>
+      </a:defRPr>
+    </a:lvl9pPr>
+  </p:notesStyle>
+</p:notesMaster>
+</file>
+
+<file path=ppt/notesSlides/notesSlide1.xml><?xml version="1.0" encoding="utf-8"?>
+<p:notes xmlns:a="http://schemas.openxmlformats.org/drawingml/2006/main" xmlns:r="http://schemas.openxmlformats.org/officeDocument/2006/relationships" xmlns:p="http://schemas.openxmlformats.org/presentationml/2006/main">
+  <p:cSld>
+    <p:spTree>
+      <p:nvGrpSpPr>
+        <p:cNvPr id="1" name=""/>
+        <p:cNvGrpSpPr/>
+        <p:nvPr/>
+      </p:nvGrpSpPr>
+      <p:grpSpPr>
+        <a:xfrm>
+          <a:off x="0" y="0"/>
+          <a:ext cx="0" cy="0"/>
+          <a:chOff x="0" y="0"/>
+          <a:chExt cx="0" cy="0"/>
+        </a:xfrm>
+      </p:grpSpPr>
+      <p:sp>
+        <p:nvSpPr>
+          <p:cNvPr id="2" name="Образ слайда 1"/>
+          <p:cNvSpPr>
+            <a:spLocks noGrp="1" noRot="1" noChangeAspect="1"/>
+          </p:cNvSpPr>
+          <p:nvPr>
+            <p:ph type="sldImg"/>
+          </p:nvPr>
+        </p:nvSpPr>
+        <p:spPr/>
+      </p:sp>
+      <p:sp>
+        <p:nvSpPr>
+          <p:cNvPr id="3" name="Заметки 2"/>
+          <p:cNvSpPr>
+            <a:spLocks noGrp="1"/>
+          </p:cNvSpPr>
+          <p:nvPr>
+            <p:ph type="body" idx="1"/>
+          </p:nvPr>
+        </p:nvSpPr>
+        <p:spPr/>
+        <p:txBody>
+          <a:bodyPr/>
+          <a:lstStyle/>
+          <a:p>
+            <a:pPr lvl="0"/>
+            <a:r>
+              <a:rPr lang="ru-RU" sz="1200" kern="1200" dirty="0">
+                <a:solidFill>
+                  <a:schemeClr val="tx1"/>
+                </a:solidFill>
+                <a:effectLst/>
+                <a:latin typeface="+mn-lt"/>
+                <a:ea typeface="+mn-ea"/>
+                <a:cs typeface="+mn-cs"/>
+              </a:rPr>
+              <a:t>Здравствуйте, уважаемые члены приемной комиссии, я представляю курсовую работу на тему разработка эффективного метода реализации рендеринга.</a:t>
+            </a:r>
+          </a:p>
+        </p:txBody>
+      </p:sp>
+      <p:sp>
+        <p:nvSpPr>
+          <p:cNvPr id="4" name="Номер слайда 3"/>
+          <p:cNvSpPr>
+            <a:spLocks noGrp="1"/>
+          </p:cNvSpPr>
+          <p:nvPr>
+            <p:ph type="sldNum" sz="quarter" idx="5"/>
+          </p:nvPr>
+        </p:nvSpPr>
+        <p:spPr/>
+        <p:txBody>
+          <a:bodyPr/>
+          <a:lstStyle/>
+          <a:p>
+            <a:fld id="{5F7AF5EC-3846-4C9A-8899-82DC6DC6657E}" type="slidenum">
+              <a:rPr lang="ru-RU" smtClean="0"/>
+              <a:t>1</a:t>
+            </a:fld>
+            <a:endParaRPr lang="ru-RU"/>
+          </a:p>
+        </p:txBody>
+      </p:sp>
+    </p:spTree>
+    <p:extLst>
+      <p:ext uri="{BB962C8B-B14F-4D97-AF65-F5344CB8AC3E}">
+        <p14:creationId xmlns:p14="http://schemas.microsoft.com/office/powerpoint/2010/main" val="2398556346"/>
+      </p:ext>
+    </p:extLst>
+  </p:cSld>
+  <p:clrMapOvr>
+    <a:masterClrMapping/>
+  </p:clrMapOvr>
+</p:notes>
+</file>
+
+<file path=ppt/notesSlides/notesSlide10.xml><?xml version="1.0" encoding="utf-8"?>
+<p:notes xmlns:a="http://schemas.openxmlformats.org/drawingml/2006/main" xmlns:r="http://schemas.openxmlformats.org/officeDocument/2006/relationships" xmlns:p="http://schemas.openxmlformats.org/presentationml/2006/main">
+  <p:cSld>
+    <p:spTree>
+      <p:nvGrpSpPr>
+        <p:cNvPr id="1" name=""/>
+        <p:cNvGrpSpPr/>
+        <p:nvPr/>
+      </p:nvGrpSpPr>
+      <p:grpSpPr>
+        <a:xfrm>
+          <a:off x="0" y="0"/>
+          <a:ext cx="0" cy="0"/>
+          <a:chOff x="0" y="0"/>
+          <a:chExt cx="0" cy="0"/>
+        </a:xfrm>
+      </p:grpSpPr>
+      <p:sp>
+        <p:nvSpPr>
+          <p:cNvPr id="2" name="Образ слайда 1"/>
+          <p:cNvSpPr>
+            <a:spLocks noGrp="1" noRot="1" noChangeAspect="1"/>
+          </p:cNvSpPr>
+          <p:nvPr>
+            <p:ph type="sldImg"/>
+          </p:nvPr>
+        </p:nvSpPr>
+        <p:spPr/>
+      </p:sp>
+      <p:sp>
+        <p:nvSpPr>
+          <p:cNvPr id="3" name="Заметки 2"/>
+          <p:cNvSpPr>
+            <a:spLocks noGrp="1"/>
+          </p:cNvSpPr>
+          <p:nvPr>
+            <p:ph type="body" idx="1"/>
+          </p:nvPr>
+        </p:nvSpPr>
+        <p:spPr/>
+        <p:txBody>
+          <a:bodyPr/>
+          <a:lstStyle/>
+          <a:p>
+            <a:pPr marL="0" marR="0" lvl="0" indent="0" algn="l" defTabSz="914400" rtl="0" eaLnBrk="1" fontAlgn="auto" latinLnBrk="0" hangingPunct="1">
+              <a:lnSpc>
+                <a:spcPct val="100000"/>
+              </a:lnSpc>
+              <a:spcBef>
+                <a:spcPts val="0"/>
+              </a:spcBef>
+              <a:spcAft>
+                <a:spcPts val="0"/>
+              </a:spcAft>
+              <a:buClrTx/>
+              <a:buSzTx/>
+              <a:buFontTx/>
+              <a:buNone/>
+              <a:tabLst/>
+              <a:defRPr/>
+            </a:pPr>
+            <a:r>
+              <a:rPr lang="ru-RU" sz="1200" kern="1200" dirty="0">
+                <a:solidFill>
+                  <a:schemeClr val="tx1"/>
+                </a:solidFill>
+                <a:effectLst/>
+                <a:latin typeface="+mn-lt"/>
+                <a:ea typeface="+mn-ea"/>
+                <a:cs typeface="+mn-cs"/>
+              </a:rPr>
+              <a:t>Оптимизация программы была выполнена с использованием нескольких методов оптимизации, таких как: пространственная сетка, которая предотвращает просчет столкновений между объектами, находящиеся далеко друг от друга, и использование инструкций типа «одна инструкция – несколько данных» для обработки большего числа операций за один такт центрального процессора.</a:t>
+            </a:r>
+          </a:p>
+          <a:p>
+            <a:endParaRPr lang="ru-RU" dirty="0"/>
+          </a:p>
+        </p:txBody>
+      </p:sp>
+      <p:sp>
+        <p:nvSpPr>
+          <p:cNvPr id="4" name="Номер слайда 3"/>
+          <p:cNvSpPr>
+            <a:spLocks noGrp="1"/>
+          </p:cNvSpPr>
+          <p:nvPr>
+            <p:ph type="sldNum" sz="quarter" idx="5"/>
+          </p:nvPr>
+        </p:nvSpPr>
+        <p:spPr/>
+        <p:txBody>
+          <a:bodyPr/>
+          <a:lstStyle/>
+          <a:p>
+            <a:fld id="{5F7AF5EC-3846-4C9A-8899-82DC6DC6657E}" type="slidenum">
+              <a:rPr lang="ru-RU" smtClean="0"/>
+              <a:t>10</a:t>
+            </a:fld>
+            <a:endParaRPr lang="ru-RU"/>
+          </a:p>
+        </p:txBody>
+      </p:sp>
+    </p:spTree>
+    <p:extLst>
+      <p:ext uri="{BB962C8B-B14F-4D97-AF65-F5344CB8AC3E}">
+        <p14:creationId xmlns:p14="http://schemas.microsoft.com/office/powerpoint/2010/main" val="231759120"/>
+      </p:ext>
+    </p:extLst>
+  </p:cSld>
+  <p:clrMapOvr>
+    <a:masterClrMapping/>
+  </p:clrMapOvr>
+</p:notes>
+</file>
+
+<file path=ppt/notesSlides/notesSlide11.xml><?xml version="1.0" encoding="utf-8"?>
+<p:notes xmlns:a="http://schemas.openxmlformats.org/drawingml/2006/main" xmlns:r="http://schemas.openxmlformats.org/officeDocument/2006/relationships" xmlns:p="http://schemas.openxmlformats.org/presentationml/2006/main">
+  <p:cSld>
+    <p:spTree>
+      <p:nvGrpSpPr>
+        <p:cNvPr id="1" name=""/>
+        <p:cNvGrpSpPr/>
+        <p:nvPr/>
+      </p:nvGrpSpPr>
+      <p:grpSpPr>
+        <a:xfrm>
+          <a:off x="0" y="0"/>
+          <a:ext cx="0" cy="0"/>
+          <a:chOff x="0" y="0"/>
+          <a:chExt cx="0" cy="0"/>
+        </a:xfrm>
+      </p:grpSpPr>
+      <p:sp>
+        <p:nvSpPr>
+          <p:cNvPr id="2" name="Образ слайда 1"/>
+          <p:cNvSpPr>
+            <a:spLocks noGrp="1" noRot="1" noChangeAspect="1"/>
+          </p:cNvSpPr>
+          <p:nvPr>
+            <p:ph type="sldImg"/>
+          </p:nvPr>
+        </p:nvSpPr>
+        <p:spPr/>
+      </p:sp>
+      <p:sp>
+        <p:nvSpPr>
+          <p:cNvPr id="3" name="Заметки 2"/>
+          <p:cNvSpPr>
+            <a:spLocks noGrp="1"/>
+          </p:cNvSpPr>
+          <p:nvPr>
+            <p:ph type="body" idx="1"/>
+          </p:nvPr>
+        </p:nvSpPr>
+        <p:spPr/>
+        <p:txBody>
+          <a:bodyPr/>
+          <a:lstStyle/>
+          <a:p>
+            <a:pPr marL="0" marR="0" lvl="0" indent="0" algn="l" defTabSz="914400" rtl="0" eaLnBrk="1" fontAlgn="auto" latinLnBrk="0" hangingPunct="1">
+              <a:lnSpc>
+                <a:spcPct val="100000"/>
+              </a:lnSpc>
+              <a:spcBef>
+                <a:spcPts val="0"/>
+              </a:spcBef>
+              <a:spcAft>
+                <a:spcPts val="0"/>
+              </a:spcAft>
+              <a:buClrTx/>
+              <a:buSzTx/>
+              <a:buFontTx/>
+              <a:buNone/>
+              <a:tabLst/>
+              <a:defRPr/>
+            </a:pPr>
+            <a:r>
+              <a:rPr lang="ru-RU" sz="1200" kern="1200" dirty="0">
+                <a:solidFill>
+                  <a:schemeClr val="tx1"/>
+                </a:solidFill>
+                <a:effectLst/>
+                <a:latin typeface="+mn-lt"/>
+                <a:ea typeface="+mn-ea"/>
+                <a:cs typeface="+mn-cs"/>
+              </a:rPr>
+              <a:t>Также было проведено тестирование приложения, все сценарии тестирования были пройдены успешно.</a:t>
+            </a:r>
+          </a:p>
+          <a:p>
+            <a:endParaRPr lang="ru-RU" dirty="0"/>
+          </a:p>
+        </p:txBody>
+      </p:sp>
+      <p:sp>
+        <p:nvSpPr>
+          <p:cNvPr id="4" name="Номер слайда 3"/>
+          <p:cNvSpPr>
+            <a:spLocks noGrp="1"/>
+          </p:cNvSpPr>
+          <p:nvPr>
+            <p:ph type="sldNum" sz="quarter" idx="5"/>
+          </p:nvPr>
+        </p:nvSpPr>
+        <p:spPr/>
+        <p:txBody>
+          <a:bodyPr/>
+          <a:lstStyle/>
+          <a:p>
+            <a:fld id="{5F7AF5EC-3846-4C9A-8899-82DC6DC6657E}" type="slidenum">
+              <a:rPr lang="ru-RU" smtClean="0"/>
+              <a:t>11</a:t>
+            </a:fld>
+            <a:endParaRPr lang="ru-RU"/>
+          </a:p>
+        </p:txBody>
+      </p:sp>
+    </p:spTree>
+    <p:extLst>
+      <p:ext uri="{BB962C8B-B14F-4D97-AF65-F5344CB8AC3E}">
+        <p14:creationId xmlns:p14="http://schemas.microsoft.com/office/powerpoint/2010/main" val="2748092038"/>
+      </p:ext>
+    </p:extLst>
+  </p:cSld>
+  <p:clrMapOvr>
+    <a:masterClrMapping/>
+  </p:clrMapOvr>
+</p:notes>
+</file>
+
+<file path=ppt/notesSlides/notesSlide12.xml><?xml version="1.0" encoding="utf-8"?>
+<p:notes xmlns:a="http://schemas.openxmlformats.org/drawingml/2006/main" xmlns:r="http://schemas.openxmlformats.org/officeDocument/2006/relationships" xmlns:p="http://schemas.openxmlformats.org/presentationml/2006/main">
+  <p:cSld>
+    <p:spTree>
+      <p:nvGrpSpPr>
+        <p:cNvPr id="1" name=""/>
+        <p:cNvGrpSpPr/>
+        <p:nvPr/>
+      </p:nvGrpSpPr>
+      <p:grpSpPr>
+        <a:xfrm>
+          <a:off x="0" y="0"/>
+          <a:ext cx="0" cy="0"/>
+          <a:chOff x="0" y="0"/>
+          <a:chExt cx="0" cy="0"/>
+        </a:xfrm>
+      </p:grpSpPr>
+      <p:sp>
+        <p:nvSpPr>
+          <p:cNvPr id="2" name="Образ слайда 1"/>
+          <p:cNvSpPr>
+            <a:spLocks noGrp="1" noRot="1" noChangeAspect="1"/>
+          </p:cNvSpPr>
+          <p:nvPr>
+            <p:ph type="sldImg"/>
+          </p:nvPr>
+        </p:nvSpPr>
+        <p:spPr/>
+      </p:sp>
+      <p:sp>
+        <p:nvSpPr>
+          <p:cNvPr id="3" name="Заметки 2"/>
+          <p:cNvSpPr>
+            <a:spLocks noGrp="1"/>
+          </p:cNvSpPr>
+          <p:nvPr>
+            <p:ph type="body" idx="1"/>
+          </p:nvPr>
+        </p:nvSpPr>
+        <p:spPr/>
+        <p:txBody>
+          <a:bodyPr/>
+          <a:lstStyle/>
+          <a:p>
+            <a:pPr marL="0" marR="0" lvl="0" indent="0" algn="l" defTabSz="914400" rtl="0" eaLnBrk="1" fontAlgn="auto" latinLnBrk="0" hangingPunct="1">
+              <a:lnSpc>
+                <a:spcPct val="100000"/>
+              </a:lnSpc>
+              <a:spcBef>
+                <a:spcPts val="0"/>
+              </a:spcBef>
+              <a:spcAft>
+                <a:spcPts val="0"/>
+              </a:spcAft>
+              <a:buClrTx/>
+              <a:buSzTx/>
+              <a:buFontTx/>
+              <a:buNone/>
+              <a:tabLst/>
+              <a:defRPr/>
+            </a:pPr>
+            <a:r>
+              <a:rPr lang="ru-RU" sz="1200" kern="1200" dirty="0">
+                <a:solidFill>
+                  <a:schemeClr val="tx1"/>
+                </a:solidFill>
+                <a:effectLst/>
+                <a:latin typeface="+mn-lt"/>
+                <a:ea typeface="+mn-ea"/>
+                <a:cs typeface="+mn-cs"/>
+              </a:rPr>
+              <a:t>Результаты и исходный код проекта представлены на слайде, я готов ответить на ваши вопросы.</a:t>
+            </a:r>
+          </a:p>
+          <a:p>
+            <a:endParaRPr lang="ru-RU" dirty="0"/>
+          </a:p>
+        </p:txBody>
+      </p:sp>
+      <p:sp>
+        <p:nvSpPr>
+          <p:cNvPr id="4" name="Номер слайда 3"/>
+          <p:cNvSpPr>
+            <a:spLocks noGrp="1"/>
+          </p:cNvSpPr>
+          <p:nvPr>
+            <p:ph type="sldNum" sz="quarter" idx="5"/>
+          </p:nvPr>
+        </p:nvSpPr>
+        <p:spPr/>
+        <p:txBody>
+          <a:bodyPr/>
+          <a:lstStyle/>
+          <a:p>
+            <a:fld id="{5F7AF5EC-3846-4C9A-8899-82DC6DC6657E}" type="slidenum">
+              <a:rPr lang="ru-RU" smtClean="0"/>
+              <a:t>12</a:t>
+            </a:fld>
+            <a:endParaRPr lang="ru-RU"/>
+          </a:p>
+        </p:txBody>
+      </p:sp>
+    </p:spTree>
+    <p:extLst>
+      <p:ext uri="{BB962C8B-B14F-4D97-AF65-F5344CB8AC3E}">
+        <p14:creationId xmlns:p14="http://schemas.microsoft.com/office/powerpoint/2010/main" val="4060251046"/>
+      </p:ext>
+    </p:extLst>
+  </p:cSld>
+  <p:clrMapOvr>
+    <a:masterClrMapping/>
+  </p:clrMapOvr>
+</p:notes>
+</file>
+
+<file path=ppt/notesSlides/notesSlide2.xml><?xml version="1.0" encoding="utf-8"?>
+<p:notes xmlns:a="http://schemas.openxmlformats.org/drawingml/2006/main" xmlns:r="http://schemas.openxmlformats.org/officeDocument/2006/relationships" xmlns:p="http://schemas.openxmlformats.org/presentationml/2006/main">
+  <p:cSld>
+    <p:spTree>
+      <p:nvGrpSpPr>
+        <p:cNvPr id="1" name=""/>
+        <p:cNvGrpSpPr/>
+        <p:nvPr/>
+      </p:nvGrpSpPr>
+      <p:grpSpPr>
+        <a:xfrm>
+          <a:off x="0" y="0"/>
+          <a:ext cx="0" cy="0"/>
+          <a:chOff x="0" y="0"/>
+          <a:chExt cx="0" cy="0"/>
+        </a:xfrm>
+      </p:grpSpPr>
+      <p:sp>
+        <p:nvSpPr>
+          <p:cNvPr id="2" name="Образ слайда 1"/>
+          <p:cNvSpPr>
+            <a:spLocks noGrp="1" noRot="1" noChangeAspect="1"/>
+          </p:cNvSpPr>
+          <p:nvPr>
+            <p:ph type="sldImg"/>
+          </p:nvPr>
+        </p:nvSpPr>
+        <p:spPr/>
+      </p:sp>
+      <p:sp>
+        <p:nvSpPr>
+          <p:cNvPr id="3" name="Заметки 2"/>
+          <p:cNvSpPr>
+            <a:spLocks noGrp="1"/>
+          </p:cNvSpPr>
+          <p:nvPr>
+            <p:ph type="body" idx="1"/>
+          </p:nvPr>
+        </p:nvSpPr>
+        <p:spPr/>
+        <p:txBody>
+          <a:bodyPr/>
+          <a:lstStyle/>
+          <a:p>
+            <a:pPr lvl="0"/>
+            <a:r>
+              <a:rPr lang="ru-RU" sz="1200" kern="1200" dirty="0">
+                <a:solidFill>
+                  <a:schemeClr val="tx1"/>
+                </a:solidFill>
+                <a:effectLst/>
+                <a:latin typeface="+mn-lt"/>
+                <a:ea typeface="+mn-ea"/>
+                <a:cs typeface="+mn-cs"/>
+              </a:rPr>
+              <a:t>Актуальность работы заключается в создании приложения с использованием методов оптимизации и распараллеливания приложения. Результат работы может стать показательным для разработчиков</a:t>
+            </a:r>
+          </a:p>
+        </p:txBody>
+      </p:sp>
+      <p:sp>
+        <p:nvSpPr>
+          <p:cNvPr id="4" name="Номер слайда 3"/>
+          <p:cNvSpPr>
+            <a:spLocks noGrp="1"/>
+          </p:cNvSpPr>
+          <p:nvPr>
+            <p:ph type="sldNum" sz="quarter" idx="5"/>
+          </p:nvPr>
+        </p:nvSpPr>
+        <p:spPr/>
+        <p:txBody>
+          <a:bodyPr/>
+          <a:lstStyle/>
+          <a:p>
+            <a:fld id="{5F7AF5EC-3846-4C9A-8899-82DC6DC6657E}" type="slidenum">
+              <a:rPr lang="ru-RU" smtClean="0"/>
+              <a:t>2</a:t>
+            </a:fld>
+            <a:endParaRPr lang="ru-RU"/>
+          </a:p>
+        </p:txBody>
+      </p:sp>
+    </p:spTree>
+    <p:extLst>
+      <p:ext uri="{BB962C8B-B14F-4D97-AF65-F5344CB8AC3E}">
+        <p14:creationId xmlns:p14="http://schemas.microsoft.com/office/powerpoint/2010/main" val="3755166100"/>
+      </p:ext>
+    </p:extLst>
+  </p:cSld>
+  <p:clrMapOvr>
+    <a:masterClrMapping/>
+  </p:clrMapOvr>
+</p:notes>
+</file>
+
+<file path=ppt/notesSlides/notesSlide3.xml><?xml version="1.0" encoding="utf-8"?>
+<p:notes xmlns:a="http://schemas.openxmlformats.org/drawingml/2006/main" xmlns:r="http://schemas.openxmlformats.org/officeDocument/2006/relationships" xmlns:p="http://schemas.openxmlformats.org/presentationml/2006/main">
+  <p:cSld>
+    <p:spTree>
+      <p:nvGrpSpPr>
+        <p:cNvPr id="1" name=""/>
+        <p:cNvGrpSpPr/>
+        <p:nvPr/>
+      </p:nvGrpSpPr>
+      <p:grpSpPr>
+        <a:xfrm>
+          <a:off x="0" y="0"/>
+          <a:ext cx="0" cy="0"/>
+          <a:chOff x="0" y="0"/>
+          <a:chExt cx="0" cy="0"/>
+        </a:xfrm>
+      </p:grpSpPr>
+      <p:sp>
+        <p:nvSpPr>
+          <p:cNvPr id="2" name="Образ слайда 1"/>
+          <p:cNvSpPr>
+            <a:spLocks noGrp="1" noRot="1" noChangeAspect="1"/>
+          </p:cNvSpPr>
+          <p:nvPr>
+            <p:ph type="sldImg"/>
+          </p:nvPr>
+        </p:nvSpPr>
+        <p:spPr/>
+      </p:sp>
+      <p:sp>
+        <p:nvSpPr>
+          <p:cNvPr id="3" name="Заметки 2"/>
+          <p:cNvSpPr>
+            <a:spLocks noGrp="1"/>
+          </p:cNvSpPr>
+          <p:nvPr>
+            <p:ph type="body" idx="1"/>
+          </p:nvPr>
+        </p:nvSpPr>
+        <p:spPr/>
+        <p:txBody>
+          <a:bodyPr/>
+          <a:lstStyle/>
+          <a:p>
+            <a:pPr lvl="0"/>
+            <a:r>
+              <a:rPr lang="ru-RU" sz="1200" kern="1200" dirty="0">
+                <a:solidFill>
+                  <a:schemeClr val="tx1"/>
+                </a:solidFill>
+                <a:effectLst/>
+                <a:latin typeface="+mn-lt"/>
+                <a:ea typeface="+mn-ea"/>
+                <a:cs typeface="+mn-cs"/>
+              </a:rPr>
+              <a:t>Целью работы является создание программы, способной к симуляции физической модели в реальном времени с последующей оптимизацией для получения оптимальной производительности. Для достижения цели проекта были поставлены следующие задачи</a:t>
+            </a:r>
+            <a:r>
+              <a:rPr lang="en-US" sz="1200" kern="1200" dirty="0">
+                <a:solidFill>
+                  <a:schemeClr val="tx1"/>
+                </a:solidFill>
+                <a:effectLst/>
+                <a:latin typeface="+mn-lt"/>
+                <a:ea typeface="+mn-ea"/>
+                <a:cs typeface="+mn-cs"/>
+              </a:rPr>
+              <a:t>:</a:t>
+            </a:r>
+            <a:r>
+              <a:rPr lang="ru-RU" sz="1200" kern="1200" dirty="0">
+                <a:solidFill>
+                  <a:schemeClr val="tx1"/>
+                </a:solidFill>
+                <a:effectLst/>
+                <a:latin typeface="+mn-lt"/>
+                <a:ea typeface="+mn-ea"/>
+                <a:cs typeface="+mn-cs"/>
+              </a:rPr>
+              <a:t> </a:t>
+            </a:r>
+            <a:r>
+              <a:rPr lang="en-US" sz="1200" kern="1200" dirty="0">
+                <a:solidFill>
+                  <a:schemeClr val="tx1"/>
+                </a:solidFill>
+                <a:effectLst/>
+                <a:latin typeface="+mn-lt"/>
+                <a:ea typeface="+mn-ea"/>
+                <a:cs typeface="+mn-cs"/>
+              </a:rPr>
+              <a:t>(</a:t>
+            </a:r>
+            <a:r>
+              <a:rPr lang="ru-RU" sz="1200" kern="1200" dirty="0">
+                <a:solidFill>
+                  <a:schemeClr val="tx1"/>
+                </a:solidFill>
+                <a:effectLst/>
+                <a:latin typeface="+mn-lt"/>
+                <a:ea typeface="+mn-ea"/>
+                <a:cs typeface="+mn-cs"/>
+              </a:rPr>
+              <a:t>они приведены на слайде</a:t>
+            </a:r>
+            <a:r>
+              <a:rPr lang="en-US" sz="1200" kern="1200" dirty="0">
+                <a:solidFill>
+                  <a:schemeClr val="tx1"/>
+                </a:solidFill>
+                <a:effectLst/>
+                <a:latin typeface="+mn-lt"/>
+                <a:ea typeface="+mn-ea"/>
+                <a:cs typeface="+mn-cs"/>
+              </a:rPr>
+              <a:t>)</a:t>
+            </a:r>
+            <a:r>
+              <a:rPr lang="ru-RU" sz="1200" kern="1200" dirty="0">
+                <a:solidFill>
+                  <a:schemeClr val="tx1"/>
+                </a:solidFill>
+                <a:effectLst/>
+                <a:latin typeface="+mn-lt"/>
+                <a:ea typeface="+mn-ea"/>
+                <a:cs typeface="+mn-cs"/>
+              </a:rPr>
+              <a:t>.</a:t>
+            </a:r>
+            <a:endParaRPr lang="en-US" sz="1200" kern="1200" dirty="0">
+              <a:solidFill>
+                <a:schemeClr val="tx1"/>
+              </a:solidFill>
+              <a:effectLst/>
+              <a:latin typeface="+mn-lt"/>
+              <a:ea typeface="+mn-ea"/>
+              <a:cs typeface="+mn-cs"/>
+            </a:endParaRPr>
+          </a:p>
+        </p:txBody>
+      </p:sp>
+      <p:sp>
+        <p:nvSpPr>
+          <p:cNvPr id="4" name="Номер слайда 3"/>
+          <p:cNvSpPr>
+            <a:spLocks noGrp="1"/>
+          </p:cNvSpPr>
+          <p:nvPr>
+            <p:ph type="sldNum" sz="quarter" idx="5"/>
+          </p:nvPr>
+        </p:nvSpPr>
+        <p:spPr/>
+        <p:txBody>
+          <a:bodyPr/>
+          <a:lstStyle/>
+          <a:p>
+            <a:fld id="{5F7AF5EC-3846-4C9A-8899-82DC6DC6657E}" type="slidenum">
+              <a:rPr lang="ru-RU" smtClean="0"/>
+              <a:t>3</a:t>
+            </a:fld>
+            <a:endParaRPr lang="ru-RU"/>
+          </a:p>
+        </p:txBody>
+      </p:sp>
+    </p:spTree>
+    <p:extLst>
+      <p:ext uri="{BB962C8B-B14F-4D97-AF65-F5344CB8AC3E}">
+        <p14:creationId xmlns:p14="http://schemas.microsoft.com/office/powerpoint/2010/main" val="359560655"/>
+      </p:ext>
+    </p:extLst>
+  </p:cSld>
+  <p:clrMapOvr>
+    <a:masterClrMapping/>
+  </p:clrMapOvr>
+</p:notes>
+</file>
+
+<file path=ppt/notesSlides/notesSlide4.xml><?xml version="1.0" encoding="utf-8"?>
+<p:notes xmlns:a="http://schemas.openxmlformats.org/drawingml/2006/main" xmlns:r="http://schemas.openxmlformats.org/officeDocument/2006/relationships" xmlns:p="http://schemas.openxmlformats.org/presentationml/2006/main">
+  <p:cSld>
+    <p:spTree>
+      <p:nvGrpSpPr>
+        <p:cNvPr id="1" name=""/>
+        <p:cNvGrpSpPr/>
+        <p:nvPr/>
+      </p:nvGrpSpPr>
+      <p:grpSpPr>
+        <a:xfrm>
+          <a:off x="0" y="0"/>
+          <a:ext cx="0" cy="0"/>
+          <a:chOff x="0" y="0"/>
+          <a:chExt cx="0" cy="0"/>
+        </a:xfrm>
+      </p:grpSpPr>
+      <p:sp>
+        <p:nvSpPr>
+          <p:cNvPr id="2" name="Образ слайда 1"/>
+          <p:cNvSpPr>
+            <a:spLocks noGrp="1" noRot="1" noChangeAspect="1"/>
+          </p:cNvSpPr>
+          <p:nvPr>
+            <p:ph type="sldImg"/>
+          </p:nvPr>
+        </p:nvSpPr>
+        <p:spPr/>
+      </p:sp>
+      <p:sp>
+        <p:nvSpPr>
+          <p:cNvPr id="3" name="Заметки 2"/>
+          <p:cNvSpPr>
+            <a:spLocks noGrp="1"/>
+          </p:cNvSpPr>
+          <p:nvPr>
+            <p:ph type="body" idx="1"/>
+          </p:nvPr>
+        </p:nvSpPr>
+        <p:spPr/>
+        <p:txBody>
+          <a:bodyPr/>
+          <a:lstStyle/>
+          <a:p>
+            <a:pPr lvl="0"/>
+            <a:r>
+              <a:rPr lang="ru-RU" sz="1200" kern="1200" dirty="0">
+                <a:solidFill>
+                  <a:schemeClr val="tx1"/>
+                </a:solidFill>
+                <a:effectLst/>
+                <a:latin typeface="+mn-lt"/>
+                <a:ea typeface="+mn-ea"/>
+                <a:cs typeface="+mn-cs"/>
+              </a:rPr>
+              <a:t>Программный пакет </a:t>
+            </a:r>
+            <a:r>
+              <a:rPr lang="en-US" sz="1200" kern="1200" dirty="0">
+                <a:solidFill>
+                  <a:schemeClr val="tx1"/>
+                </a:solidFill>
+                <a:effectLst/>
+                <a:latin typeface="+mn-lt"/>
+                <a:ea typeface="+mn-ea"/>
+                <a:cs typeface="+mn-cs"/>
+              </a:rPr>
+              <a:t>Unity</a:t>
+            </a:r>
+            <a:r>
+              <a:rPr lang="ru-RU" sz="1200" kern="1200" dirty="0">
+                <a:solidFill>
+                  <a:schemeClr val="tx1"/>
+                </a:solidFill>
+                <a:effectLst/>
+                <a:latin typeface="+mn-lt"/>
+                <a:ea typeface="+mn-ea"/>
+                <a:cs typeface="+mn-cs"/>
+              </a:rPr>
+              <a:t>, использующийся в основном для создания видеоигр, включает в себя модуль для эффективной симуляции двух или трех мерной модели частиц. На слайде показан пример использования этого модуля для симуляции жидкости.</a:t>
+            </a:r>
+          </a:p>
+        </p:txBody>
+      </p:sp>
+      <p:sp>
+        <p:nvSpPr>
+          <p:cNvPr id="4" name="Номер слайда 3"/>
+          <p:cNvSpPr>
+            <a:spLocks noGrp="1"/>
+          </p:cNvSpPr>
+          <p:nvPr>
+            <p:ph type="sldNum" sz="quarter" idx="5"/>
+          </p:nvPr>
+        </p:nvSpPr>
+        <p:spPr/>
+        <p:txBody>
+          <a:bodyPr/>
+          <a:lstStyle/>
+          <a:p>
+            <a:fld id="{5F7AF5EC-3846-4C9A-8899-82DC6DC6657E}" type="slidenum">
+              <a:rPr lang="ru-RU" smtClean="0"/>
+              <a:t>4</a:t>
+            </a:fld>
+            <a:endParaRPr lang="ru-RU"/>
+          </a:p>
+        </p:txBody>
+      </p:sp>
+    </p:spTree>
+    <p:extLst>
+      <p:ext uri="{BB962C8B-B14F-4D97-AF65-F5344CB8AC3E}">
+        <p14:creationId xmlns:p14="http://schemas.microsoft.com/office/powerpoint/2010/main" val="3997833631"/>
+      </p:ext>
+    </p:extLst>
+  </p:cSld>
+  <p:clrMapOvr>
+    <a:masterClrMapping/>
+  </p:clrMapOvr>
+</p:notes>
+</file>
+
+<file path=ppt/notesSlides/notesSlide5.xml><?xml version="1.0" encoding="utf-8"?>
+<p:notes xmlns:a="http://schemas.openxmlformats.org/drawingml/2006/main" xmlns:r="http://schemas.openxmlformats.org/officeDocument/2006/relationships" xmlns:p="http://schemas.openxmlformats.org/presentationml/2006/main">
+  <p:cSld>
+    <p:spTree>
+      <p:nvGrpSpPr>
+        <p:cNvPr id="1" name=""/>
+        <p:cNvGrpSpPr/>
+        <p:nvPr/>
+      </p:nvGrpSpPr>
+      <p:grpSpPr>
+        <a:xfrm>
+          <a:off x="0" y="0"/>
+          <a:ext cx="0" cy="0"/>
+          <a:chOff x="0" y="0"/>
+          <a:chExt cx="0" cy="0"/>
+        </a:xfrm>
+      </p:grpSpPr>
+      <p:sp>
+        <p:nvSpPr>
+          <p:cNvPr id="2" name="Образ слайда 1"/>
+          <p:cNvSpPr>
+            <a:spLocks noGrp="1" noRot="1" noChangeAspect="1"/>
+          </p:cNvSpPr>
+          <p:nvPr>
+            <p:ph type="sldImg"/>
+          </p:nvPr>
+        </p:nvSpPr>
+        <p:spPr/>
+      </p:sp>
+      <p:sp>
+        <p:nvSpPr>
+          <p:cNvPr id="3" name="Заметки 2"/>
+          <p:cNvSpPr>
+            <a:spLocks noGrp="1"/>
+          </p:cNvSpPr>
+          <p:nvPr>
+            <p:ph type="body" idx="1"/>
+          </p:nvPr>
+        </p:nvSpPr>
+        <p:spPr/>
+        <p:txBody>
+          <a:bodyPr/>
+          <a:lstStyle/>
+          <a:p>
+            <a:pPr marL="0" marR="0" lvl="0" indent="0" algn="l" defTabSz="914400" rtl="0" eaLnBrk="1" fontAlgn="auto" latinLnBrk="0" hangingPunct="1">
+              <a:lnSpc>
+                <a:spcPct val="100000"/>
+              </a:lnSpc>
+              <a:spcBef>
+                <a:spcPts val="0"/>
+              </a:spcBef>
+              <a:spcAft>
+                <a:spcPts val="0"/>
+              </a:spcAft>
+              <a:buClrTx/>
+              <a:buSzTx/>
+              <a:buFontTx/>
+              <a:buNone/>
+              <a:tabLst/>
+              <a:defRPr/>
+            </a:pPr>
+            <a:r>
+              <a:rPr lang="ru-RU" sz="1200" kern="1200" dirty="0">
+                <a:solidFill>
+                  <a:schemeClr val="tx1"/>
+                </a:solidFill>
+                <a:effectLst/>
+                <a:latin typeface="+mn-lt"/>
+                <a:ea typeface="+mn-ea"/>
+                <a:cs typeface="+mn-cs"/>
+              </a:rPr>
+              <a:t>На данном слайде представлена диаграмма вариантов использования приложения, </a:t>
+            </a:r>
+            <a:endParaRPr lang="en-US" sz="1200" kern="1200" dirty="0">
+              <a:solidFill>
+                <a:schemeClr val="tx1"/>
+              </a:solidFill>
+              <a:effectLst/>
+              <a:latin typeface="+mn-lt"/>
+              <a:ea typeface="+mn-ea"/>
+              <a:cs typeface="+mn-cs"/>
+            </a:endParaRPr>
+          </a:p>
+          <a:p>
+            <a:pPr marL="0" marR="0" lvl="0" indent="0" algn="l" defTabSz="914400" rtl="0" eaLnBrk="1" fontAlgn="auto" latinLnBrk="0" hangingPunct="1">
+              <a:lnSpc>
+                <a:spcPct val="100000"/>
+              </a:lnSpc>
+              <a:spcBef>
+                <a:spcPts val="0"/>
+              </a:spcBef>
+              <a:spcAft>
+                <a:spcPts val="0"/>
+              </a:spcAft>
+              <a:buClrTx/>
+              <a:buSzTx/>
+              <a:buFontTx/>
+              <a:buNone/>
+              <a:tabLst/>
+              <a:defRPr/>
+            </a:pPr>
+            <a:r>
+              <a:rPr lang="ru-RU" sz="1200" kern="1200" dirty="0">
+                <a:solidFill>
+                  <a:schemeClr val="tx1"/>
+                </a:solidFill>
+                <a:effectLst/>
+                <a:latin typeface="+mn-lt"/>
+                <a:ea typeface="+mn-ea"/>
+                <a:cs typeface="+mn-cs"/>
+              </a:rPr>
+              <a:t>основным актером, взаимодействующим с системой является пользователь, </a:t>
+            </a:r>
+            <a:endParaRPr lang="en-US" sz="1200" kern="1200" dirty="0">
+              <a:solidFill>
+                <a:schemeClr val="tx1"/>
+              </a:solidFill>
+              <a:effectLst/>
+              <a:latin typeface="+mn-lt"/>
+              <a:ea typeface="+mn-ea"/>
+              <a:cs typeface="+mn-cs"/>
+            </a:endParaRPr>
+          </a:p>
+          <a:p>
+            <a:pPr marL="0" marR="0" lvl="0" indent="0" algn="l" defTabSz="914400" rtl="0" eaLnBrk="1" fontAlgn="auto" latinLnBrk="0" hangingPunct="1">
+              <a:lnSpc>
+                <a:spcPct val="100000"/>
+              </a:lnSpc>
+              <a:spcBef>
+                <a:spcPts val="0"/>
+              </a:spcBef>
+              <a:spcAft>
+                <a:spcPts val="0"/>
+              </a:spcAft>
+              <a:buClrTx/>
+              <a:buSzTx/>
+              <a:buFontTx/>
+              <a:buNone/>
+              <a:tabLst/>
+              <a:defRPr/>
+            </a:pPr>
+            <a:r>
+              <a:rPr lang="ru-RU" sz="1200" kern="1200" dirty="0">
+                <a:solidFill>
+                  <a:schemeClr val="tx1"/>
+                </a:solidFill>
+                <a:effectLst/>
+                <a:latin typeface="+mn-lt"/>
+                <a:ea typeface="+mn-ea"/>
+                <a:cs typeface="+mn-cs"/>
+              </a:rPr>
+              <a:t>он может свободно манипулировать состоянием физической модели в реальном времени,</a:t>
+            </a:r>
+            <a:endParaRPr lang="en-US" sz="1200" kern="1200" dirty="0">
+              <a:solidFill>
+                <a:schemeClr val="tx1"/>
+              </a:solidFill>
+              <a:effectLst/>
+              <a:latin typeface="+mn-lt"/>
+              <a:ea typeface="+mn-ea"/>
+              <a:cs typeface="+mn-cs"/>
+            </a:endParaRPr>
+          </a:p>
+          <a:p>
+            <a:pPr marL="0" marR="0" lvl="0" indent="0" algn="l" defTabSz="914400" rtl="0" eaLnBrk="1" fontAlgn="auto" latinLnBrk="0" hangingPunct="1">
+              <a:lnSpc>
+                <a:spcPct val="100000"/>
+              </a:lnSpc>
+              <a:spcBef>
+                <a:spcPts val="0"/>
+              </a:spcBef>
+              <a:spcAft>
+                <a:spcPts val="0"/>
+              </a:spcAft>
+              <a:buClrTx/>
+              <a:buSzTx/>
+              <a:buFontTx/>
+              <a:buNone/>
+              <a:tabLst/>
+              <a:defRPr/>
+            </a:pPr>
+            <a:r>
+              <a:rPr lang="ru-RU" sz="1200" kern="1200" dirty="0">
+                <a:solidFill>
+                  <a:schemeClr val="tx1"/>
+                </a:solidFill>
+                <a:effectLst/>
+                <a:latin typeface="+mn-lt"/>
+                <a:ea typeface="+mn-ea"/>
+                <a:cs typeface="+mn-cs"/>
+              </a:rPr>
+              <a:t> а также запускать тестирование производительности.</a:t>
+            </a:r>
+          </a:p>
+          <a:p>
+            <a:endParaRPr lang="ru-RU" dirty="0"/>
+          </a:p>
+        </p:txBody>
+      </p:sp>
+      <p:sp>
+        <p:nvSpPr>
+          <p:cNvPr id="4" name="Номер слайда 3"/>
+          <p:cNvSpPr>
+            <a:spLocks noGrp="1"/>
+          </p:cNvSpPr>
+          <p:nvPr>
+            <p:ph type="sldNum" sz="quarter" idx="5"/>
+          </p:nvPr>
+        </p:nvSpPr>
+        <p:spPr/>
+        <p:txBody>
+          <a:bodyPr/>
+          <a:lstStyle/>
+          <a:p>
+            <a:fld id="{5F7AF5EC-3846-4C9A-8899-82DC6DC6657E}" type="slidenum">
+              <a:rPr lang="ru-RU" smtClean="0"/>
+              <a:t>5</a:t>
+            </a:fld>
+            <a:endParaRPr lang="ru-RU"/>
+          </a:p>
+        </p:txBody>
+      </p:sp>
+    </p:spTree>
+    <p:extLst>
+      <p:ext uri="{BB962C8B-B14F-4D97-AF65-F5344CB8AC3E}">
+        <p14:creationId xmlns:p14="http://schemas.microsoft.com/office/powerpoint/2010/main" val="4159575173"/>
+      </p:ext>
+    </p:extLst>
+  </p:cSld>
+  <p:clrMapOvr>
+    <a:masterClrMapping/>
+  </p:clrMapOvr>
+</p:notes>
+</file>
+
+<file path=ppt/notesSlides/notesSlide6.xml><?xml version="1.0" encoding="utf-8"?>
+<p:notes xmlns:a="http://schemas.openxmlformats.org/drawingml/2006/main" xmlns:r="http://schemas.openxmlformats.org/officeDocument/2006/relationships" xmlns:p="http://schemas.openxmlformats.org/presentationml/2006/main">
+  <p:cSld>
+    <p:spTree>
+      <p:nvGrpSpPr>
+        <p:cNvPr id="1" name=""/>
+        <p:cNvGrpSpPr/>
+        <p:nvPr/>
+      </p:nvGrpSpPr>
+      <p:grpSpPr>
+        <a:xfrm>
+          <a:off x="0" y="0"/>
+          <a:ext cx="0" cy="0"/>
+          <a:chOff x="0" y="0"/>
+          <a:chExt cx="0" cy="0"/>
+        </a:xfrm>
+      </p:grpSpPr>
+      <p:sp>
+        <p:nvSpPr>
+          <p:cNvPr id="2" name="Образ слайда 1"/>
+          <p:cNvSpPr>
+            <a:spLocks noGrp="1" noRot="1" noChangeAspect="1"/>
+          </p:cNvSpPr>
+          <p:nvPr>
+            <p:ph type="sldImg"/>
+          </p:nvPr>
+        </p:nvSpPr>
+        <p:spPr/>
+      </p:sp>
+      <p:sp>
+        <p:nvSpPr>
+          <p:cNvPr id="3" name="Заметки 2"/>
+          <p:cNvSpPr>
+            <a:spLocks noGrp="1"/>
+          </p:cNvSpPr>
+          <p:nvPr>
+            <p:ph type="body" idx="1"/>
+          </p:nvPr>
+        </p:nvSpPr>
+        <p:spPr/>
+        <p:txBody>
+          <a:bodyPr/>
+          <a:lstStyle/>
+          <a:p>
+            <a:pPr lvl="0"/>
+            <a:r>
+              <a:rPr lang="ru-RU" sz="1200" kern="1200" dirty="0">
+                <a:solidFill>
+                  <a:schemeClr val="tx1"/>
+                </a:solidFill>
+                <a:effectLst/>
+                <a:latin typeface="+mn-lt"/>
+                <a:ea typeface="+mn-ea"/>
+                <a:cs typeface="+mn-cs"/>
+              </a:rPr>
+              <a:t>На следующем слайде приведена диаграмма классов приложения. Основным классом является «</a:t>
+            </a:r>
+            <a:r>
+              <a:rPr lang="en-US" sz="1200" kern="1200" dirty="0">
+                <a:solidFill>
+                  <a:schemeClr val="tx1"/>
+                </a:solidFill>
+                <a:effectLst/>
+                <a:latin typeface="+mn-lt"/>
+                <a:ea typeface="+mn-ea"/>
+                <a:cs typeface="+mn-cs"/>
+              </a:rPr>
+              <a:t>engine</a:t>
+            </a:r>
+            <a:r>
+              <a:rPr lang="ru-RU" sz="1200" kern="1200" dirty="0">
+                <a:solidFill>
+                  <a:schemeClr val="tx1"/>
+                </a:solidFill>
+                <a:effectLst/>
+                <a:latin typeface="+mn-lt"/>
+                <a:ea typeface="+mn-ea"/>
+                <a:cs typeface="+mn-cs"/>
+              </a:rPr>
+              <a:t>», он отвечает за все основные процессы приложения (такие как обновление модели, отрисовка объектов и реагирование на действия пользователя), класс «</a:t>
+            </a:r>
+            <a:r>
+              <a:rPr lang="en-US" sz="1200" kern="1200" dirty="0">
+                <a:solidFill>
+                  <a:schemeClr val="tx1"/>
+                </a:solidFill>
+                <a:effectLst/>
+                <a:latin typeface="+mn-lt"/>
+                <a:ea typeface="+mn-ea"/>
+                <a:cs typeface="+mn-cs"/>
+              </a:rPr>
+              <a:t>benchmark</a:t>
+            </a:r>
+            <a:r>
+              <a:rPr lang="ru-RU" sz="1200" kern="1200" dirty="0">
+                <a:solidFill>
+                  <a:schemeClr val="tx1"/>
+                </a:solidFill>
+                <a:effectLst/>
+                <a:latin typeface="+mn-lt"/>
+                <a:ea typeface="+mn-ea"/>
+                <a:cs typeface="+mn-cs"/>
+              </a:rPr>
+              <a:t>» отвечает за выполнение тестирования производительности. Сущность «</a:t>
+            </a:r>
+            <a:r>
+              <a:rPr lang="en-US" sz="1200" kern="1200" dirty="0">
+                <a:solidFill>
+                  <a:schemeClr val="tx1"/>
+                </a:solidFill>
+                <a:effectLst/>
+                <a:latin typeface="+mn-lt"/>
+                <a:ea typeface="+mn-ea"/>
+                <a:cs typeface="+mn-cs"/>
+              </a:rPr>
+              <a:t>particle</a:t>
+            </a:r>
+            <a:r>
+              <a:rPr lang="ru-RU" sz="1200" kern="1200" dirty="0">
+                <a:solidFill>
+                  <a:schemeClr val="tx1"/>
+                </a:solidFill>
+                <a:effectLst/>
+                <a:latin typeface="+mn-lt"/>
+                <a:ea typeface="+mn-ea"/>
+                <a:cs typeface="+mn-cs"/>
+              </a:rPr>
+              <a:t>» - это минимальный объект физической модели, остальные сущности предназначены для правильной работы приложения.</a:t>
+            </a:r>
+          </a:p>
+        </p:txBody>
+      </p:sp>
+      <p:sp>
+        <p:nvSpPr>
+          <p:cNvPr id="4" name="Номер слайда 3"/>
+          <p:cNvSpPr>
+            <a:spLocks noGrp="1"/>
+          </p:cNvSpPr>
+          <p:nvPr>
+            <p:ph type="sldNum" sz="quarter" idx="5"/>
+          </p:nvPr>
+        </p:nvSpPr>
+        <p:spPr/>
+        <p:txBody>
+          <a:bodyPr/>
+          <a:lstStyle/>
+          <a:p>
+            <a:fld id="{5F7AF5EC-3846-4C9A-8899-82DC6DC6657E}" type="slidenum">
+              <a:rPr lang="ru-RU" smtClean="0"/>
+              <a:t>6</a:t>
+            </a:fld>
+            <a:endParaRPr lang="ru-RU"/>
+          </a:p>
+        </p:txBody>
+      </p:sp>
+    </p:spTree>
+    <p:extLst>
+      <p:ext uri="{BB962C8B-B14F-4D97-AF65-F5344CB8AC3E}">
+        <p14:creationId xmlns:p14="http://schemas.microsoft.com/office/powerpoint/2010/main" val="1453479072"/>
+      </p:ext>
+    </p:extLst>
+  </p:cSld>
+  <p:clrMapOvr>
+    <a:masterClrMapping/>
+  </p:clrMapOvr>
+</p:notes>
+</file>
+
+<file path=ppt/notesSlides/notesSlide7.xml><?xml version="1.0" encoding="utf-8"?>
+<p:notes xmlns:a="http://schemas.openxmlformats.org/drawingml/2006/main" xmlns:r="http://schemas.openxmlformats.org/officeDocument/2006/relationships" xmlns:p="http://schemas.openxmlformats.org/presentationml/2006/main">
+  <p:cSld>
+    <p:spTree>
+      <p:nvGrpSpPr>
+        <p:cNvPr id="1" name=""/>
+        <p:cNvGrpSpPr/>
+        <p:nvPr/>
+      </p:nvGrpSpPr>
+      <p:grpSpPr>
+        <a:xfrm>
+          <a:off x="0" y="0"/>
+          <a:ext cx="0" cy="0"/>
+          <a:chOff x="0" y="0"/>
+          <a:chExt cx="0" cy="0"/>
+        </a:xfrm>
+      </p:grpSpPr>
+      <p:sp>
+        <p:nvSpPr>
+          <p:cNvPr id="2" name="Образ слайда 1"/>
+          <p:cNvSpPr>
+            <a:spLocks noGrp="1" noRot="1" noChangeAspect="1"/>
+          </p:cNvSpPr>
+          <p:nvPr>
+            <p:ph type="sldImg"/>
+          </p:nvPr>
+        </p:nvSpPr>
+        <p:spPr/>
+      </p:sp>
+      <p:sp>
+        <p:nvSpPr>
+          <p:cNvPr id="3" name="Заметки 2"/>
+          <p:cNvSpPr>
+            <a:spLocks noGrp="1"/>
+          </p:cNvSpPr>
+          <p:nvPr>
+            <p:ph type="body" idx="1"/>
+          </p:nvPr>
+        </p:nvSpPr>
+        <p:spPr/>
+        <p:txBody>
+          <a:bodyPr/>
+          <a:lstStyle/>
+          <a:p>
+            <a:pPr lvl="0"/>
+            <a:r>
+              <a:rPr lang="ru-RU" sz="1200" kern="1200" dirty="0">
+                <a:solidFill>
+                  <a:schemeClr val="tx1"/>
+                </a:solidFill>
+                <a:effectLst/>
+                <a:latin typeface="+mn-lt"/>
+                <a:ea typeface="+mn-ea"/>
+                <a:cs typeface="+mn-cs"/>
+              </a:rPr>
+              <a:t>На слайде 5 показана диаграмма «сущность-связь», она показывает взаимосвязи между объектами системы. </a:t>
+            </a:r>
+          </a:p>
+        </p:txBody>
+      </p:sp>
+      <p:sp>
+        <p:nvSpPr>
+          <p:cNvPr id="4" name="Номер слайда 3"/>
+          <p:cNvSpPr>
+            <a:spLocks noGrp="1"/>
+          </p:cNvSpPr>
+          <p:nvPr>
+            <p:ph type="sldNum" sz="quarter" idx="5"/>
+          </p:nvPr>
+        </p:nvSpPr>
+        <p:spPr/>
+        <p:txBody>
+          <a:bodyPr/>
+          <a:lstStyle/>
+          <a:p>
+            <a:fld id="{5F7AF5EC-3846-4C9A-8899-82DC6DC6657E}" type="slidenum">
+              <a:rPr lang="ru-RU" smtClean="0"/>
+              <a:t>7</a:t>
+            </a:fld>
+            <a:endParaRPr lang="ru-RU"/>
+          </a:p>
+        </p:txBody>
+      </p:sp>
+    </p:spTree>
+    <p:extLst>
+      <p:ext uri="{BB962C8B-B14F-4D97-AF65-F5344CB8AC3E}">
+        <p14:creationId xmlns:p14="http://schemas.microsoft.com/office/powerpoint/2010/main" val="2330794486"/>
+      </p:ext>
+    </p:extLst>
+  </p:cSld>
+  <p:clrMapOvr>
+    <a:masterClrMapping/>
+  </p:clrMapOvr>
+</p:notes>
+</file>
+
+<file path=ppt/notesSlides/notesSlide8.xml><?xml version="1.0" encoding="utf-8"?>
+<p:notes xmlns:a="http://schemas.openxmlformats.org/drawingml/2006/main" xmlns:r="http://schemas.openxmlformats.org/officeDocument/2006/relationships" xmlns:p="http://schemas.openxmlformats.org/presentationml/2006/main">
+  <p:cSld>
+    <p:spTree>
+      <p:nvGrpSpPr>
+        <p:cNvPr id="1" name=""/>
+        <p:cNvGrpSpPr/>
+        <p:nvPr/>
+      </p:nvGrpSpPr>
+      <p:grpSpPr>
+        <a:xfrm>
+          <a:off x="0" y="0"/>
+          <a:ext cx="0" cy="0"/>
+          <a:chOff x="0" y="0"/>
+          <a:chExt cx="0" cy="0"/>
+        </a:xfrm>
+      </p:grpSpPr>
+      <p:sp>
+        <p:nvSpPr>
+          <p:cNvPr id="2" name="Образ слайда 1"/>
+          <p:cNvSpPr>
+            <a:spLocks noGrp="1" noRot="1" noChangeAspect="1"/>
+          </p:cNvSpPr>
+          <p:nvPr>
+            <p:ph type="sldImg"/>
+          </p:nvPr>
+        </p:nvSpPr>
+        <p:spPr/>
+      </p:sp>
+      <p:sp>
+        <p:nvSpPr>
+          <p:cNvPr id="3" name="Заметки 2"/>
+          <p:cNvSpPr>
+            <a:spLocks noGrp="1"/>
+          </p:cNvSpPr>
+          <p:nvPr>
+            <p:ph type="body" idx="1"/>
+          </p:nvPr>
+        </p:nvSpPr>
+        <p:spPr/>
+        <p:txBody>
+          <a:bodyPr/>
+          <a:lstStyle/>
+          <a:p>
+            <a:pPr lvl="0"/>
+            <a:r>
+              <a:rPr lang="ru-RU" sz="1200" kern="1200" dirty="0">
+                <a:solidFill>
+                  <a:schemeClr val="tx1"/>
+                </a:solidFill>
+                <a:effectLst/>
+                <a:latin typeface="+mn-lt"/>
+                <a:ea typeface="+mn-ea"/>
+                <a:cs typeface="+mn-cs"/>
+              </a:rPr>
+              <a:t>Реализация программы была выполнена с использованием следующих инструментов: языка программирования С++, системы </a:t>
+            </a:r>
+            <a:r>
+              <a:rPr lang="ru-RU" sz="1200" kern="1200" dirty="0" err="1">
+                <a:solidFill>
+                  <a:schemeClr val="tx1"/>
+                </a:solidFill>
+                <a:effectLst/>
+                <a:latin typeface="+mn-lt"/>
+                <a:ea typeface="+mn-ea"/>
+                <a:cs typeface="+mn-cs"/>
+              </a:rPr>
+              <a:t>сбоки</a:t>
+            </a:r>
+            <a:r>
+              <a:rPr lang="ru-RU" sz="1200" kern="1200" dirty="0">
+                <a:solidFill>
+                  <a:schemeClr val="tx1"/>
+                </a:solidFill>
+                <a:effectLst/>
+                <a:latin typeface="+mn-lt"/>
+                <a:ea typeface="+mn-ea"/>
+                <a:cs typeface="+mn-cs"/>
+              </a:rPr>
+              <a:t> </a:t>
+            </a:r>
+            <a:r>
+              <a:rPr lang="en-US" sz="1200" kern="1200" dirty="0" err="1">
+                <a:solidFill>
+                  <a:schemeClr val="tx1"/>
+                </a:solidFill>
+                <a:effectLst/>
+                <a:latin typeface="+mn-lt"/>
+                <a:ea typeface="+mn-ea"/>
+                <a:cs typeface="+mn-cs"/>
+              </a:rPr>
+              <a:t>cmake</a:t>
+            </a:r>
+            <a:r>
+              <a:rPr lang="ru-RU" sz="1200" kern="1200" dirty="0">
+                <a:solidFill>
+                  <a:schemeClr val="tx1"/>
+                </a:solidFill>
+                <a:effectLst/>
+                <a:latin typeface="+mn-lt"/>
+                <a:ea typeface="+mn-ea"/>
+                <a:cs typeface="+mn-cs"/>
+              </a:rPr>
+              <a:t>, компилятора </a:t>
+            </a:r>
+            <a:r>
+              <a:rPr lang="en-US" sz="1200" kern="1200" dirty="0">
+                <a:solidFill>
+                  <a:schemeClr val="tx1"/>
+                </a:solidFill>
+                <a:effectLst/>
+                <a:latin typeface="+mn-lt"/>
+                <a:ea typeface="+mn-ea"/>
+                <a:cs typeface="+mn-cs"/>
+              </a:rPr>
+              <a:t>GCC</a:t>
+            </a:r>
+            <a:r>
+              <a:rPr lang="ru-RU" sz="1200" kern="1200" dirty="0">
+                <a:solidFill>
+                  <a:schemeClr val="tx1"/>
+                </a:solidFill>
+                <a:effectLst/>
+                <a:latin typeface="+mn-lt"/>
+                <a:ea typeface="+mn-ea"/>
+                <a:cs typeface="+mn-cs"/>
+              </a:rPr>
+              <a:t>, библиотек </a:t>
+            </a:r>
+            <a:r>
+              <a:rPr lang="en-US" sz="1200" kern="1200" dirty="0">
+                <a:solidFill>
+                  <a:schemeClr val="tx1"/>
+                </a:solidFill>
+                <a:effectLst/>
+                <a:latin typeface="+mn-lt"/>
+                <a:ea typeface="+mn-ea"/>
+                <a:cs typeface="+mn-cs"/>
+              </a:rPr>
+              <a:t>SFML </a:t>
+            </a:r>
+            <a:r>
+              <a:rPr lang="ru-RU" sz="1200" kern="1200" dirty="0">
+                <a:solidFill>
+                  <a:schemeClr val="tx1"/>
+                </a:solidFill>
+                <a:effectLst/>
+                <a:latin typeface="+mn-lt"/>
+                <a:ea typeface="+mn-ea"/>
+                <a:cs typeface="+mn-cs"/>
+              </a:rPr>
+              <a:t>для графической части и </a:t>
+            </a:r>
+            <a:r>
+              <a:rPr lang="en-US" sz="1200" kern="1200" dirty="0">
+                <a:solidFill>
+                  <a:schemeClr val="tx1"/>
+                </a:solidFill>
+                <a:effectLst/>
+                <a:latin typeface="+mn-lt"/>
+                <a:ea typeface="+mn-ea"/>
+                <a:cs typeface="+mn-cs"/>
+              </a:rPr>
+              <a:t>OpenMP </a:t>
+            </a:r>
+            <a:r>
+              <a:rPr lang="ru-RU" sz="1200" kern="1200" dirty="0">
+                <a:solidFill>
+                  <a:schemeClr val="tx1"/>
+                </a:solidFill>
+                <a:effectLst/>
+                <a:latin typeface="+mn-lt"/>
+                <a:ea typeface="+mn-ea"/>
+                <a:cs typeface="+mn-cs"/>
+              </a:rPr>
+              <a:t>для распараллеливания вычислений.</a:t>
+            </a:r>
+          </a:p>
+        </p:txBody>
+      </p:sp>
+      <p:sp>
+        <p:nvSpPr>
+          <p:cNvPr id="4" name="Номер слайда 3"/>
+          <p:cNvSpPr>
+            <a:spLocks noGrp="1"/>
+          </p:cNvSpPr>
+          <p:nvPr>
+            <p:ph type="sldNum" sz="quarter" idx="5"/>
+          </p:nvPr>
+        </p:nvSpPr>
+        <p:spPr/>
+        <p:txBody>
+          <a:bodyPr/>
+          <a:lstStyle/>
+          <a:p>
+            <a:fld id="{5F7AF5EC-3846-4C9A-8899-82DC6DC6657E}" type="slidenum">
+              <a:rPr lang="ru-RU" smtClean="0"/>
+              <a:t>8</a:t>
+            </a:fld>
+            <a:endParaRPr lang="ru-RU"/>
+          </a:p>
+        </p:txBody>
+      </p:sp>
+    </p:spTree>
+    <p:extLst>
+      <p:ext uri="{BB962C8B-B14F-4D97-AF65-F5344CB8AC3E}">
+        <p14:creationId xmlns:p14="http://schemas.microsoft.com/office/powerpoint/2010/main" val="41738286"/>
+      </p:ext>
+    </p:extLst>
+  </p:cSld>
+  <p:clrMapOvr>
+    <a:masterClrMapping/>
+  </p:clrMapOvr>
+</p:notes>
+</file>
+
+<file path=ppt/notesSlides/notesSlide9.xml><?xml version="1.0" encoding="utf-8"?>
+<p:notes xmlns:a="http://schemas.openxmlformats.org/drawingml/2006/main" xmlns:r="http://schemas.openxmlformats.org/officeDocument/2006/relationships" xmlns:p="http://schemas.openxmlformats.org/presentationml/2006/main">
+  <p:cSld>
+    <p:spTree>
+      <p:nvGrpSpPr>
+        <p:cNvPr id="1" name=""/>
+        <p:cNvGrpSpPr/>
+        <p:nvPr/>
+      </p:nvGrpSpPr>
+      <p:grpSpPr>
+        <a:xfrm>
+          <a:off x="0" y="0"/>
+          <a:ext cx="0" cy="0"/>
+          <a:chOff x="0" y="0"/>
+          <a:chExt cx="0" cy="0"/>
+        </a:xfrm>
+      </p:grpSpPr>
+      <p:sp>
+        <p:nvSpPr>
+          <p:cNvPr id="2" name="Образ слайда 1"/>
+          <p:cNvSpPr>
+            <a:spLocks noGrp="1" noRot="1" noChangeAspect="1"/>
+          </p:cNvSpPr>
+          <p:nvPr>
+            <p:ph type="sldImg"/>
+          </p:nvPr>
+        </p:nvSpPr>
+        <p:spPr/>
+      </p:sp>
+      <p:sp>
+        <p:nvSpPr>
+          <p:cNvPr id="3" name="Заметки 2"/>
+          <p:cNvSpPr>
+            <a:spLocks noGrp="1"/>
+          </p:cNvSpPr>
+          <p:nvPr>
+            <p:ph type="body" idx="1"/>
+          </p:nvPr>
+        </p:nvSpPr>
+        <p:spPr/>
+        <p:txBody>
+          <a:bodyPr/>
+          <a:lstStyle/>
+          <a:p>
+            <a:pPr marL="0" marR="0" lvl="0" indent="0" algn="l" defTabSz="914400" rtl="0" eaLnBrk="1" fontAlgn="auto" latinLnBrk="0" hangingPunct="1">
+              <a:lnSpc>
+                <a:spcPct val="100000"/>
+              </a:lnSpc>
+              <a:spcBef>
+                <a:spcPts val="0"/>
+              </a:spcBef>
+              <a:spcAft>
+                <a:spcPts val="0"/>
+              </a:spcAft>
+              <a:buClrTx/>
+              <a:buSzTx/>
+              <a:buFontTx/>
+              <a:buNone/>
+              <a:tabLst/>
+              <a:defRPr/>
+            </a:pPr>
+            <a:r>
+              <a:rPr lang="ru-RU" sz="1200" kern="1200" dirty="0">
+                <a:solidFill>
+                  <a:schemeClr val="tx1"/>
+                </a:solidFill>
+                <a:effectLst/>
+                <a:latin typeface="+mn-lt"/>
+                <a:ea typeface="+mn-ea"/>
+                <a:cs typeface="+mn-cs"/>
+              </a:rPr>
+              <a:t>На данном слайде показан скриншот приложения, на нем видно что при наличии тысячи отдельных объектах, программа обновляется 180 раз в секунду.</a:t>
+            </a:r>
+          </a:p>
+          <a:p>
+            <a:endParaRPr lang="ru-RU" dirty="0"/>
+          </a:p>
+        </p:txBody>
+      </p:sp>
+      <p:sp>
+        <p:nvSpPr>
+          <p:cNvPr id="4" name="Номер слайда 3"/>
+          <p:cNvSpPr>
+            <a:spLocks noGrp="1"/>
+          </p:cNvSpPr>
+          <p:nvPr>
+            <p:ph type="sldNum" sz="quarter" idx="5"/>
+          </p:nvPr>
+        </p:nvSpPr>
+        <p:spPr/>
+        <p:txBody>
+          <a:bodyPr/>
+          <a:lstStyle/>
+          <a:p>
+            <a:fld id="{5F7AF5EC-3846-4C9A-8899-82DC6DC6657E}" type="slidenum">
+              <a:rPr lang="ru-RU" smtClean="0"/>
+              <a:t>9</a:t>
+            </a:fld>
+            <a:endParaRPr lang="ru-RU"/>
+          </a:p>
+        </p:txBody>
+      </p:sp>
+    </p:spTree>
+    <p:extLst>
+      <p:ext uri="{BB962C8B-B14F-4D97-AF65-F5344CB8AC3E}">
+        <p14:creationId xmlns:p14="http://schemas.microsoft.com/office/powerpoint/2010/main" val="3484152388"/>
+      </p:ext>
+    </p:extLst>
+  </p:cSld>
+  <p:clrMapOvr>
+    <a:masterClrMapping/>
+  </p:clrMapOvr>
+</p:notes>
+</file>
+
 <file path=ppt/slideLayouts/slideLayout1.xml><?xml version="1.0" encoding="utf-8"?>
 <p:sldLayout xmlns:a="http://schemas.openxmlformats.org/drawingml/2006/main" xmlns:r="http://schemas.openxmlformats.org/officeDocument/2006/relationships" xmlns:p="http://schemas.openxmlformats.org/presentationml/2006/main" type="title" preserve="1">
   <p:cSld name="Титульный слайд">
@@ -1227,9 +3247,9 @@
           <a:bodyPr/>
           <a:lstStyle/>
           <a:p>
-            <a:fld id="{AB343E48-A6EE-428F-90DE-64E995DC7BC5}" type="datetimeFigureOut">
+            <a:fld id="{2EEECBE4-13F1-435A-930B-EFC96BD86300}" type="datetime1">
               <a:rPr lang="ru-RU" smtClean="0"/>
-              <a:t>21.06.2025</a:t>
+              <a:t>22.06.2025</a:t>
             </a:fld>
             <a:endParaRPr lang="ru-RU"/>
           </a:p>
@@ -1425,9 +3445,9 @@
           <a:bodyPr/>
           <a:lstStyle/>
           <a:p>
-            <a:fld id="{AB343E48-A6EE-428F-90DE-64E995DC7BC5}" type="datetimeFigureOut">
+            <a:fld id="{65EB7525-AFA7-4AA6-B217-2307C11DF747}" type="datetime1">
               <a:rPr lang="ru-RU" smtClean="0"/>
-              <a:t>21.06.2025</a:t>
+              <a:t>22.06.2025</a:t>
             </a:fld>
             <a:endParaRPr lang="ru-RU"/>
           </a:p>
@@ -1633,9 +3653,9 @@
           <a:bodyPr/>
           <a:lstStyle/>
           <a:p>
-            <a:fld id="{AB343E48-A6EE-428F-90DE-64E995DC7BC5}" type="datetimeFigureOut">
+            <a:fld id="{676A180E-88F1-4669-9297-DC0B8A472344}" type="datetime1">
               <a:rPr lang="ru-RU" smtClean="0"/>
-              <a:t>21.06.2025</a:t>
+              <a:t>22.06.2025</a:t>
             </a:fld>
             <a:endParaRPr lang="ru-RU"/>
           </a:p>
@@ -1831,9 +3851,9 @@
           <a:bodyPr/>
           <a:lstStyle/>
           <a:p>
-            <a:fld id="{AB343E48-A6EE-428F-90DE-64E995DC7BC5}" type="datetimeFigureOut">
+            <a:fld id="{9ED6A79F-E11C-4145-8AD3-9B77C5B9F37D}" type="datetime1">
               <a:rPr lang="ru-RU" smtClean="0"/>
-              <a:t>21.06.2025</a:t>
+              <a:t>22.06.2025</a:t>
             </a:fld>
             <a:endParaRPr lang="ru-RU"/>
           </a:p>
@@ -2106,9 +4126,9 @@
           <a:bodyPr/>
           <a:lstStyle/>
           <a:p>
-            <a:fld id="{AB343E48-A6EE-428F-90DE-64E995DC7BC5}" type="datetimeFigureOut">
+            <a:fld id="{E969A970-3226-4AD1-9F69-4EC4B52990A3}" type="datetime1">
               <a:rPr lang="ru-RU" smtClean="0"/>
-              <a:t>21.06.2025</a:t>
+              <a:t>22.06.2025</a:t>
             </a:fld>
             <a:endParaRPr lang="ru-RU"/>
           </a:p>
@@ -2371,9 +4391,9 @@
           <a:bodyPr/>
           <a:lstStyle/>
           <a:p>
-            <a:fld id="{AB343E48-A6EE-428F-90DE-64E995DC7BC5}" type="datetimeFigureOut">
+            <a:fld id="{9BA4B86F-9EA7-4B4B-A6AC-C835395B11BB}" type="datetime1">
               <a:rPr lang="ru-RU" smtClean="0"/>
-              <a:t>21.06.2025</a:t>
+              <a:t>22.06.2025</a:t>
             </a:fld>
             <a:endParaRPr lang="ru-RU"/>
           </a:p>
@@ -2783,9 +4803,9 @@
           <a:bodyPr/>
           <a:lstStyle/>
           <a:p>
-            <a:fld id="{AB343E48-A6EE-428F-90DE-64E995DC7BC5}" type="datetimeFigureOut">
+            <a:fld id="{C5E721CB-AA97-4CD6-B4FF-FEB15A21C1F8}" type="datetime1">
               <a:rPr lang="ru-RU" smtClean="0"/>
-              <a:t>21.06.2025</a:t>
+              <a:t>22.06.2025</a:t>
             </a:fld>
             <a:endParaRPr lang="ru-RU"/>
           </a:p>
@@ -2924,9 +4944,9 @@
           <a:bodyPr/>
           <a:lstStyle/>
           <a:p>
-            <a:fld id="{AB343E48-A6EE-428F-90DE-64E995DC7BC5}" type="datetimeFigureOut">
+            <a:fld id="{94F080B8-7A24-4C43-97E3-047F62AE2533}" type="datetime1">
               <a:rPr lang="ru-RU" smtClean="0"/>
-              <a:t>21.06.2025</a:t>
+              <a:t>22.06.2025</a:t>
             </a:fld>
             <a:endParaRPr lang="ru-RU"/>
           </a:p>
@@ -3037,9 +5057,9 @@
           <a:bodyPr/>
           <a:lstStyle/>
           <a:p>
-            <a:fld id="{AB343E48-A6EE-428F-90DE-64E995DC7BC5}" type="datetimeFigureOut">
+            <a:fld id="{DB3CFD90-78C7-4F57-BB32-1E311353191A}" type="datetime1">
               <a:rPr lang="ru-RU" smtClean="0"/>
-              <a:t>21.06.2025</a:t>
+              <a:t>22.06.2025</a:t>
             </a:fld>
             <a:endParaRPr lang="ru-RU"/>
           </a:p>
@@ -3348,9 +5368,9 @@
           <a:bodyPr/>
           <a:lstStyle/>
           <a:p>
-            <a:fld id="{AB343E48-A6EE-428F-90DE-64E995DC7BC5}" type="datetimeFigureOut">
+            <a:fld id="{C20F6813-79CD-4A5F-A6ED-A8E9B5B4BAF9}" type="datetime1">
               <a:rPr lang="ru-RU" smtClean="0"/>
-              <a:t>21.06.2025</a:t>
+              <a:t>22.06.2025</a:t>
             </a:fld>
             <a:endParaRPr lang="ru-RU"/>
           </a:p>
@@ -3636,9 +5656,9 @@
           <a:bodyPr/>
           <a:lstStyle/>
           <a:p>
-            <a:fld id="{AB343E48-A6EE-428F-90DE-64E995DC7BC5}" type="datetimeFigureOut">
+            <a:fld id="{8A68611A-F2CC-4AE1-848F-E0530D512173}" type="datetime1">
               <a:rPr lang="ru-RU" smtClean="0"/>
-              <a:t>21.06.2025</a:t>
+              <a:t>22.06.2025</a:t>
             </a:fld>
             <a:endParaRPr lang="ru-RU"/>
           </a:p>
@@ -3877,9 +5897,9 @@
             </a:lvl1pPr>
           </a:lstStyle>
           <a:p>
-            <a:fld id="{AB343E48-A6EE-428F-90DE-64E995DC7BC5}" type="datetimeFigureOut">
+            <a:fld id="{6B86E1EF-FB76-4274-AD64-326B97A3350F}" type="datetime1">
               <a:rPr lang="ru-RU" smtClean="0"/>
-              <a:t>21.06.2025</a:t>
+              <a:t>22.06.2025</a:t>
             </a:fld>
             <a:endParaRPr lang="ru-RU"/>
           </a:p>
@@ -3996,6 +6016,7 @@
     <p:sldLayoutId id="2147483658" r:id="rId10"/>
     <p:sldLayoutId id="2147483659" r:id="rId11"/>
   </p:sldLayoutIdLst>
+  <p:hf hdr="0" ftr="0" dt="0"/>
   <p:txStyles>
     <p:titleStyle>
       <a:lvl1pPr algn="l" defTabSz="914400" rtl="0" eaLnBrk="1" latinLnBrk="0" hangingPunct="1">
@@ -4315,23 +6336,28 @@
         <p:spPr>
           <a:xfrm>
             <a:off x="2200274" y="2212975"/>
-            <a:ext cx="7791448" cy="893763"/>
+            <a:ext cx="7791448" cy="1082884"/>
           </a:xfrm>
         </p:spPr>
         <p:txBody>
           <a:bodyPr>
-            <a:normAutofit/>
+            <a:noAutofit/>
           </a:bodyPr>
           <a:lstStyle/>
           <a:p>
             <a:r>
-              <a:rPr lang="ru-RU" sz="2800" b="1" dirty="0">
-                <a:latin typeface="Times New Roman" panose="02020603050405020304" pitchFamily="18" charset="0"/>
-                <a:ea typeface="Times New Roman" panose="02020603050405020304" pitchFamily="18" charset="0"/>
+              <a:rPr lang="ru-RU" sz="3600" b="1" dirty="0">
+                <a:latin typeface="Sans Serif Collection" panose="020B0502040504020204" pitchFamily="34" charset="0"/>
+                <a:ea typeface="Sans Serif Collection" panose="020B0502040504020204" pitchFamily="34" charset="0"/>
+                <a:cs typeface="Sans Serif Collection" panose="020B0502040504020204" pitchFamily="34" charset="0"/>
               </a:rPr>
               <a:t>Разработка эффективного метода реализации рендеринга</a:t>
             </a:r>
-            <a:endParaRPr lang="ru-RU" sz="8000" dirty="0"/>
+            <a:endParaRPr lang="ru-RU" sz="3600" dirty="0">
+              <a:latin typeface="Sans Serif Collection" panose="020B0502040504020204" pitchFamily="34" charset="0"/>
+              <a:ea typeface="Sans Serif Collection" panose="020B0502040504020204" pitchFamily="34" charset="0"/>
+              <a:cs typeface="Sans Serif Collection" panose="020B0502040504020204" pitchFamily="34" charset="0"/>
+            </a:endParaRPr>
           </a:p>
         </p:txBody>
       </p:sp>
@@ -4353,8 +6379,8 @@
         </p:nvSpPr>
         <p:spPr>
           <a:xfrm>
-            <a:off x="2200274" y="557213"/>
-            <a:ext cx="7791448" cy="1655762"/>
+            <a:off x="1919205" y="557213"/>
+            <a:ext cx="8353586" cy="1655762"/>
           </a:xfrm>
         </p:spPr>
         <p:txBody>
@@ -4373,14 +6399,16 @@
             </a:pPr>
             <a:r>
               <a:rPr lang="ru-RU" sz="1400" dirty="0">
-                <a:latin typeface="Times New Roman" panose="02020603050405020304" pitchFamily="18" charset="0"/>
-                <a:cs typeface="Times New Roman" panose="02020603050405020304" pitchFamily="18" charset="0"/>
+                <a:latin typeface="Sans Serif Collection" panose="020B0502040504020204" pitchFamily="34" charset="0"/>
+                <a:ea typeface="Sans Serif Collection" panose="020B0502040504020204" pitchFamily="34" charset="0"/>
+                <a:cs typeface="Sans Serif Collection" panose="020B0502040504020204" pitchFamily="34" charset="0"/>
               </a:rPr>
               <a:t>МИНИСТЕРСТВО НАУКИ И ВЫСШЕГО ОБРАЗОВАНИЯ РОССИЙСКОЙ ФЕДЕРАЦИИ</a:t>
             </a:r>
             <a:endParaRPr lang="en-US" sz="1400" dirty="0">
-              <a:latin typeface="Times New Roman" panose="02020603050405020304" pitchFamily="18" charset="0"/>
-              <a:cs typeface="Times New Roman" panose="02020603050405020304" pitchFamily="18" charset="0"/>
+              <a:latin typeface="Sans Serif Collection" panose="020B0502040504020204" pitchFamily="34" charset="0"/>
+              <a:ea typeface="Sans Serif Collection" panose="020B0502040504020204" pitchFamily="34" charset="0"/>
+              <a:cs typeface="Sans Serif Collection" panose="020B0502040504020204" pitchFamily="34" charset="0"/>
             </a:endParaRPr>
           </a:p>
           <a:p>
@@ -4394,14 +6422,16 @@
             </a:pPr>
             <a:r>
               <a:rPr lang="ru-RU" sz="1400" dirty="0">
-                <a:latin typeface="Times New Roman" panose="02020603050405020304" pitchFamily="18" charset="0"/>
-                <a:cs typeface="Times New Roman" panose="02020603050405020304" pitchFamily="18" charset="0"/>
+                <a:latin typeface="Sans Serif Collection" panose="020B0502040504020204" pitchFamily="34" charset="0"/>
+                <a:ea typeface="Sans Serif Collection" panose="020B0502040504020204" pitchFamily="34" charset="0"/>
+                <a:cs typeface="Sans Serif Collection" panose="020B0502040504020204" pitchFamily="34" charset="0"/>
               </a:rPr>
               <a:t>Федеральное государственное автономное образовательное учреждение высшего образования</a:t>
             </a:r>
             <a:endParaRPr lang="en-US" sz="1400" dirty="0">
-              <a:latin typeface="Times New Roman" panose="02020603050405020304" pitchFamily="18" charset="0"/>
-              <a:cs typeface="Times New Roman" panose="02020603050405020304" pitchFamily="18" charset="0"/>
+              <a:latin typeface="Sans Serif Collection" panose="020B0502040504020204" pitchFamily="34" charset="0"/>
+              <a:ea typeface="Sans Serif Collection" panose="020B0502040504020204" pitchFamily="34" charset="0"/>
+              <a:cs typeface="Sans Serif Collection" panose="020B0502040504020204" pitchFamily="34" charset="0"/>
             </a:endParaRPr>
           </a:p>
           <a:p>
@@ -4415,14 +6445,16 @@
             </a:pPr>
             <a:r>
               <a:rPr lang="ru-RU" sz="1400" dirty="0">
-                <a:latin typeface="Times New Roman" panose="02020603050405020304" pitchFamily="18" charset="0"/>
-                <a:cs typeface="Times New Roman" panose="02020603050405020304" pitchFamily="18" charset="0"/>
+                <a:latin typeface="Sans Serif Collection" panose="020B0502040504020204" pitchFamily="34" charset="0"/>
+                <a:ea typeface="Sans Serif Collection" panose="020B0502040504020204" pitchFamily="34" charset="0"/>
+                <a:cs typeface="Sans Serif Collection" panose="020B0502040504020204" pitchFamily="34" charset="0"/>
               </a:rPr>
               <a:t>«Южно-Уральский государственный университет (национальный исследовательский университет)»</a:t>
             </a:r>
             <a:endParaRPr lang="en-US" sz="1400" dirty="0">
-              <a:latin typeface="Times New Roman" panose="02020603050405020304" pitchFamily="18" charset="0"/>
-              <a:cs typeface="Times New Roman" panose="02020603050405020304" pitchFamily="18" charset="0"/>
+              <a:latin typeface="Sans Serif Collection" panose="020B0502040504020204" pitchFamily="34" charset="0"/>
+              <a:ea typeface="Sans Serif Collection" panose="020B0502040504020204" pitchFamily="34" charset="0"/>
+              <a:cs typeface="Sans Serif Collection" panose="020B0502040504020204" pitchFamily="34" charset="0"/>
             </a:endParaRPr>
           </a:p>
           <a:p>
@@ -4436,14 +6468,16 @@
             </a:pPr>
             <a:r>
               <a:rPr lang="ru-RU" sz="1400" dirty="0">
-                <a:latin typeface="Times New Roman" panose="02020603050405020304" pitchFamily="18" charset="0"/>
-                <a:cs typeface="Times New Roman" panose="02020603050405020304" pitchFamily="18" charset="0"/>
+                <a:latin typeface="Sans Serif Collection" panose="020B0502040504020204" pitchFamily="34" charset="0"/>
+                <a:ea typeface="Sans Serif Collection" panose="020B0502040504020204" pitchFamily="34" charset="0"/>
+                <a:cs typeface="Sans Serif Collection" panose="020B0502040504020204" pitchFamily="34" charset="0"/>
               </a:rPr>
               <a:t>Высшая школа электроники и компьютерных наук</a:t>
             </a:r>
             <a:endParaRPr lang="en-US" sz="1400" dirty="0">
-              <a:latin typeface="Times New Roman" panose="02020603050405020304" pitchFamily="18" charset="0"/>
-              <a:cs typeface="Times New Roman" panose="02020603050405020304" pitchFamily="18" charset="0"/>
+              <a:latin typeface="Sans Serif Collection" panose="020B0502040504020204" pitchFamily="34" charset="0"/>
+              <a:ea typeface="Sans Serif Collection" panose="020B0502040504020204" pitchFamily="34" charset="0"/>
+              <a:cs typeface="Sans Serif Collection" panose="020B0502040504020204" pitchFamily="34" charset="0"/>
             </a:endParaRPr>
           </a:p>
           <a:p>
@@ -4457,8 +6491,9 @@
             </a:pPr>
             <a:r>
               <a:rPr lang="ru-RU" sz="1400" dirty="0">
-                <a:latin typeface="Times New Roman" panose="02020603050405020304" pitchFamily="18" charset="0"/>
-                <a:cs typeface="Times New Roman" panose="02020603050405020304" pitchFamily="18" charset="0"/>
+                <a:latin typeface="Sans Serif Collection" panose="020B0502040504020204" pitchFamily="34" charset="0"/>
+                <a:ea typeface="Sans Serif Collection" panose="020B0502040504020204" pitchFamily="34" charset="0"/>
+                <a:cs typeface="Sans Serif Collection" panose="020B0502040504020204" pitchFamily="34" charset="0"/>
               </a:rPr>
               <a:t>Кафедра системного программирования</a:t>
             </a:r>
@@ -4481,7 +6516,7 @@
         </p:nvSpPr>
         <p:spPr>
           <a:xfrm>
-            <a:off x="4787899" y="3159126"/>
+            <a:off x="4787898" y="3295859"/>
             <a:ext cx="2616200" cy="288924"/>
           </a:xfrm>
           <a:prstGeom prst="rect">
@@ -4490,7 +6525,7 @@
         </p:spPr>
         <p:txBody>
           <a:bodyPr vert="horz" lIns="91440" tIns="45720" rIns="91440" bIns="45720" rtlCol="0">
-            <a:normAutofit fontScale="85000" lnSpcReduction="10000"/>
+            <a:normAutofit fontScale="70000" lnSpcReduction="20000"/>
           </a:bodyPr>
           <a:lstStyle>
             <a:lvl1pPr marL="0" indent="0" algn="ctr" defTabSz="914400" rtl="0" eaLnBrk="1" latinLnBrk="0" hangingPunct="1">
@@ -4667,14 +6702,16 @@
             </a:pPr>
             <a:r>
               <a:rPr lang="ru-RU" sz="1400" dirty="0">
-                <a:latin typeface="Times New Roman" panose="02020603050405020304" pitchFamily="18" charset="0"/>
-                <a:cs typeface="Times New Roman" panose="02020603050405020304" pitchFamily="18" charset="0"/>
+                <a:latin typeface="Sans Serif Collection" panose="020B0502040504020204" pitchFamily="34" charset="0"/>
+                <a:ea typeface="Sans Serif Collection" panose="020B0502040504020204" pitchFamily="34" charset="0"/>
+                <a:cs typeface="Sans Serif Collection" panose="020B0502040504020204" pitchFamily="34" charset="0"/>
               </a:rPr>
               <a:t>09.03.04 «Программная инженерия»</a:t>
             </a:r>
             <a:endParaRPr lang="ru-RU" sz="1600" dirty="0">
-              <a:latin typeface="Times New Roman" panose="02020603050405020304" pitchFamily="18" charset="0"/>
-              <a:cs typeface="Times New Roman" panose="02020603050405020304" pitchFamily="18" charset="0"/>
+              <a:latin typeface="Sans Serif Collection" panose="020B0502040504020204" pitchFamily="34" charset="0"/>
+              <a:ea typeface="Sans Serif Collection" panose="020B0502040504020204" pitchFamily="34" charset="0"/>
+              <a:cs typeface="Sans Serif Collection" panose="020B0502040504020204" pitchFamily="34" charset="0"/>
             </a:endParaRPr>
           </a:p>
         </p:txBody>
@@ -4881,8 +6918,9 @@
             </a:pPr>
             <a:r>
               <a:rPr lang="ru-RU" sz="1400" dirty="0">
-                <a:latin typeface="Times New Roman" panose="02020603050405020304" pitchFamily="18" charset="0"/>
-                <a:cs typeface="Times New Roman" panose="02020603050405020304" pitchFamily="18" charset="0"/>
+                <a:latin typeface="Sans Serif Collection" panose="020B0502040504020204" pitchFamily="34" charset="0"/>
+                <a:ea typeface="Sans Serif Collection" panose="020B0502040504020204" pitchFamily="34" charset="0"/>
+                <a:cs typeface="Sans Serif Collection" panose="020B0502040504020204" pitchFamily="34" charset="0"/>
               </a:rPr>
               <a:t>Научный руководитель: </a:t>
             </a:r>
@@ -4902,17 +6940,17 @@
                   <a:srgbClr val="000000"/>
                 </a:solidFill>
                 <a:effectLst/>
-                <a:latin typeface="Times New Roman" panose="02020603050405020304" pitchFamily="18" charset="0"/>
-                <a:ea typeface="Times New Roman" panose="02020603050405020304" pitchFamily="18" charset="0"/>
-                <a:cs typeface="Times New Roman" panose="02020603050405020304" pitchFamily="18" charset="0"/>
-              </a:rPr>
-              <a:t>Ст. преподаватель кафедры СП </a:t>
+                <a:latin typeface="Sans Serif Collection" panose="020B0502040504020204" pitchFamily="34" charset="0"/>
+                <a:ea typeface="Sans Serif Collection" panose="020B0502040504020204" pitchFamily="34" charset="0"/>
+                <a:cs typeface="Sans Serif Collection" panose="020B0502040504020204" pitchFamily="34" charset="0"/>
+              </a:rPr>
+              <a:t>преподаватель кафедры СП </a:t>
             </a:r>
             <a:endParaRPr lang="ru-RU" sz="1400" dirty="0">
               <a:effectLst/>
-              <a:latin typeface="Times New Roman" panose="02020603050405020304" pitchFamily="18" charset="0"/>
-              <a:ea typeface="Times New Roman" panose="02020603050405020304" pitchFamily="18" charset="0"/>
-              <a:cs typeface="Times New Roman" panose="02020603050405020304" pitchFamily="18" charset="0"/>
+              <a:latin typeface="Sans Serif Collection" panose="020B0502040504020204" pitchFamily="34" charset="0"/>
+              <a:ea typeface="Sans Serif Collection" panose="020B0502040504020204" pitchFamily="34" charset="0"/>
+              <a:cs typeface="Sans Serif Collection" panose="020B0502040504020204" pitchFamily="34" charset="0"/>
             </a:endParaRPr>
           </a:p>
           <a:p>
@@ -4926,21 +6964,24 @@
             </a:pPr>
             <a:r>
               <a:rPr lang="ru-RU" sz="1400" dirty="0">
-                <a:latin typeface="Times New Roman" panose="02020603050405020304" pitchFamily="18" charset="0"/>
-                <a:cs typeface="Times New Roman" panose="02020603050405020304" pitchFamily="18" charset="0"/>
+                <a:latin typeface="Sans Serif Collection" panose="020B0502040504020204" pitchFamily="34" charset="0"/>
+                <a:ea typeface="Sans Serif Collection" panose="020B0502040504020204" pitchFamily="34" charset="0"/>
+                <a:cs typeface="Sans Serif Collection" panose="020B0502040504020204" pitchFamily="34" charset="0"/>
               </a:rPr>
               <a:t>П.А. </a:t>
             </a:r>
             <a:r>
               <a:rPr lang="ru-RU" sz="1400" dirty="0" err="1">
-                <a:latin typeface="Times New Roman" panose="02020603050405020304" pitchFamily="18" charset="0"/>
-                <a:cs typeface="Times New Roman" panose="02020603050405020304" pitchFamily="18" charset="0"/>
+                <a:latin typeface="Sans Serif Collection" panose="020B0502040504020204" pitchFamily="34" charset="0"/>
+                <a:ea typeface="Sans Serif Collection" panose="020B0502040504020204" pitchFamily="34" charset="0"/>
+                <a:cs typeface="Sans Serif Collection" panose="020B0502040504020204" pitchFamily="34" charset="0"/>
               </a:rPr>
               <a:t>Манатин</a:t>
             </a:r>
             <a:endParaRPr lang="ru-RU" sz="1400" dirty="0">
-              <a:latin typeface="Times New Roman" panose="02020603050405020304" pitchFamily="18" charset="0"/>
-              <a:cs typeface="Times New Roman" panose="02020603050405020304" pitchFamily="18" charset="0"/>
+              <a:latin typeface="Sans Serif Collection" panose="020B0502040504020204" pitchFamily="34" charset="0"/>
+              <a:ea typeface="Sans Serif Collection" panose="020B0502040504020204" pitchFamily="34" charset="0"/>
+              <a:cs typeface="Sans Serif Collection" panose="020B0502040504020204" pitchFamily="34" charset="0"/>
             </a:endParaRPr>
           </a:p>
         </p:txBody>
@@ -5148,15 +7189,17 @@
             <a:r>
               <a:rPr lang="ru-RU" sz="1400" dirty="0">
                 <a:effectLst/>
-                <a:latin typeface="Times New Roman" panose="02020603050405020304" pitchFamily="18" charset="0"/>
-                <a:ea typeface="Times New Roman" panose="02020603050405020304" pitchFamily="18" charset="0"/>
+                <a:latin typeface="Sans Serif Collection" panose="020B0502040504020204" pitchFamily="34" charset="0"/>
+                <a:ea typeface="Sans Serif Collection" panose="020B0502040504020204" pitchFamily="34" charset="0"/>
+                <a:cs typeface="Sans Serif Collection" panose="020B0502040504020204" pitchFamily="34" charset="0"/>
               </a:rPr>
               <a:t>Автор работы</a:t>
             </a:r>
             <a:r>
               <a:rPr lang="ru-RU" sz="1400" dirty="0">
-                <a:latin typeface="Times New Roman" panose="02020603050405020304" pitchFamily="18" charset="0"/>
-                <a:cs typeface="Times New Roman" panose="02020603050405020304" pitchFamily="18" charset="0"/>
+                <a:latin typeface="Sans Serif Collection" panose="020B0502040504020204" pitchFamily="34" charset="0"/>
+                <a:ea typeface="Sans Serif Collection" panose="020B0502040504020204" pitchFamily="34" charset="0"/>
+                <a:cs typeface="Sans Serif Collection" panose="020B0502040504020204" pitchFamily="34" charset="0"/>
               </a:rPr>
               <a:t>: </a:t>
             </a:r>
@@ -5176,17 +7219,17 @@
                   <a:srgbClr val="000000"/>
                 </a:solidFill>
                 <a:effectLst/>
-                <a:latin typeface="Times New Roman" panose="02020603050405020304" pitchFamily="18" charset="0"/>
-                <a:ea typeface="Times New Roman" panose="02020603050405020304" pitchFamily="18" charset="0"/>
-                <a:cs typeface="Times New Roman" panose="02020603050405020304" pitchFamily="18" charset="0"/>
+                <a:latin typeface="Sans Serif Collection" panose="020B0502040504020204" pitchFamily="34" charset="0"/>
+                <a:ea typeface="Sans Serif Collection" panose="020B0502040504020204" pitchFamily="34" charset="0"/>
+                <a:cs typeface="Sans Serif Collection" panose="020B0502040504020204" pitchFamily="34" charset="0"/>
               </a:rPr>
               <a:t>студент группы КЭ-343</a:t>
             </a:r>
             <a:endParaRPr lang="ru-RU" sz="1400" dirty="0">
               <a:effectLst/>
-              <a:latin typeface="Times New Roman" panose="02020603050405020304" pitchFamily="18" charset="0"/>
-              <a:ea typeface="Times New Roman" panose="02020603050405020304" pitchFamily="18" charset="0"/>
-              <a:cs typeface="Times New Roman" panose="02020603050405020304" pitchFamily="18" charset="0"/>
+              <a:latin typeface="Sans Serif Collection" panose="020B0502040504020204" pitchFamily="34" charset="0"/>
+              <a:ea typeface="Sans Serif Collection" panose="020B0502040504020204" pitchFamily="34" charset="0"/>
+              <a:cs typeface="Sans Serif Collection" panose="020B0502040504020204" pitchFamily="34" charset="0"/>
             </a:endParaRPr>
           </a:p>
           <a:p>
@@ -5200,8 +7243,9 @@
             </a:pPr>
             <a:r>
               <a:rPr lang="ru-RU" sz="1400" dirty="0">
-                <a:latin typeface="Times New Roman" panose="02020603050405020304" pitchFamily="18" charset="0"/>
-                <a:cs typeface="Times New Roman" panose="02020603050405020304" pitchFamily="18" charset="0"/>
+                <a:latin typeface="Sans Serif Collection" panose="020B0502040504020204" pitchFamily="34" charset="0"/>
+                <a:ea typeface="Sans Serif Collection" panose="020B0502040504020204" pitchFamily="34" charset="0"/>
+                <a:cs typeface="Sans Serif Collection" panose="020B0502040504020204" pitchFamily="34" charset="0"/>
               </a:rPr>
               <a:t>Г.О. Кузьмин</a:t>
             </a:r>
@@ -5410,14 +7454,16 @@
             </a:pPr>
             <a:r>
               <a:rPr lang="ru-RU" sz="1800" dirty="0">
-                <a:latin typeface="Times New Roman" panose="02020603050405020304" pitchFamily="18" charset="0"/>
-                <a:cs typeface="Times New Roman" panose="02020603050405020304" pitchFamily="18" charset="0"/>
+                <a:latin typeface="Sans Serif Collection" panose="020B0502040504020204" pitchFamily="34" charset="0"/>
+                <a:ea typeface="Sans Serif Collection" panose="020B0502040504020204" pitchFamily="34" charset="0"/>
+                <a:cs typeface="Sans Serif Collection" panose="020B0502040504020204" pitchFamily="34" charset="0"/>
               </a:rPr>
               <a:t>Челябинск, 2025 г.</a:t>
             </a:r>
             <a:endParaRPr lang="ru-RU" sz="2800" dirty="0">
-              <a:latin typeface="Times New Roman" panose="02020603050405020304" pitchFamily="18" charset="0"/>
-              <a:cs typeface="Times New Roman" panose="02020603050405020304" pitchFamily="18" charset="0"/>
+              <a:latin typeface="Sans Serif Collection" panose="020B0502040504020204" pitchFamily="34" charset="0"/>
+              <a:ea typeface="Sans Serif Collection" panose="020B0502040504020204" pitchFamily="34" charset="0"/>
+              <a:cs typeface="Sans Serif Collection" panose="020B0502040504020204" pitchFamily="34" charset="0"/>
             </a:endParaRPr>
           </a:p>
         </p:txBody>
@@ -5483,8 +7529,1153 @@
             <a:pPr algn="ctr"/>
             <a:r>
               <a:rPr lang="ru-RU" sz="4000" dirty="0">
-                <a:latin typeface="Times New Roman" panose="02020603050405020304" pitchFamily="18" charset="0"/>
-                <a:cs typeface="Times New Roman" panose="02020603050405020304" pitchFamily="18" charset="0"/>
+                <a:latin typeface="Sans Serif Collection" panose="020B0502040504020204" pitchFamily="34" charset="0"/>
+                <a:ea typeface="Sans Serif Collection" panose="020B0502040504020204" pitchFamily="34" charset="0"/>
+                <a:cs typeface="Sans Serif Collection" panose="020B0502040504020204" pitchFamily="34" charset="0"/>
+              </a:rPr>
+              <a:t>ОПТИМИЗАЦИЯ</a:t>
+            </a:r>
+          </a:p>
+        </p:txBody>
+      </p:sp>
+      <p:graphicFrame>
+        <p:nvGraphicFramePr>
+          <p:cNvPr id="6" name="Объект 5">
+            <a:extLst>
+              <a:ext uri="{FF2B5EF4-FFF2-40B4-BE49-F238E27FC236}">
+                <a16:creationId xmlns:a16="http://schemas.microsoft.com/office/drawing/2014/main" id="{C2F47AA5-AE64-4964-B5DE-715C721831C2}"/>
+              </a:ext>
+            </a:extLst>
+          </p:cNvPr>
+          <p:cNvGraphicFramePr>
+            <a:graphicFrameLocks noGrp="1"/>
+          </p:cNvGraphicFramePr>
+          <p:nvPr>
+            <p:ph idx="1"/>
+            <p:extLst>
+              <p:ext uri="{D42A27DB-BD31-4B8C-83A1-F6EECF244321}">
+                <p14:modId xmlns:p14="http://schemas.microsoft.com/office/powerpoint/2010/main" val="3731676602"/>
+              </p:ext>
+            </p:extLst>
+          </p:nvPr>
+        </p:nvGraphicFramePr>
+        <p:xfrm>
+          <a:off x="838200" y="1325880"/>
+          <a:ext cx="10515600" cy="4851083"/>
+        </p:xfrm>
+        <a:graphic>
+          <a:graphicData uri="http://schemas.openxmlformats.org/drawingml/2006/chart">
+            <c:chart xmlns:c="http://schemas.openxmlformats.org/drawingml/2006/chart" xmlns:r="http://schemas.openxmlformats.org/officeDocument/2006/relationships" r:id="rId3"/>
+          </a:graphicData>
+        </a:graphic>
+      </p:graphicFrame>
+      <p:sp>
+        <p:nvSpPr>
+          <p:cNvPr id="3" name="Номер слайда 2">
+            <a:extLst>
+              <a:ext uri="{FF2B5EF4-FFF2-40B4-BE49-F238E27FC236}">
+                <a16:creationId xmlns:a16="http://schemas.microsoft.com/office/drawing/2014/main" id="{C344F20E-14C3-4C65-900C-258E94DC2C26}"/>
+              </a:ext>
+            </a:extLst>
+          </p:cNvPr>
+          <p:cNvSpPr>
+            <a:spLocks noGrp="1"/>
+          </p:cNvSpPr>
+          <p:nvPr>
+            <p:ph type="sldNum" sz="quarter" idx="12"/>
+          </p:nvPr>
+        </p:nvSpPr>
+        <p:spPr/>
+        <p:txBody>
+          <a:bodyPr/>
+          <a:lstStyle/>
+          <a:p>
+            <a:fld id="{6AB11809-A137-4636-8E11-D480BDA4566E}" type="slidenum">
+              <a:rPr lang="ru-RU" smtClean="0"/>
+              <a:t>10</a:t>
+            </a:fld>
+            <a:r>
+              <a:rPr lang="en-US" dirty="0"/>
+              <a:t>/1</a:t>
+            </a:r>
+            <a:r>
+              <a:rPr lang="ru-RU" dirty="0"/>
+              <a:t>2</a:t>
+            </a:r>
+          </a:p>
+        </p:txBody>
+      </p:sp>
+    </p:spTree>
+    <p:extLst>
+      <p:ext uri="{BB962C8B-B14F-4D97-AF65-F5344CB8AC3E}">
+        <p14:creationId xmlns:p14="http://schemas.microsoft.com/office/powerpoint/2010/main" val="632479920"/>
+      </p:ext>
+    </p:extLst>
+  </p:cSld>
+  <p:clrMapOvr>
+    <a:masterClrMapping/>
+  </p:clrMapOvr>
+</p:sld>
+</file>
+
+<file path=ppt/slides/slide11.xml><?xml version="1.0" encoding="utf-8"?>
+<p:sld xmlns:a="http://schemas.openxmlformats.org/drawingml/2006/main" xmlns:r="http://schemas.openxmlformats.org/officeDocument/2006/relationships" xmlns:p="http://schemas.openxmlformats.org/presentationml/2006/main">
+  <p:cSld>
+    <p:spTree>
+      <p:nvGrpSpPr>
+        <p:cNvPr id="1" name=""/>
+        <p:cNvGrpSpPr/>
+        <p:nvPr/>
+      </p:nvGrpSpPr>
+      <p:grpSpPr>
+        <a:xfrm>
+          <a:off x="0" y="0"/>
+          <a:ext cx="0" cy="0"/>
+          <a:chOff x="0" y="0"/>
+          <a:chExt cx="0" cy="0"/>
+        </a:xfrm>
+      </p:grpSpPr>
+      <p:sp>
+        <p:nvSpPr>
+          <p:cNvPr id="2" name="Заголовок 1">
+            <a:extLst>
+              <a:ext uri="{FF2B5EF4-FFF2-40B4-BE49-F238E27FC236}">
+                <a16:creationId xmlns:a16="http://schemas.microsoft.com/office/drawing/2014/main" id="{DEF917E9-5C90-4F70-83BB-8CA64D4472D3}"/>
+              </a:ext>
+            </a:extLst>
+          </p:cNvPr>
+          <p:cNvSpPr>
+            <a:spLocks noGrp="1"/>
+          </p:cNvSpPr>
+          <p:nvPr>
+            <p:ph type="title"/>
+          </p:nvPr>
+        </p:nvSpPr>
+        <p:spPr>
+          <a:xfrm>
+            <a:off x="838200" y="365125"/>
+            <a:ext cx="10515600" cy="712007"/>
+          </a:xfrm>
+        </p:spPr>
+        <p:txBody>
+          <a:bodyPr>
+            <a:normAutofit/>
+          </a:bodyPr>
+          <a:lstStyle/>
+          <a:p>
+            <a:pPr algn="ctr"/>
+            <a:r>
+              <a:rPr lang="ru-RU" sz="4000" dirty="0">
+                <a:latin typeface="Sans Serif Collection" panose="020B0502040504020204" pitchFamily="34" charset="0"/>
+                <a:ea typeface="Sans Serif Collection" panose="020B0502040504020204" pitchFamily="34" charset="0"/>
+                <a:cs typeface="Sans Serif Collection" panose="020B0502040504020204" pitchFamily="34" charset="0"/>
+              </a:rPr>
+              <a:t>ТЕСТИРОВАНИЕ</a:t>
+            </a:r>
+          </a:p>
+        </p:txBody>
+      </p:sp>
+      <p:graphicFrame>
+        <p:nvGraphicFramePr>
+          <p:cNvPr id="5" name="Таблица 5">
+            <a:extLst>
+              <a:ext uri="{FF2B5EF4-FFF2-40B4-BE49-F238E27FC236}">
+                <a16:creationId xmlns:a16="http://schemas.microsoft.com/office/drawing/2014/main" id="{6256C914-ADFA-4C39-B757-5F052C213495}"/>
+              </a:ext>
+            </a:extLst>
+          </p:cNvPr>
+          <p:cNvGraphicFramePr>
+            <a:graphicFrameLocks noGrp="1"/>
+          </p:cNvGraphicFramePr>
+          <p:nvPr>
+            <p:ph idx="1"/>
+            <p:extLst>
+              <p:ext uri="{D42A27DB-BD31-4B8C-83A1-F6EECF244321}">
+                <p14:modId xmlns:p14="http://schemas.microsoft.com/office/powerpoint/2010/main" val="229755560"/>
+              </p:ext>
+            </p:extLst>
+          </p:nvPr>
+        </p:nvGraphicFramePr>
+        <p:xfrm>
+          <a:off x="838200" y="1626361"/>
+          <a:ext cx="10515600" cy="4468604"/>
+        </p:xfrm>
+        <a:graphic>
+          <a:graphicData uri="http://schemas.openxmlformats.org/drawingml/2006/table">
+            <a:tbl>
+              <a:tblPr firstRow="1" bandRow="1">
+                <a:tableStyleId>{D7AC3CCA-C797-4891-BE02-D94E43425B78}</a:tableStyleId>
+              </a:tblPr>
+              <a:tblGrid>
+                <a:gridCol w="564397">
+                  <a:extLst>
+                    <a:ext uri="{9D8B030D-6E8A-4147-A177-3AD203B41FA5}">
+                      <a16:colId xmlns:a16="http://schemas.microsoft.com/office/drawing/2014/main" val="1980195538"/>
+                    </a:ext>
+                  </a:extLst>
+                </a:gridCol>
+                <a:gridCol w="2429359">
+                  <a:extLst>
+                    <a:ext uri="{9D8B030D-6E8A-4147-A177-3AD203B41FA5}">
+                      <a16:colId xmlns:a16="http://schemas.microsoft.com/office/drawing/2014/main" val="681019543"/>
+                    </a:ext>
+                  </a:extLst>
+                </a:gridCol>
+                <a:gridCol w="2859437">
+                  <a:extLst>
+                    <a:ext uri="{9D8B030D-6E8A-4147-A177-3AD203B41FA5}">
+                      <a16:colId xmlns:a16="http://schemas.microsoft.com/office/drawing/2014/main" val="3006854878"/>
+                    </a:ext>
+                  </a:extLst>
+                </a:gridCol>
+                <a:gridCol w="3068665">
+                  <a:extLst>
+                    <a:ext uri="{9D8B030D-6E8A-4147-A177-3AD203B41FA5}">
+                      <a16:colId xmlns:a16="http://schemas.microsoft.com/office/drawing/2014/main" val="2102379300"/>
+                    </a:ext>
+                  </a:extLst>
+                </a:gridCol>
+                <a:gridCol w="1593742">
+                  <a:extLst>
+                    <a:ext uri="{9D8B030D-6E8A-4147-A177-3AD203B41FA5}">
+                      <a16:colId xmlns:a16="http://schemas.microsoft.com/office/drawing/2014/main" val="4153163213"/>
+                    </a:ext>
+                  </a:extLst>
+                </a:gridCol>
+              </a:tblGrid>
+              <a:tr h="742158">
+                <a:tc>
+                  <a:txBody>
+                    <a:bodyPr/>
+                    <a:lstStyle/>
+                    <a:p>
+                      <a:pPr algn="l">
+                        <a:lnSpc>
+                          <a:spcPct val="100000"/>
+                        </a:lnSpc>
+                        <a:spcAft>
+                          <a:spcPts val="0"/>
+                        </a:spcAft>
+                      </a:pPr>
+                      <a:r>
+                        <a:rPr lang="ru-RU" sz="2000" b="1" strike="noStrike" dirty="0">
+                          <a:effectLst/>
+                          <a:latin typeface="Sans Serif Collection" panose="020B0502040504020204" pitchFamily="34" charset="0"/>
+                          <a:ea typeface="Sans Serif Collection" panose="020B0502040504020204" pitchFamily="34" charset="0"/>
+                          <a:cs typeface="Sans Serif Collection" panose="020B0502040504020204" pitchFamily="34" charset="0"/>
+                        </a:rPr>
+                        <a:t>№</a:t>
+                      </a:r>
+                      <a:endParaRPr lang="ru-RU" sz="2000" strike="noStrike" dirty="0">
+                        <a:effectLst/>
+                        <a:latin typeface="Sans Serif Collection" panose="020B0502040504020204" pitchFamily="34" charset="0"/>
+                        <a:ea typeface="Sans Serif Collection" panose="020B0502040504020204" pitchFamily="34" charset="0"/>
+                        <a:cs typeface="Sans Serif Collection" panose="020B0502040504020204" pitchFamily="34" charset="0"/>
+                      </a:endParaRPr>
+                    </a:p>
+                  </a:txBody>
+                  <a:tcPr marL="68580" marR="68580" marT="108000" marB="0">
+                    <a:solidFill>
+                      <a:schemeClr val="bg1"/>
+                    </a:solidFill>
+                  </a:tcPr>
+                </a:tc>
+                <a:tc>
+                  <a:txBody>
+                    <a:bodyPr/>
+                    <a:lstStyle/>
+                    <a:p>
+                      <a:pPr algn="l">
+                        <a:lnSpc>
+                          <a:spcPct val="100000"/>
+                        </a:lnSpc>
+                        <a:spcAft>
+                          <a:spcPts val="0"/>
+                        </a:spcAft>
+                      </a:pPr>
+                      <a:r>
+                        <a:rPr lang="ru-RU" sz="2000" b="1" strike="noStrike" dirty="0">
+                          <a:effectLst/>
+                          <a:latin typeface="Sans Serif Collection" panose="020B0502040504020204" pitchFamily="34" charset="0"/>
+                          <a:ea typeface="Sans Serif Collection" panose="020B0502040504020204" pitchFamily="34" charset="0"/>
+                          <a:cs typeface="Sans Serif Collection" panose="020B0502040504020204" pitchFamily="34" charset="0"/>
+                        </a:rPr>
+                        <a:t>Название </a:t>
+                      </a:r>
+                      <a:endParaRPr lang="ru-RU" sz="2000" strike="noStrike" dirty="0">
+                        <a:effectLst/>
+                        <a:latin typeface="Sans Serif Collection" panose="020B0502040504020204" pitchFamily="34" charset="0"/>
+                        <a:ea typeface="Sans Serif Collection" panose="020B0502040504020204" pitchFamily="34" charset="0"/>
+                        <a:cs typeface="Sans Serif Collection" panose="020B0502040504020204" pitchFamily="34" charset="0"/>
+                      </a:endParaRPr>
+                    </a:p>
+                    <a:p>
+                      <a:pPr algn="l">
+                        <a:lnSpc>
+                          <a:spcPct val="100000"/>
+                        </a:lnSpc>
+                        <a:spcAft>
+                          <a:spcPts val="0"/>
+                        </a:spcAft>
+                      </a:pPr>
+                      <a:r>
+                        <a:rPr lang="ru-RU" sz="2000" b="1" strike="noStrike" dirty="0">
+                          <a:effectLst/>
+                          <a:latin typeface="Sans Serif Collection" panose="020B0502040504020204" pitchFamily="34" charset="0"/>
+                          <a:ea typeface="Sans Serif Collection" panose="020B0502040504020204" pitchFamily="34" charset="0"/>
+                          <a:cs typeface="Sans Serif Collection" panose="020B0502040504020204" pitchFamily="34" charset="0"/>
+                        </a:rPr>
+                        <a:t>теста</a:t>
+                      </a:r>
+                      <a:endParaRPr lang="ru-RU" sz="2000" strike="noStrike" dirty="0">
+                        <a:effectLst/>
+                        <a:latin typeface="Sans Serif Collection" panose="020B0502040504020204" pitchFamily="34" charset="0"/>
+                        <a:ea typeface="Sans Serif Collection" panose="020B0502040504020204" pitchFamily="34" charset="0"/>
+                        <a:cs typeface="Sans Serif Collection" panose="020B0502040504020204" pitchFamily="34" charset="0"/>
+                      </a:endParaRPr>
+                    </a:p>
+                  </a:txBody>
+                  <a:tcPr marL="68580" marR="68580" marT="108000" marB="0">
+                    <a:solidFill>
+                      <a:schemeClr val="bg1"/>
+                    </a:solidFill>
+                  </a:tcPr>
+                </a:tc>
+                <a:tc>
+                  <a:txBody>
+                    <a:bodyPr/>
+                    <a:lstStyle/>
+                    <a:p>
+                      <a:pPr algn="l">
+                        <a:lnSpc>
+                          <a:spcPct val="100000"/>
+                        </a:lnSpc>
+                        <a:spcAft>
+                          <a:spcPts val="0"/>
+                        </a:spcAft>
+                      </a:pPr>
+                      <a:r>
+                        <a:rPr lang="ru-RU" sz="2000" b="1" strike="noStrike" dirty="0">
+                          <a:effectLst/>
+                          <a:latin typeface="Sans Serif Collection" panose="020B0502040504020204" pitchFamily="34" charset="0"/>
+                          <a:ea typeface="Sans Serif Collection" panose="020B0502040504020204" pitchFamily="34" charset="0"/>
+                          <a:cs typeface="Sans Serif Collection" panose="020B0502040504020204" pitchFamily="34" charset="0"/>
+                        </a:rPr>
+                        <a:t>Шаги</a:t>
+                      </a:r>
+                      <a:endParaRPr lang="ru-RU" sz="2000" strike="noStrike" dirty="0">
+                        <a:effectLst/>
+                        <a:latin typeface="Sans Serif Collection" panose="020B0502040504020204" pitchFamily="34" charset="0"/>
+                        <a:ea typeface="Sans Serif Collection" panose="020B0502040504020204" pitchFamily="34" charset="0"/>
+                        <a:cs typeface="Sans Serif Collection" panose="020B0502040504020204" pitchFamily="34" charset="0"/>
+                      </a:endParaRPr>
+                    </a:p>
+                  </a:txBody>
+                  <a:tcPr marL="68580" marR="68580" marT="108000" marB="0">
+                    <a:solidFill>
+                      <a:schemeClr val="bg1"/>
+                    </a:solidFill>
+                  </a:tcPr>
+                </a:tc>
+                <a:tc>
+                  <a:txBody>
+                    <a:bodyPr/>
+                    <a:lstStyle/>
+                    <a:p>
+                      <a:pPr algn="l">
+                        <a:lnSpc>
+                          <a:spcPct val="100000"/>
+                        </a:lnSpc>
+                        <a:spcAft>
+                          <a:spcPts val="0"/>
+                        </a:spcAft>
+                      </a:pPr>
+                      <a:r>
+                        <a:rPr lang="ru-RU" sz="2000" b="1" strike="noStrike" dirty="0">
+                          <a:effectLst/>
+                          <a:latin typeface="Sans Serif Collection" panose="020B0502040504020204" pitchFamily="34" charset="0"/>
+                          <a:ea typeface="Sans Serif Collection" panose="020B0502040504020204" pitchFamily="34" charset="0"/>
+                          <a:cs typeface="Sans Serif Collection" panose="020B0502040504020204" pitchFamily="34" charset="0"/>
+                        </a:rPr>
+                        <a:t>Ожидаемый </a:t>
+                      </a:r>
+                      <a:endParaRPr lang="ru-RU" sz="2000" strike="noStrike" dirty="0">
+                        <a:effectLst/>
+                        <a:latin typeface="Sans Serif Collection" panose="020B0502040504020204" pitchFamily="34" charset="0"/>
+                        <a:ea typeface="Sans Serif Collection" panose="020B0502040504020204" pitchFamily="34" charset="0"/>
+                        <a:cs typeface="Sans Serif Collection" panose="020B0502040504020204" pitchFamily="34" charset="0"/>
+                      </a:endParaRPr>
+                    </a:p>
+                    <a:p>
+                      <a:pPr algn="l">
+                        <a:lnSpc>
+                          <a:spcPct val="100000"/>
+                        </a:lnSpc>
+                        <a:spcAft>
+                          <a:spcPts val="0"/>
+                        </a:spcAft>
+                      </a:pPr>
+                      <a:r>
+                        <a:rPr lang="ru-RU" sz="2000" b="1" strike="noStrike" dirty="0">
+                          <a:effectLst/>
+                          <a:latin typeface="Sans Serif Collection" panose="020B0502040504020204" pitchFamily="34" charset="0"/>
+                          <a:ea typeface="Sans Serif Collection" panose="020B0502040504020204" pitchFamily="34" charset="0"/>
+                          <a:cs typeface="Sans Serif Collection" panose="020B0502040504020204" pitchFamily="34" charset="0"/>
+                        </a:rPr>
+                        <a:t>результат</a:t>
+                      </a:r>
+                      <a:endParaRPr lang="ru-RU" sz="2000" strike="noStrike" dirty="0">
+                        <a:effectLst/>
+                        <a:latin typeface="Sans Serif Collection" panose="020B0502040504020204" pitchFamily="34" charset="0"/>
+                        <a:ea typeface="Sans Serif Collection" panose="020B0502040504020204" pitchFamily="34" charset="0"/>
+                        <a:cs typeface="Sans Serif Collection" panose="020B0502040504020204" pitchFamily="34" charset="0"/>
+                      </a:endParaRPr>
+                    </a:p>
+                  </a:txBody>
+                  <a:tcPr marL="68580" marR="68580" marT="108000" marB="0">
+                    <a:solidFill>
+                      <a:schemeClr val="bg1"/>
+                    </a:solidFill>
+                  </a:tcPr>
+                </a:tc>
+                <a:tc>
+                  <a:txBody>
+                    <a:bodyPr/>
+                    <a:lstStyle/>
+                    <a:p>
+                      <a:pPr algn="l">
+                        <a:lnSpc>
+                          <a:spcPct val="100000"/>
+                        </a:lnSpc>
+                        <a:spcAft>
+                          <a:spcPts val="0"/>
+                        </a:spcAft>
+                      </a:pPr>
+                      <a:r>
+                        <a:rPr lang="ru-RU" sz="2000" b="1" strike="noStrike" dirty="0">
+                          <a:effectLst/>
+                          <a:latin typeface="Sans Serif Collection" panose="020B0502040504020204" pitchFamily="34" charset="0"/>
+                          <a:ea typeface="Sans Serif Collection" panose="020B0502040504020204" pitchFamily="34" charset="0"/>
+                          <a:cs typeface="Sans Serif Collection" panose="020B0502040504020204" pitchFamily="34" charset="0"/>
+                        </a:rPr>
+                        <a:t>Тест пройден?</a:t>
+                      </a:r>
+                      <a:endParaRPr lang="ru-RU" sz="2000" strike="noStrike" dirty="0">
+                        <a:effectLst/>
+                        <a:latin typeface="Sans Serif Collection" panose="020B0502040504020204" pitchFamily="34" charset="0"/>
+                        <a:ea typeface="Sans Serif Collection" panose="020B0502040504020204" pitchFamily="34" charset="0"/>
+                        <a:cs typeface="Sans Serif Collection" panose="020B0502040504020204" pitchFamily="34" charset="0"/>
+                      </a:endParaRPr>
+                    </a:p>
+                  </a:txBody>
+                  <a:tcPr marL="68580" marR="68580" marT="108000" marB="0">
+                    <a:solidFill>
+                      <a:schemeClr val="bg1"/>
+                    </a:solidFill>
+                  </a:tcPr>
+                </a:tc>
+                <a:extLst>
+                  <a:ext uri="{0D108BD9-81ED-4DB2-BD59-A6C34878D82A}">
+                    <a16:rowId xmlns:a16="http://schemas.microsoft.com/office/drawing/2014/main" val="1515235151"/>
+                  </a:ext>
+                </a:extLst>
+              </a:tr>
+              <a:tr h="1779420">
+                <a:tc>
+                  <a:txBody>
+                    <a:bodyPr/>
+                    <a:lstStyle/>
+                    <a:p>
+                      <a:pPr marL="0" marR="20955" lvl="0" indent="0" algn="l">
+                        <a:lnSpc>
+                          <a:spcPct val="100000"/>
+                        </a:lnSpc>
+                        <a:spcAft>
+                          <a:spcPts val="0"/>
+                        </a:spcAft>
+                        <a:buFont typeface="+mj-lt"/>
+                        <a:buNone/>
+                      </a:pPr>
+                      <a:r>
+                        <a:rPr lang="en-US" sz="2000" strike="noStrike" dirty="0">
+                          <a:effectLst/>
+                          <a:latin typeface="Sans Serif Collection" panose="020B0502040504020204" pitchFamily="34" charset="0"/>
+                          <a:ea typeface="Sans Serif Collection" panose="020B0502040504020204" pitchFamily="34" charset="0"/>
+                          <a:cs typeface="Sans Serif Collection" panose="020B0502040504020204" pitchFamily="34" charset="0"/>
+                        </a:rPr>
+                        <a:t>1.</a:t>
+                      </a:r>
+                      <a:r>
+                        <a:rPr lang="ru-RU" sz="2000" strike="noStrike" dirty="0">
+                          <a:effectLst/>
+                          <a:latin typeface="Sans Serif Collection" panose="020B0502040504020204" pitchFamily="34" charset="0"/>
+                          <a:ea typeface="Sans Serif Collection" panose="020B0502040504020204" pitchFamily="34" charset="0"/>
+                          <a:cs typeface="Sans Serif Collection" panose="020B0502040504020204" pitchFamily="34" charset="0"/>
+                        </a:rPr>
+                        <a:t> </a:t>
+                      </a:r>
+                    </a:p>
+                  </a:txBody>
+                  <a:tcPr marL="68580" marR="68580" marT="108000" marB="0">
+                    <a:solidFill>
+                      <a:schemeClr val="bg1"/>
+                    </a:solidFill>
+                  </a:tcPr>
+                </a:tc>
+                <a:tc>
+                  <a:txBody>
+                    <a:bodyPr/>
+                    <a:lstStyle/>
+                    <a:p>
+                      <a:pPr algn="l">
+                        <a:lnSpc>
+                          <a:spcPct val="100000"/>
+                        </a:lnSpc>
+                        <a:spcBef>
+                          <a:spcPts val="0"/>
+                        </a:spcBef>
+                        <a:spcAft>
+                          <a:spcPts val="0"/>
+                        </a:spcAft>
+                      </a:pPr>
+                      <a:r>
+                        <a:rPr lang="ru-RU" sz="2000" strike="noStrike" dirty="0">
+                          <a:effectLst/>
+                          <a:latin typeface="Sans Serif Collection" panose="020B0502040504020204" pitchFamily="34" charset="0"/>
+                          <a:ea typeface="Sans Serif Collection" panose="020B0502040504020204" pitchFamily="34" charset="0"/>
+                          <a:cs typeface="Sans Serif Collection" panose="020B0502040504020204" pitchFamily="34" charset="0"/>
+                        </a:rPr>
+                        <a:t>Создание частиц</a:t>
+                      </a:r>
+                    </a:p>
+                  </a:txBody>
+                  <a:tcPr marL="68580" marR="68580" marT="108000" marB="0">
+                    <a:solidFill>
+                      <a:schemeClr val="bg1"/>
+                    </a:solidFill>
+                  </a:tcPr>
+                </a:tc>
+                <a:tc>
+                  <a:txBody>
+                    <a:bodyPr/>
+                    <a:lstStyle/>
+                    <a:p>
+                      <a:pPr marL="342900" lvl="0" indent="-342900" algn="l">
+                        <a:lnSpc>
+                          <a:spcPct val="100000"/>
+                        </a:lnSpc>
+                        <a:spcBef>
+                          <a:spcPts val="0"/>
+                        </a:spcBef>
+                        <a:spcAft>
+                          <a:spcPts val="0"/>
+                        </a:spcAft>
+                        <a:buFont typeface="+mj-lt"/>
+                        <a:buAutoNum type="arabicPeriod"/>
+                      </a:pPr>
+                      <a:r>
+                        <a:rPr lang="ru-RU" sz="2000" strike="noStrike" dirty="0">
+                          <a:effectLst/>
+                          <a:latin typeface="Sans Serif Collection" panose="020B0502040504020204" pitchFamily="34" charset="0"/>
+                          <a:ea typeface="Sans Serif Collection" panose="020B0502040504020204" pitchFamily="34" charset="0"/>
+                          <a:cs typeface="Sans Serif Collection" panose="020B0502040504020204" pitchFamily="34" charset="0"/>
+                        </a:rPr>
+                        <a:t>Запустить программу </a:t>
+                      </a:r>
+                    </a:p>
+                    <a:p>
+                      <a:pPr marL="342900" lvl="0" indent="-342900" algn="l">
+                        <a:lnSpc>
+                          <a:spcPct val="100000"/>
+                        </a:lnSpc>
+                        <a:spcBef>
+                          <a:spcPts val="0"/>
+                        </a:spcBef>
+                        <a:spcAft>
+                          <a:spcPts val="0"/>
+                        </a:spcAft>
+                        <a:buFont typeface="+mj-lt"/>
+                        <a:buAutoNum type="arabicPeriod"/>
+                      </a:pPr>
+                      <a:r>
+                        <a:rPr lang="ru-RU" sz="2000" strike="noStrike" dirty="0">
+                          <a:effectLst/>
+                          <a:latin typeface="Sans Serif Collection" panose="020B0502040504020204" pitchFamily="34" charset="0"/>
+                          <a:ea typeface="Sans Serif Collection" panose="020B0502040504020204" pitchFamily="34" charset="0"/>
+                          <a:cs typeface="Sans Serif Collection" panose="020B0502040504020204" pitchFamily="34" charset="0"/>
+                        </a:rPr>
+                        <a:t>Наблюдать автоматическое создание частиц</a:t>
+                      </a:r>
+                    </a:p>
+                  </a:txBody>
+                  <a:tcPr marL="68580" marR="68580" marT="108000" marB="0">
+                    <a:solidFill>
+                      <a:schemeClr val="bg1"/>
+                    </a:solidFill>
+                  </a:tcPr>
+                </a:tc>
+                <a:tc>
+                  <a:txBody>
+                    <a:bodyPr/>
+                    <a:lstStyle/>
+                    <a:p>
+                      <a:pPr algn="l">
+                        <a:lnSpc>
+                          <a:spcPct val="100000"/>
+                        </a:lnSpc>
+                        <a:spcBef>
+                          <a:spcPts val="0"/>
+                        </a:spcBef>
+                        <a:spcAft>
+                          <a:spcPts val="0"/>
+                        </a:spcAft>
+                      </a:pPr>
+                      <a:r>
+                        <a:rPr lang="ru-RU" sz="2000" strike="noStrike" dirty="0">
+                          <a:effectLst/>
+                          <a:latin typeface="Sans Serif Collection" panose="020B0502040504020204" pitchFamily="34" charset="0"/>
+                          <a:ea typeface="Sans Serif Collection" panose="020B0502040504020204" pitchFamily="34" charset="0"/>
+                          <a:cs typeface="Sans Serif Collection" panose="020B0502040504020204" pitchFamily="34" charset="0"/>
+                        </a:rPr>
+                        <a:t>Частицы создаются до тех пор, пока их не будет 1000</a:t>
+                      </a:r>
+                    </a:p>
+                  </a:txBody>
+                  <a:tcPr marL="68580" marR="68580" marT="108000" marB="0">
+                    <a:solidFill>
+                      <a:schemeClr val="bg1"/>
+                    </a:solidFill>
+                  </a:tcPr>
+                </a:tc>
+                <a:tc>
+                  <a:txBody>
+                    <a:bodyPr/>
+                    <a:lstStyle/>
+                    <a:p>
+                      <a:pPr algn="l">
+                        <a:lnSpc>
+                          <a:spcPct val="100000"/>
+                        </a:lnSpc>
+                        <a:spcBef>
+                          <a:spcPts val="0"/>
+                        </a:spcBef>
+                        <a:spcAft>
+                          <a:spcPts val="0"/>
+                        </a:spcAft>
+                      </a:pPr>
+                      <a:r>
+                        <a:rPr lang="ru-RU" sz="2000" strike="noStrike" dirty="0">
+                          <a:effectLst/>
+                          <a:latin typeface="Sans Serif Collection" panose="020B0502040504020204" pitchFamily="34" charset="0"/>
+                          <a:ea typeface="Sans Serif Collection" panose="020B0502040504020204" pitchFamily="34" charset="0"/>
+                          <a:cs typeface="Sans Serif Collection" panose="020B0502040504020204" pitchFamily="34" charset="0"/>
+                        </a:rPr>
+                        <a:t>Да</a:t>
+                      </a:r>
+                    </a:p>
+                  </a:txBody>
+                  <a:tcPr marL="68580" marR="68580" marT="108000" marB="0">
+                    <a:solidFill>
+                      <a:schemeClr val="bg1"/>
+                    </a:solidFill>
+                  </a:tcPr>
+                </a:tc>
+                <a:extLst>
+                  <a:ext uri="{0D108BD9-81ED-4DB2-BD59-A6C34878D82A}">
+                    <a16:rowId xmlns:a16="http://schemas.microsoft.com/office/drawing/2014/main" val="523595126"/>
+                  </a:ext>
+                </a:extLst>
+              </a:tr>
+              <a:tr h="499939">
+                <a:tc>
+                  <a:txBody>
+                    <a:bodyPr/>
+                    <a:lstStyle/>
+                    <a:p>
+                      <a:pPr algn="l">
+                        <a:lnSpc>
+                          <a:spcPct val="100000"/>
+                        </a:lnSpc>
+                      </a:pPr>
+                      <a:r>
+                        <a:rPr lang="ru-RU" sz="2000" strike="noStrike" dirty="0">
+                          <a:effectLst/>
+                          <a:latin typeface="Sans Serif Collection" panose="020B0502040504020204" pitchFamily="34" charset="0"/>
+                          <a:ea typeface="Sans Serif Collection" panose="020B0502040504020204" pitchFamily="34" charset="0"/>
+                          <a:cs typeface="Sans Serif Collection" panose="020B0502040504020204" pitchFamily="34" charset="0"/>
+                        </a:rPr>
+                        <a:t>…</a:t>
+                      </a:r>
+                    </a:p>
+                  </a:txBody>
+                  <a:tcPr marT="108000">
+                    <a:solidFill>
+                      <a:schemeClr val="bg1"/>
+                    </a:solidFill>
+                  </a:tcPr>
+                </a:tc>
+                <a:tc>
+                  <a:txBody>
+                    <a:bodyPr/>
+                    <a:lstStyle/>
+                    <a:p>
+                      <a:pPr algn="l">
+                        <a:lnSpc>
+                          <a:spcPct val="100000"/>
+                        </a:lnSpc>
+                        <a:spcBef>
+                          <a:spcPts val="0"/>
+                        </a:spcBef>
+                        <a:spcAft>
+                          <a:spcPts val="0"/>
+                        </a:spcAft>
+                      </a:pPr>
+                      <a:r>
+                        <a:rPr lang="ru-RU" sz="2000" strike="noStrike" dirty="0">
+                          <a:effectLst/>
+                          <a:latin typeface="Sans Serif Collection" panose="020B0502040504020204" pitchFamily="34" charset="0"/>
+                          <a:ea typeface="Sans Serif Collection" panose="020B0502040504020204" pitchFamily="34" charset="0"/>
+                          <a:cs typeface="Sans Serif Collection" panose="020B0502040504020204" pitchFamily="34" charset="0"/>
+                        </a:rPr>
+                        <a:t>…</a:t>
+                      </a:r>
+                    </a:p>
+                  </a:txBody>
+                  <a:tcPr marT="108000">
+                    <a:solidFill>
+                      <a:schemeClr val="bg1"/>
+                    </a:solidFill>
+                  </a:tcPr>
+                </a:tc>
+                <a:tc>
+                  <a:txBody>
+                    <a:bodyPr/>
+                    <a:lstStyle/>
+                    <a:p>
+                      <a:pPr algn="l">
+                        <a:lnSpc>
+                          <a:spcPct val="100000"/>
+                        </a:lnSpc>
+                        <a:spcBef>
+                          <a:spcPts val="0"/>
+                        </a:spcBef>
+                        <a:spcAft>
+                          <a:spcPts val="0"/>
+                        </a:spcAft>
+                      </a:pPr>
+                      <a:r>
+                        <a:rPr lang="ru-RU" sz="2000" strike="noStrike" dirty="0">
+                          <a:effectLst/>
+                          <a:latin typeface="Sans Serif Collection" panose="020B0502040504020204" pitchFamily="34" charset="0"/>
+                          <a:ea typeface="Sans Serif Collection" panose="020B0502040504020204" pitchFamily="34" charset="0"/>
+                          <a:cs typeface="Sans Serif Collection" panose="020B0502040504020204" pitchFamily="34" charset="0"/>
+                        </a:rPr>
+                        <a:t>…</a:t>
+                      </a:r>
+                    </a:p>
+                  </a:txBody>
+                  <a:tcPr marT="108000">
+                    <a:solidFill>
+                      <a:schemeClr val="bg1"/>
+                    </a:solidFill>
+                  </a:tcPr>
+                </a:tc>
+                <a:tc>
+                  <a:txBody>
+                    <a:bodyPr/>
+                    <a:lstStyle/>
+                    <a:p>
+                      <a:pPr algn="l">
+                        <a:lnSpc>
+                          <a:spcPct val="100000"/>
+                        </a:lnSpc>
+                        <a:spcBef>
+                          <a:spcPts val="0"/>
+                        </a:spcBef>
+                        <a:spcAft>
+                          <a:spcPts val="0"/>
+                        </a:spcAft>
+                      </a:pPr>
+                      <a:r>
+                        <a:rPr lang="ru-RU" sz="2000" strike="noStrike" dirty="0">
+                          <a:effectLst/>
+                          <a:latin typeface="Sans Serif Collection" panose="020B0502040504020204" pitchFamily="34" charset="0"/>
+                          <a:ea typeface="Sans Serif Collection" panose="020B0502040504020204" pitchFamily="34" charset="0"/>
+                          <a:cs typeface="Sans Serif Collection" panose="020B0502040504020204" pitchFamily="34" charset="0"/>
+                        </a:rPr>
+                        <a:t>…</a:t>
+                      </a:r>
+                    </a:p>
+                  </a:txBody>
+                  <a:tcPr marT="108000">
+                    <a:solidFill>
+                      <a:schemeClr val="bg1"/>
+                    </a:solidFill>
+                  </a:tcPr>
+                </a:tc>
+                <a:tc>
+                  <a:txBody>
+                    <a:bodyPr/>
+                    <a:lstStyle/>
+                    <a:p>
+                      <a:pPr algn="l">
+                        <a:lnSpc>
+                          <a:spcPct val="100000"/>
+                        </a:lnSpc>
+                        <a:spcBef>
+                          <a:spcPts val="0"/>
+                        </a:spcBef>
+                        <a:spcAft>
+                          <a:spcPts val="0"/>
+                        </a:spcAft>
+                      </a:pPr>
+                      <a:r>
+                        <a:rPr lang="ru-RU" sz="2000" strike="noStrike" dirty="0">
+                          <a:effectLst/>
+                          <a:latin typeface="Sans Serif Collection" panose="020B0502040504020204" pitchFamily="34" charset="0"/>
+                          <a:ea typeface="Sans Serif Collection" panose="020B0502040504020204" pitchFamily="34" charset="0"/>
+                          <a:cs typeface="Sans Serif Collection" panose="020B0502040504020204" pitchFamily="34" charset="0"/>
+                        </a:rPr>
+                        <a:t>…</a:t>
+                      </a:r>
+                    </a:p>
+                  </a:txBody>
+                  <a:tcPr marT="108000">
+                    <a:solidFill>
+                      <a:schemeClr val="bg1"/>
+                    </a:solidFill>
+                  </a:tcPr>
+                </a:tc>
+                <a:extLst>
+                  <a:ext uri="{0D108BD9-81ED-4DB2-BD59-A6C34878D82A}">
+                    <a16:rowId xmlns:a16="http://schemas.microsoft.com/office/drawing/2014/main" val="3386950757"/>
+                  </a:ext>
+                </a:extLst>
+              </a:tr>
+              <a:tr h="1447087">
+                <a:tc>
+                  <a:txBody>
+                    <a:bodyPr/>
+                    <a:lstStyle/>
+                    <a:p>
+                      <a:pPr marL="0" marR="20955" lvl="0" indent="0" algn="l">
+                        <a:lnSpc>
+                          <a:spcPct val="100000"/>
+                        </a:lnSpc>
+                        <a:spcAft>
+                          <a:spcPts val="0"/>
+                        </a:spcAft>
+                        <a:buFont typeface="+mj-lt"/>
+                        <a:buNone/>
+                      </a:pPr>
+                      <a:r>
+                        <a:rPr lang="en-US" sz="2000" strike="noStrike" dirty="0">
+                          <a:effectLst/>
+                          <a:latin typeface="Sans Serif Collection" panose="020B0502040504020204" pitchFamily="34" charset="0"/>
+                          <a:ea typeface="Sans Serif Collection" panose="020B0502040504020204" pitchFamily="34" charset="0"/>
+                          <a:cs typeface="Sans Serif Collection" panose="020B0502040504020204" pitchFamily="34" charset="0"/>
+                        </a:rPr>
+                        <a:t>10.</a:t>
+                      </a:r>
+                      <a:r>
+                        <a:rPr lang="ru-RU" sz="2000" strike="noStrike" dirty="0">
+                          <a:effectLst/>
+                          <a:latin typeface="Sans Serif Collection" panose="020B0502040504020204" pitchFamily="34" charset="0"/>
+                          <a:ea typeface="Sans Serif Collection" panose="020B0502040504020204" pitchFamily="34" charset="0"/>
+                          <a:cs typeface="Sans Serif Collection" panose="020B0502040504020204" pitchFamily="34" charset="0"/>
+                        </a:rPr>
+                        <a:t> </a:t>
+                      </a:r>
+                    </a:p>
+                  </a:txBody>
+                  <a:tcPr marL="68580" marR="68580" marT="108000" marB="0">
+                    <a:solidFill>
+                      <a:schemeClr val="bg1"/>
+                    </a:solidFill>
+                  </a:tcPr>
+                </a:tc>
+                <a:tc>
+                  <a:txBody>
+                    <a:bodyPr/>
+                    <a:lstStyle/>
+                    <a:p>
+                      <a:pPr algn="l">
+                        <a:lnSpc>
+                          <a:spcPct val="100000"/>
+                        </a:lnSpc>
+                        <a:spcBef>
+                          <a:spcPts val="0"/>
+                        </a:spcBef>
+                        <a:spcAft>
+                          <a:spcPts val="0"/>
+                        </a:spcAft>
+                      </a:pPr>
+                      <a:r>
+                        <a:rPr lang="ru-RU" sz="2000" strike="noStrike" dirty="0">
+                          <a:effectLst/>
+                          <a:latin typeface="Sans Serif Collection" panose="020B0502040504020204" pitchFamily="34" charset="0"/>
+                          <a:ea typeface="Sans Serif Collection" panose="020B0502040504020204" pitchFamily="34" charset="0"/>
+                          <a:cs typeface="Sans Serif Collection" panose="020B0502040504020204" pitchFamily="34" charset="0"/>
+                        </a:rPr>
+                        <a:t>Отображение метрик производи</a:t>
+                      </a:r>
+                      <a:r>
+                        <a:rPr lang="en-US" sz="2000" strike="noStrike" dirty="0">
+                          <a:effectLst/>
+                          <a:latin typeface="Sans Serif Collection" panose="020B0502040504020204" pitchFamily="34" charset="0"/>
+                          <a:ea typeface="Sans Serif Collection" panose="020B0502040504020204" pitchFamily="34" charset="0"/>
+                          <a:cs typeface="Sans Serif Collection" panose="020B0502040504020204" pitchFamily="34" charset="0"/>
+                        </a:rPr>
+                        <a:t>-</a:t>
+                      </a:r>
+                      <a:r>
+                        <a:rPr lang="ru-RU" sz="2000" strike="noStrike" dirty="0">
+                          <a:effectLst/>
+                          <a:latin typeface="Sans Serif Collection" panose="020B0502040504020204" pitchFamily="34" charset="0"/>
+                          <a:ea typeface="Sans Serif Collection" panose="020B0502040504020204" pitchFamily="34" charset="0"/>
+                          <a:cs typeface="Sans Serif Collection" panose="020B0502040504020204" pitchFamily="34" charset="0"/>
+                        </a:rPr>
+                        <a:t>тельности </a:t>
+                      </a:r>
+                    </a:p>
+                  </a:txBody>
+                  <a:tcPr marL="68580" marR="68580" marT="108000" marB="0">
+                    <a:solidFill>
+                      <a:schemeClr val="bg1"/>
+                    </a:solidFill>
+                  </a:tcPr>
+                </a:tc>
+                <a:tc>
+                  <a:txBody>
+                    <a:bodyPr/>
+                    <a:lstStyle/>
+                    <a:p>
+                      <a:pPr algn="l">
+                        <a:lnSpc>
+                          <a:spcPct val="100000"/>
+                        </a:lnSpc>
+                        <a:spcBef>
+                          <a:spcPts val="0"/>
+                        </a:spcBef>
+                        <a:spcAft>
+                          <a:spcPts val="0"/>
+                        </a:spcAft>
+                      </a:pPr>
+                      <a:r>
+                        <a:rPr lang="ru-RU" sz="2000" strike="noStrike" dirty="0">
+                          <a:effectLst/>
+                          <a:latin typeface="Sans Serif Collection" panose="020B0502040504020204" pitchFamily="34" charset="0"/>
+                          <a:ea typeface="Sans Serif Collection" panose="020B0502040504020204" pitchFamily="34" charset="0"/>
+                          <a:cs typeface="Sans Serif Collection" panose="020B0502040504020204" pitchFamily="34" charset="0"/>
+                        </a:rPr>
+                        <a:t>1. Запустить программу</a:t>
+                      </a:r>
+                    </a:p>
+                    <a:p>
+                      <a:pPr algn="l">
+                        <a:lnSpc>
+                          <a:spcPct val="100000"/>
+                        </a:lnSpc>
+                        <a:spcBef>
+                          <a:spcPts val="0"/>
+                        </a:spcBef>
+                        <a:spcAft>
+                          <a:spcPts val="0"/>
+                        </a:spcAft>
+                      </a:pPr>
+                      <a:r>
+                        <a:rPr lang="ru-RU" sz="2000" strike="noStrike" dirty="0">
+                          <a:effectLst/>
+                          <a:latin typeface="Sans Serif Collection" panose="020B0502040504020204" pitchFamily="34" charset="0"/>
+                          <a:ea typeface="Sans Serif Collection" panose="020B0502040504020204" pitchFamily="34" charset="0"/>
+                          <a:cs typeface="Sans Serif Collection" panose="020B0502040504020204" pitchFamily="34" charset="0"/>
+                        </a:rPr>
+                        <a:t>2. Наблюдать левый верхний угол окна</a:t>
+                      </a:r>
+                    </a:p>
+                  </a:txBody>
+                  <a:tcPr marL="68580" marR="68580" marT="108000" marB="0">
+                    <a:solidFill>
+                      <a:schemeClr val="bg1"/>
+                    </a:solidFill>
+                  </a:tcPr>
+                </a:tc>
+                <a:tc>
+                  <a:txBody>
+                    <a:bodyPr/>
+                    <a:lstStyle/>
+                    <a:p>
+                      <a:pPr algn="l">
+                        <a:lnSpc>
+                          <a:spcPct val="100000"/>
+                        </a:lnSpc>
+                        <a:spcBef>
+                          <a:spcPts val="0"/>
+                        </a:spcBef>
+                        <a:spcAft>
+                          <a:spcPts val="0"/>
+                        </a:spcAft>
+                      </a:pPr>
+                      <a:r>
+                        <a:rPr lang="ru-RU" sz="2000" strike="noStrike" dirty="0">
+                          <a:effectLst/>
+                          <a:latin typeface="Sans Serif Collection" panose="020B0502040504020204" pitchFamily="34" charset="0"/>
+                          <a:ea typeface="Sans Serif Collection" panose="020B0502040504020204" pitchFamily="34" charset="0"/>
+                          <a:cs typeface="Sans Serif Collection" panose="020B0502040504020204" pitchFamily="34" charset="0"/>
+                        </a:rPr>
+                        <a:t>Отображаются корректные значения производительности</a:t>
+                      </a:r>
+                    </a:p>
+                  </a:txBody>
+                  <a:tcPr marL="68580" marR="68580" marT="108000" marB="0">
+                    <a:solidFill>
+                      <a:schemeClr val="bg1"/>
+                    </a:solidFill>
+                  </a:tcPr>
+                </a:tc>
+                <a:tc>
+                  <a:txBody>
+                    <a:bodyPr/>
+                    <a:lstStyle/>
+                    <a:p>
+                      <a:pPr algn="l">
+                        <a:lnSpc>
+                          <a:spcPct val="100000"/>
+                        </a:lnSpc>
+                        <a:spcBef>
+                          <a:spcPts val="0"/>
+                        </a:spcBef>
+                        <a:spcAft>
+                          <a:spcPts val="0"/>
+                        </a:spcAft>
+                      </a:pPr>
+                      <a:r>
+                        <a:rPr lang="ru-RU" sz="2000" strike="noStrike" dirty="0">
+                          <a:effectLst/>
+                          <a:latin typeface="Sans Serif Collection" panose="020B0502040504020204" pitchFamily="34" charset="0"/>
+                          <a:ea typeface="Sans Serif Collection" panose="020B0502040504020204" pitchFamily="34" charset="0"/>
+                          <a:cs typeface="Sans Serif Collection" panose="020B0502040504020204" pitchFamily="34" charset="0"/>
+                        </a:rPr>
+                        <a:t>Да</a:t>
+                      </a:r>
+                    </a:p>
+                  </a:txBody>
+                  <a:tcPr marL="68580" marR="68580" marT="108000" marB="0">
+                    <a:solidFill>
+                      <a:schemeClr val="bg1"/>
+                    </a:solidFill>
+                  </a:tcPr>
+                </a:tc>
+                <a:extLst>
+                  <a:ext uri="{0D108BD9-81ED-4DB2-BD59-A6C34878D82A}">
+                    <a16:rowId xmlns:a16="http://schemas.microsoft.com/office/drawing/2014/main" val="1489161031"/>
+                  </a:ext>
+                </a:extLst>
+              </a:tr>
+            </a:tbl>
+          </a:graphicData>
+        </a:graphic>
+      </p:graphicFrame>
+      <p:sp>
+        <p:nvSpPr>
+          <p:cNvPr id="3" name="Номер слайда 2">
+            <a:extLst>
+              <a:ext uri="{FF2B5EF4-FFF2-40B4-BE49-F238E27FC236}">
+                <a16:creationId xmlns:a16="http://schemas.microsoft.com/office/drawing/2014/main" id="{E1A5242E-D250-4F37-B6D9-95BE69DECC9E}"/>
+              </a:ext>
+            </a:extLst>
+          </p:cNvPr>
+          <p:cNvSpPr>
+            <a:spLocks noGrp="1"/>
+          </p:cNvSpPr>
+          <p:nvPr>
+            <p:ph type="sldNum" sz="quarter" idx="12"/>
+          </p:nvPr>
+        </p:nvSpPr>
+        <p:spPr/>
+        <p:txBody>
+          <a:bodyPr/>
+          <a:lstStyle/>
+          <a:p>
+            <a:fld id="{6AB11809-A137-4636-8E11-D480BDA4566E}" type="slidenum">
+              <a:rPr lang="ru-RU" smtClean="0"/>
+              <a:t>11</a:t>
+            </a:fld>
+            <a:r>
+              <a:rPr lang="en-US" dirty="0"/>
+              <a:t>/1</a:t>
+            </a:r>
+            <a:r>
+              <a:rPr lang="ru-RU" dirty="0"/>
+              <a:t>2</a:t>
+            </a:r>
+          </a:p>
+        </p:txBody>
+      </p:sp>
+    </p:spTree>
+    <p:extLst>
+      <p:ext uri="{BB962C8B-B14F-4D97-AF65-F5344CB8AC3E}">
+        <p14:creationId xmlns:p14="http://schemas.microsoft.com/office/powerpoint/2010/main" val="2862809011"/>
+      </p:ext>
+    </p:extLst>
+  </p:cSld>
+  <p:clrMapOvr>
+    <a:masterClrMapping/>
+  </p:clrMapOvr>
+</p:sld>
+</file>
+
+<file path=ppt/slides/slide12.xml><?xml version="1.0" encoding="utf-8"?>
+<p:sld xmlns:a="http://schemas.openxmlformats.org/drawingml/2006/main" xmlns:r="http://schemas.openxmlformats.org/officeDocument/2006/relationships" xmlns:p="http://schemas.openxmlformats.org/presentationml/2006/main">
+  <p:cSld>
+    <p:spTree>
+      <p:nvGrpSpPr>
+        <p:cNvPr id="1" name=""/>
+        <p:cNvGrpSpPr/>
+        <p:nvPr/>
+      </p:nvGrpSpPr>
+      <p:grpSpPr>
+        <a:xfrm>
+          <a:off x="0" y="0"/>
+          <a:ext cx="0" cy="0"/>
+          <a:chOff x="0" y="0"/>
+          <a:chExt cx="0" cy="0"/>
+        </a:xfrm>
+      </p:grpSpPr>
+      <p:sp>
+        <p:nvSpPr>
+          <p:cNvPr id="2" name="Заголовок 1">
+            <a:extLst>
+              <a:ext uri="{FF2B5EF4-FFF2-40B4-BE49-F238E27FC236}">
+                <a16:creationId xmlns:a16="http://schemas.microsoft.com/office/drawing/2014/main" id="{DEF917E9-5C90-4F70-83BB-8CA64D4472D3}"/>
+              </a:ext>
+            </a:extLst>
+          </p:cNvPr>
+          <p:cNvSpPr>
+            <a:spLocks noGrp="1"/>
+          </p:cNvSpPr>
+          <p:nvPr>
+            <p:ph type="title"/>
+          </p:nvPr>
+        </p:nvSpPr>
+        <p:spPr>
+          <a:xfrm>
+            <a:off x="838200" y="365125"/>
+            <a:ext cx="10515600" cy="712007"/>
+          </a:xfrm>
+        </p:spPr>
+        <p:txBody>
+          <a:bodyPr>
+            <a:normAutofit/>
+          </a:bodyPr>
+          <a:lstStyle/>
+          <a:p>
+            <a:pPr algn="ctr"/>
+            <a:r>
+              <a:rPr lang="ru-RU" sz="4000" dirty="0">
+                <a:latin typeface="Sans Serif Collection" panose="020B0502040504020204" pitchFamily="34" charset="0"/>
+                <a:ea typeface="Sans Serif Collection" panose="020B0502040504020204" pitchFamily="34" charset="0"/>
+                <a:cs typeface="Sans Serif Collection" panose="020B0502040504020204" pitchFamily="34" charset="0"/>
               </a:rPr>
               <a:t>ОСНОВНЫЕ РЕЗУЛЬТАТЫ</a:t>
             </a:r>
@@ -5514,7 +8705,9 @@
           </a:xfrm>
         </p:spPr>
         <p:txBody>
-          <a:bodyPr/>
+          <a:bodyPr>
+            <a:normAutofit lnSpcReduction="10000"/>
+          </a:bodyPr>
           <a:lstStyle/>
           <a:p>
             <a:pPr marL="514350" lvl="0" indent="-514350">
@@ -5523,8 +8716,9 @@
             </a:pPr>
             <a:r>
               <a:rPr lang="ru-RU" dirty="0">
-                <a:latin typeface="Times New Roman" panose="02020603050405020304" pitchFamily="18" charset="0"/>
-                <a:cs typeface="Times New Roman" panose="02020603050405020304" pitchFamily="18" charset="0"/>
+                <a:latin typeface="Sans Serif Collection" panose="020B0502040504020204" pitchFamily="34" charset="0"/>
+                <a:ea typeface="Sans Serif Collection" panose="020B0502040504020204" pitchFamily="34" charset="0"/>
+                <a:cs typeface="Sans Serif Collection" panose="020B0502040504020204" pitchFamily="34" charset="0"/>
               </a:rPr>
               <a:t>Проведен анализ предметной области.</a:t>
             </a:r>
@@ -5536,8 +8730,9 @@
             </a:pPr>
             <a:r>
               <a:rPr lang="ru-RU" dirty="0">
-                <a:latin typeface="Times New Roman" panose="02020603050405020304" pitchFamily="18" charset="0"/>
-                <a:cs typeface="Times New Roman" panose="02020603050405020304" pitchFamily="18" charset="0"/>
+                <a:latin typeface="Sans Serif Collection" panose="020B0502040504020204" pitchFamily="34" charset="0"/>
+                <a:ea typeface="Sans Serif Collection" panose="020B0502040504020204" pitchFamily="34" charset="0"/>
+                <a:cs typeface="Sans Serif Collection" panose="020B0502040504020204" pitchFamily="34" charset="0"/>
               </a:rPr>
               <a:t>Спроектирована архитектура приложения.</a:t>
             </a:r>
@@ -5549,8 +8744,9 @@
             </a:pPr>
             <a:r>
               <a:rPr lang="ru-RU" dirty="0">
-                <a:latin typeface="Times New Roman" panose="02020603050405020304" pitchFamily="18" charset="0"/>
-                <a:cs typeface="Times New Roman" panose="02020603050405020304" pitchFamily="18" charset="0"/>
+                <a:latin typeface="Sans Serif Collection" panose="020B0502040504020204" pitchFamily="34" charset="0"/>
+                <a:ea typeface="Sans Serif Collection" panose="020B0502040504020204" pitchFamily="34" charset="0"/>
+                <a:cs typeface="Sans Serif Collection" panose="020B0502040504020204" pitchFamily="34" charset="0"/>
               </a:rPr>
               <a:t>Разработана программная реализация, соответствующая требованиям.</a:t>
             </a:r>
@@ -5562,8 +8758,9 @@
             </a:pPr>
             <a:r>
               <a:rPr lang="ru-RU" dirty="0">
-                <a:latin typeface="Times New Roman" panose="02020603050405020304" pitchFamily="18" charset="0"/>
-                <a:cs typeface="Times New Roman" panose="02020603050405020304" pitchFamily="18" charset="0"/>
+                <a:latin typeface="Sans Serif Collection" panose="020B0502040504020204" pitchFamily="34" charset="0"/>
+                <a:ea typeface="Sans Serif Collection" panose="020B0502040504020204" pitchFamily="34" charset="0"/>
+                <a:cs typeface="Sans Serif Collection" panose="020B0502040504020204" pitchFamily="34" charset="0"/>
               </a:rPr>
               <a:t>Проведена оптимизация процессов приложения.</a:t>
             </a:r>
@@ -5575,14 +8772,16 @@
             </a:pPr>
             <a:r>
               <a:rPr lang="ru-RU" dirty="0">
-                <a:latin typeface="Times New Roman" panose="02020603050405020304" pitchFamily="18" charset="0"/>
-                <a:cs typeface="Times New Roman" panose="02020603050405020304" pitchFamily="18" charset="0"/>
+                <a:latin typeface="Sans Serif Collection" panose="020B0502040504020204" pitchFamily="34" charset="0"/>
+                <a:ea typeface="Sans Serif Collection" panose="020B0502040504020204" pitchFamily="34" charset="0"/>
+                <a:cs typeface="Sans Serif Collection" panose="020B0502040504020204" pitchFamily="34" charset="0"/>
               </a:rPr>
               <a:t>Выполнено тестирование.</a:t>
             </a:r>
             <a:endParaRPr lang="en-US" dirty="0">
-              <a:latin typeface="Times New Roman" panose="02020603050405020304" pitchFamily="18" charset="0"/>
-              <a:cs typeface="Times New Roman" panose="02020603050405020304" pitchFamily="18" charset="0"/>
+              <a:latin typeface="Sans Serif Collection" panose="020B0502040504020204" pitchFamily="34" charset="0"/>
+              <a:ea typeface="Sans Serif Collection" panose="020B0502040504020204" pitchFamily="34" charset="0"/>
+              <a:cs typeface="Sans Serif Collection" panose="020B0502040504020204" pitchFamily="34" charset="0"/>
             </a:endParaRPr>
           </a:p>
           <a:p>
@@ -5607,22 +8806,77 @@
             </a:pPr>
             <a:r>
               <a:rPr lang="ru-RU" dirty="0">
-                <a:latin typeface="Times New Roman" panose="02020603050405020304" pitchFamily="18" charset="0"/>
-                <a:cs typeface="Times New Roman" panose="02020603050405020304" pitchFamily="18" charset="0"/>
+                <a:latin typeface="Sans Serif Collection" panose="020B0502040504020204" pitchFamily="34" charset="0"/>
+                <a:ea typeface="Sans Serif Collection" panose="020B0502040504020204" pitchFamily="34" charset="0"/>
+                <a:cs typeface="Sans Serif Collection" panose="020B0502040504020204" pitchFamily="34" charset="0"/>
               </a:rPr>
               <a:t>Исходный код</a:t>
             </a:r>
             <a:r>
               <a:rPr lang="en-US" dirty="0">
-                <a:latin typeface="Times New Roman" panose="02020603050405020304" pitchFamily="18" charset="0"/>
-                <a:cs typeface="Times New Roman" panose="02020603050405020304" pitchFamily="18" charset="0"/>
-              </a:rPr>
-              <a:t>: https://github.com/molo4kaPlus/particle_benchmark</a:t>
+                <a:latin typeface="Sans Serif Collection" panose="020B0502040504020204" pitchFamily="34" charset="0"/>
+                <a:ea typeface="Sans Serif Collection" panose="020B0502040504020204" pitchFamily="34" charset="0"/>
+                <a:cs typeface="Sans Serif Collection" panose="020B0502040504020204" pitchFamily="34" charset="0"/>
+              </a:rPr>
+              <a:t>:</a:t>
+            </a:r>
+            <a:r>
+              <a:rPr lang="ru-RU" dirty="0">
+                <a:latin typeface="Sans Serif Collection" panose="020B0502040504020204" pitchFamily="34" charset="0"/>
+                <a:ea typeface="Sans Serif Collection" panose="020B0502040504020204" pitchFamily="34" charset="0"/>
+                <a:cs typeface="Sans Serif Collection" panose="020B0502040504020204" pitchFamily="34" charset="0"/>
+              </a:rPr>
+              <a:t> </a:t>
+            </a:r>
+            <a:r>
+              <a:rPr lang="en-US" dirty="0">
+                <a:latin typeface="Sans Serif Collection" panose="020B0502040504020204" pitchFamily="34" charset="0"/>
+                <a:ea typeface="Sans Serif Collection" panose="020B0502040504020204" pitchFamily="34" charset="0"/>
+                <a:cs typeface="Sans Serif Collection" panose="020B0502040504020204" pitchFamily="34" charset="0"/>
+              </a:rPr>
+              <a:t>https://github.com/molo4kaPlus/particle_benchmark</a:t>
             </a:r>
             <a:endParaRPr lang="ru-RU" dirty="0">
-              <a:latin typeface="Times New Roman" panose="02020603050405020304" pitchFamily="18" charset="0"/>
-              <a:cs typeface="Times New Roman" panose="02020603050405020304" pitchFamily="18" charset="0"/>
+              <a:latin typeface="Sans Serif Collection" panose="020B0502040504020204" pitchFamily="34" charset="0"/>
+              <a:ea typeface="Sans Serif Collection" panose="020B0502040504020204" pitchFamily="34" charset="0"/>
+              <a:cs typeface="Sans Serif Collection" panose="020B0502040504020204" pitchFamily="34" charset="0"/>
             </a:endParaRPr>
+          </a:p>
+        </p:txBody>
+      </p:sp>
+      <p:sp>
+        <p:nvSpPr>
+          <p:cNvPr id="3" name="Номер слайда 2">
+            <a:extLst>
+              <a:ext uri="{FF2B5EF4-FFF2-40B4-BE49-F238E27FC236}">
+                <a16:creationId xmlns:a16="http://schemas.microsoft.com/office/drawing/2014/main" id="{F1825822-889A-4FB5-A079-A00CC2BBC8C4}"/>
+              </a:ext>
+            </a:extLst>
+          </p:cNvPr>
+          <p:cNvSpPr>
+            <a:spLocks noGrp="1"/>
+          </p:cNvSpPr>
+          <p:nvPr>
+            <p:ph type="sldNum" sz="quarter" idx="12"/>
+          </p:nvPr>
+        </p:nvSpPr>
+        <p:spPr/>
+        <p:txBody>
+          <a:bodyPr/>
+          <a:lstStyle/>
+          <a:p>
+            <a:fld id="{6AB11809-A137-4636-8E11-D480BDA4566E}" type="slidenum">
+              <a:rPr lang="ru-RU" smtClean="0"/>
+              <a:t>12</a:t>
+            </a:fld>
+            <a:r>
+              <a:rPr lang="en-US" dirty="0"/>
+              <a:t>/1</a:t>
+            </a:r>
+            <a:r>
+              <a:rPr lang="ru-RU" dirty="0"/>
+              <a:t>2</a:t>
+            </a:r>
           </a:p>
         </p:txBody>
       </p:sp>
@@ -5687,10 +8941,11 @@
             <a:pPr algn="ctr"/>
             <a:r>
               <a:rPr lang="ru-RU" sz="4000" dirty="0">
-                <a:latin typeface="Times New Roman" panose="02020603050405020304" pitchFamily="18" charset="0"/>
-                <a:cs typeface="Times New Roman" panose="02020603050405020304" pitchFamily="18" charset="0"/>
-              </a:rPr>
-              <a:t>ЦЕЛЬ И ЗАДАЧИ РАБОТЫ</a:t>
+                <a:latin typeface="Sans Serif Collection" panose="020B0502040504020204" pitchFamily="34" charset="0"/>
+                <a:ea typeface="Sans Serif Collection" panose="020B0502040504020204" pitchFamily="34" charset="0"/>
+                <a:cs typeface="Sans Serif Collection" panose="020B0502040504020204" pitchFamily="34" charset="0"/>
+              </a:rPr>
+              <a:t>АКТУАЛЬНОСТЬ</a:t>
             </a:r>
           </a:p>
         </p:txBody>
@@ -5725,27 +8980,185 @@
           <a:p>
             <a:pPr marL="0" indent="0">
               <a:lnSpc>
-                <a:spcPct val="100000"/>
+                <a:spcPct val="150000"/>
               </a:lnSpc>
               <a:buNone/>
             </a:pPr>
             <a:r>
-              <a:rPr lang="ru-RU" b="1" dirty="0">
-                <a:latin typeface="Times New Roman" panose="02020603050405020304" pitchFamily="18" charset="0"/>
-                <a:cs typeface="Times New Roman" panose="02020603050405020304" pitchFamily="18" charset="0"/>
-              </a:rPr>
-              <a:t>Цель: </a:t>
-            </a:r>
+              <a:rPr lang="ru-RU" dirty="0">
+                <a:latin typeface="Sans Serif Collection" panose="020B0502040504020204" pitchFamily="34" charset="0"/>
+                <a:ea typeface="Sans Serif Collection" panose="020B0502040504020204" pitchFamily="34" charset="0"/>
+                <a:cs typeface="Sans Serif Collection" panose="020B0502040504020204" pitchFamily="34" charset="0"/>
+              </a:rPr>
+              <a:t>Актуальность приложения заключается в анализе методов оптимизации современных приложений, а также параллелизации вычислений на несколько ядер или потоков системы.</a:t>
+            </a:r>
+          </a:p>
+          <a:p>
+            <a:pPr marL="0" indent="0">
+              <a:lnSpc>
+                <a:spcPct val="150000"/>
+              </a:lnSpc>
+              <a:buNone/>
+            </a:pPr>
             <a:r>
               <a:rPr lang="ru-RU" dirty="0">
                 <a:effectLst/>
-                <a:latin typeface="Times New Roman" panose="02020603050405020304" pitchFamily="18" charset="0"/>
-                <a:ea typeface="Times New Roman" panose="02020603050405020304" pitchFamily="18" charset="0"/>
-                <a:cs typeface="Times New Roman" panose="02020603050405020304" pitchFamily="18" charset="0"/>
-              </a:rPr>
-              <a:t>разработка оптимальной реализации симуляции физической модели и изучение эффективности применения методов оптимизации процесса рендера. </a:t>
-            </a:r>
-          </a:p>
+                <a:latin typeface="Sans Serif Collection" panose="020B0502040504020204" pitchFamily="34" charset="0"/>
+                <a:ea typeface="Sans Serif Collection" panose="020B0502040504020204" pitchFamily="34" charset="0"/>
+                <a:cs typeface="Sans Serif Collection" panose="020B0502040504020204" pitchFamily="34" charset="0"/>
+              </a:rPr>
+              <a:t>Многоядерная </a:t>
+            </a:r>
+            <a:r>
+              <a:rPr lang="ru-RU" dirty="0">
+                <a:latin typeface="Sans Serif Collection" panose="020B0502040504020204" pitchFamily="34" charset="0"/>
+                <a:ea typeface="Sans Serif Collection" panose="020B0502040504020204" pitchFamily="34" charset="0"/>
+                <a:cs typeface="Sans Serif Collection" panose="020B0502040504020204" pitchFamily="34" charset="0"/>
+              </a:rPr>
+              <a:t>архитектура современных процессоров в большинстве приложений почти не используется или не используется вовсе</a:t>
+            </a:r>
+            <a:endParaRPr lang="ru-RU" dirty="0">
+              <a:effectLst/>
+              <a:latin typeface="Sans Serif Collection" panose="020B0502040504020204" pitchFamily="34" charset="0"/>
+              <a:ea typeface="Sans Serif Collection" panose="020B0502040504020204" pitchFamily="34" charset="0"/>
+              <a:cs typeface="Sans Serif Collection" panose="020B0502040504020204" pitchFamily="34" charset="0"/>
+            </a:endParaRPr>
+          </a:p>
+        </p:txBody>
+      </p:sp>
+      <p:sp>
+        <p:nvSpPr>
+          <p:cNvPr id="4" name="Номер слайда 3">
+            <a:extLst>
+              <a:ext uri="{FF2B5EF4-FFF2-40B4-BE49-F238E27FC236}">
+                <a16:creationId xmlns:a16="http://schemas.microsoft.com/office/drawing/2014/main" id="{B5220445-18AD-43D6-9F25-6ADEA08804B3}"/>
+              </a:ext>
+            </a:extLst>
+          </p:cNvPr>
+          <p:cNvSpPr>
+            <a:spLocks noGrp="1"/>
+          </p:cNvSpPr>
+          <p:nvPr>
+            <p:ph type="sldNum" sz="quarter" idx="12"/>
+          </p:nvPr>
+        </p:nvSpPr>
+        <p:spPr/>
+        <p:txBody>
+          <a:bodyPr/>
+          <a:lstStyle/>
+          <a:p>
+            <a:fld id="{6AB11809-A137-4636-8E11-D480BDA4566E}" type="slidenum">
+              <a:rPr lang="ru-RU" smtClean="0"/>
+              <a:t>2</a:t>
+            </a:fld>
+            <a:r>
+              <a:rPr lang="en-US" dirty="0"/>
+              <a:t>/</a:t>
+            </a:r>
+            <a:r>
+              <a:rPr lang="ru-RU" dirty="0"/>
+              <a:t>12</a:t>
+            </a:r>
+          </a:p>
+        </p:txBody>
+      </p:sp>
+    </p:spTree>
+    <p:extLst>
+      <p:ext uri="{BB962C8B-B14F-4D97-AF65-F5344CB8AC3E}">
+        <p14:creationId xmlns:p14="http://schemas.microsoft.com/office/powerpoint/2010/main" val="2348899764"/>
+      </p:ext>
+    </p:extLst>
+  </p:cSld>
+  <p:clrMapOvr>
+    <a:masterClrMapping/>
+  </p:clrMapOvr>
+</p:sld>
+</file>
+
+<file path=ppt/slides/slide3.xml><?xml version="1.0" encoding="utf-8"?>
+<p:sld xmlns:a="http://schemas.openxmlformats.org/drawingml/2006/main" xmlns:r="http://schemas.openxmlformats.org/officeDocument/2006/relationships" xmlns:p="http://schemas.openxmlformats.org/presentationml/2006/main">
+  <p:cSld>
+    <p:spTree>
+      <p:nvGrpSpPr>
+        <p:cNvPr id="1" name=""/>
+        <p:cNvGrpSpPr/>
+        <p:nvPr/>
+      </p:nvGrpSpPr>
+      <p:grpSpPr>
+        <a:xfrm>
+          <a:off x="0" y="0"/>
+          <a:ext cx="0" cy="0"/>
+          <a:chOff x="0" y="0"/>
+          <a:chExt cx="0" cy="0"/>
+        </a:xfrm>
+      </p:grpSpPr>
+      <p:sp>
+        <p:nvSpPr>
+          <p:cNvPr id="2" name="Заголовок 1">
+            <a:extLst>
+              <a:ext uri="{FF2B5EF4-FFF2-40B4-BE49-F238E27FC236}">
+                <a16:creationId xmlns:a16="http://schemas.microsoft.com/office/drawing/2014/main" id="{DEF917E9-5C90-4F70-83BB-8CA64D4472D3}"/>
+              </a:ext>
+            </a:extLst>
+          </p:cNvPr>
+          <p:cNvSpPr>
+            <a:spLocks noGrp="1"/>
+          </p:cNvSpPr>
+          <p:nvPr>
+            <p:ph type="title"/>
+          </p:nvPr>
+        </p:nvSpPr>
+        <p:spPr>
+          <a:xfrm>
+            <a:off x="838200" y="365125"/>
+            <a:ext cx="10515600" cy="712007"/>
+          </a:xfrm>
+        </p:spPr>
+        <p:txBody>
+          <a:bodyPr>
+            <a:normAutofit/>
+          </a:bodyPr>
+          <a:lstStyle/>
+          <a:p>
+            <a:pPr algn="ctr"/>
+            <a:r>
+              <a:rPr lang="ru-RU" sz="4000" dirty="0">
+                <a:latin typeface="Sans Serif Collection" panose="020B0502040504020204" pitchFamily="34" charset="0"/>
+                <a:ea typeface="Sans Serif Collection" panose="020B0502040504020204" pitchFamily="34" charset="0"/>
+                <a:cs typeface="Sans Serif Collection" panose="020B0502040504020204" pitchFamily="34" charset="0"/>
+              </a:rPr>
+              <a:t>ЦЕЛЬ И ЗАДАЧИ РАБОТЫ</a:t>
+            </a:r>
+          </a:p>
+        </p:txBody>
+      </p:sp>
+      <p:sp>
+        <p:nvSpPr>
+          <p:cNvPr id="3" name="Объект 2">
+            <a:extLst>
+              <a:ext uri="{FF2B5EF4-FFF2-40B4-BE49-F238E27FC236}">
+                <a16:creationId xmlns:a16="http://schemas.microsoft.com/office/drawing/2014/main" id="{E24BCD9D-0A3C-4C64-905B-CC566CAE4F65}"/>
+              </a:ext>
+            </a:extLst>
+          </p:cNvPr>
+          <p:cNvSpPr>
+            <a:spLocks noGrp="1"/>
+          </p:cNvSpPr>
+          <p:nvPr>
+            <p:ph idx="1"/>
+          </p:nvPr>
+        </p:nvSpPr>
+        <p:spPr>
+          <a:xfrm>
+            <a:off x="838200" y="1077131"/>
+            <a:ext cx="10515600" cy="5587140"/>
+          </a:xfrm>
+        </p:spPr>
+        <p:txBody>
+          <a:bodyPr>
+            <a:normAutofit fontScale="92500" lnSpcReduction="10000"/>
+          </a:bodyPr>
+          <a:lstStyle/>
           <a:p>
             <a:pPr marL="0" indent="0">
               <a:lnSpc>
@@ -5755,27 +9168,52 @@
             </a:pPr>
             <a:r>
               <a:rPr lang="ru-RU" b="1" dirty="0">
+                <a:latin typeface="Sans Serif Collection" panose="020B0502040504020204" pitchFamily="34" charset="0"/>
+                <a:ea typeface="Sans Serif Collection" panose="020B0502040504020204" pitchFamily="34" charset="0"/>
+                <a:cs typeface="Sans Serif Collection" panose="020B0502040504020204" pitchFamily="34" charset="0"/>
+              </a:rPr>
+              <a:t>Цель: </a:t>
+            </a:r>
+            <a:r>
+              <a:rPr lang="ru-RU" dirty="0">
                 <a:effectLst/>
-                <a:latin typeface="Times New Roman" panose="02020603050405020304" pitchFamily="18" charset="0"/>
-                <a:ea typeface="Times New Roman" panose="02020603050405020304" pitchFamily="18" charset="0"/>
-                <a:cs typeface="Times New Roman" panose="02020603050405020304" pitchFamily="18" charset="0"/>
+                <a:latin typeface="Sans Serif Collection" panose="020B0502040504020204" pitchFamily="34" charset="0"/>
+                <a:ea typeface="Sans Serif Collection" panose="020B0502040504020204" pitchFamily="34" charset="0"/>
+                <a:cs typeface="Sans Serif Collection" panose="020B0502040504020204" pitchFamily="34" charset="0"/>
+              </a:rPr>
+              <a:t>разработка оптимальной реализации симуляции физической модели и изучение эффективности применения методов оптимизации процесса рендера. </a:t>
+            </a:r>
+          </a:p>
+          <a:p>
+            <a:pPr marL="0" indent="0">
+              <a:lnSpc>
+                <a:spcPct val="100000"/>
+              </a:lnSpc>
+              <a:buNone/>
+            </a:pPr>
+            <a:r>
+              <a:rPr lang="ru-RU" b="1" dirty="0">
+                <a:effectLst/>
+                <a:latin typeface="Sans Serif Collection" panose="020B0502040504020204" pitchFamily="34" charset="0"/>
+                <a:ea typeface="Sans Serif Collection" panose="020B0502040504020204" pitchFamily="34" charset="0"/>
+                <a:cs typeface="Sans Serif Collection" panose="020B0502040504020204" pitchFamily="34" charset="0"/>
               </a:rPr>
               <a:t>Задачи</a:t>
             </a:r>
             <a:r>
               <a:rPr lang="en-US" b="1" dirty="0">
                 <a:effectLst/>
-                <a:latin typeface="Times New Roman" panose="02020603050405020304" pitchFamily="18" charset="0"/>
-                <a:ea typeface="Times New Roman" panose="02020603050405020304" pitchFamily="18" charset="0"/>
-                <a:cs typeface="Times New Roman" panose="02020603050405020304" pitchFamily="18" charset="0"/>
+                <a:latin typeface="Sans Serif Collection" panose="020B0502040504020204" pitchFamily="34" charset="0"/>
+                <a:ea typeface="Sans Serif Collection" panose="020B0502040504020204" pitchFamily="34" charset="0"/>
+                <a:cs typeface="Sans Serif Collection" panose="020B0502040504020204" pitchFamily="34" charset="0"/>
               </a:rPr>
               <a:t>:</a:t>
             </a:r>
             <a:endParaRPr lang="ru-RU" b="1" dirty="0">
               <a:effectLst/>
-              <a:latin typeface="Times New Roman" panose="02020603050405020304" pitchFamily="18" charset="0"/>
-              <a:ea typeface="Times New Roman" panose="02020603050405020304" pitchFamily="18" charset="0"/>
-              <a:cs typeface="Times New Roman" panose="02020603050405020304" pitchFamily="18" charset="0"/>
+              <a:latin typeface="Sans Serif Collection" panose="020B0502040504020204" pitchFamily="34" charset="0"/>
+              <a:ea typeface="Sans Serif Collection" panose="020B0502040504020204" pitchFamily="34" charset="0"/>
+              <a:cs typeface="Sans Serif Collection" panose="020B0502040504020204" pitchFamily="34" charset="0"/>
             </a:endParaRPr>
           </a:p>
           <a:p>
@@ -5788,8 +9226,9 @@
             </a:pPr>
             <a:r>
               <a:rPr lang="ru-RU" dirty="0">
-                <a:latin typeface="Times New Roman" panose="02020603050405020304" pitchFamily="18" charset="0"/>
-                <a:cs typeface="Times New Roman" panose="02020603050405020304" pitchFamily="18" charset="0"/>
+                <a:latin typeface="Sans Serif Collection" panose="020B0502040504020204" pitchFamily="34" charset="0"/>
+                <a:ea typeface="Sans Serif Collection" panose="020B0502040504020204" pitchFamily="34" charset="0"/>
+                <a:cs typeface="Sans Serif Collection" panose="020B0502040504020204" pitchFamily="34" charset="0"/>
               </a:rPr>
               <a:t>провести анализ предметной области и аналогичных решений; </a:t>
             </a:r>
@@ -5804,8 +9243,9 @@
             </a:pPr>
             <a:r>
               <a:rPr lang="ru-RU" dirty="0">
-                <a:latin typeface="Times New Roman" panose="02020603050405020304" pitchFamily="18" charset="0"/>
-                <a:cs typeface="Times New Roman" panose="02020603050405020304" pitchFamily="18" charset="0"/>
+                <a:latin typeface="Sans Serif Collection" panose="020B0502040504020204" pitchFamily="34" charset="0"/>
+                <a:ea typeface="Sans Serif Collection" panose="020B0502040504020204" pitchFamily="34" charset="0"/>
+                <a:cs typeface="Sans Serif Collection" panose="020B0502040504020204" pitchFamily="34" charset="0"/>
               </a:rPr>
               <a:t>сформулировать функциональные и нефункциональные требования к программному продукту;</a:t>
             </a:r>
@@ -5820,8 +9260,9 @@
             </a:pPr>
             <a:r>
               <a:rPr lang="ru-RU" dirty="0">
-                <a:latin typeface="Times New Roman" panose="02020603050405020304" pitchFamily="18" charset="0"/>
-                <a:cs typeface="Times New Roman" panose="02020603050405020304" pitchFamily="18" charset="0"/>
+                <a:latin typeface="Sans Serif Collection" panose="020B0502040504020204" pitchFamily="34" charset="0"/>
+                <a:ea typeface="Sans Serif Collection" panose="020B0502040504020204" pitchFamily="34" charset="0"/>
+                <a:cs typeface="Sans Serif Collection" panose="020B0502040504020204" pitchFamily="34" charset="0"/>
               </a:rPr>
               <a:t>реализовать программу для симуляции физической модели;</a:t>
             </a:r>
@@ -5836,8 +9277,9 @@
             </a:pPr>
             <a:r>
               <a:rPr lang="ru-RU" dirty="0">
-                <a:latin typeface="Times New Roman" panose="02020603050405020304" pitchFamily="18" charset="0"/>
-                <a:cs typeface="Times New Roman" panose="02020603050405020304" pitchFamily="18" charset="0"/>
+                <a:latin typeface="Sans Serif Collection" panose="020B0502040504020204" pitchFamily="34" charset="0"/>
+                <a:ea typeface="Sans Serif Collection" panose="020B0502040504020204" pitchFamily="34" charset="0"/>
+                <a:cs typeface="Sans Serif Collection" panose="020B0502040504020204" pitchFamily="34" charset="0"/>
               </a:rPr>
               <a:t>оптимизировать вычисления доступными методами;</a:t>
             </a:r>
@@ -5852,8 +9294,9 @@
             </a:pPr>
             <a:r>
               <a:rPr lang="ru-RU" dirty="0">
-                <a:latin typeface="Times New Roman" panose="02020603050405020304" pitchFamily="18" charset="0"/>
-                <a:cs typeface="Times New Roman" panose="02020603050405020304" pitchFamily="18" charset="0"/>
+                <a:latin typeface="Sans Serif Collection" panose="020B0502040504020204" pitchFamily="34" charset="0"/>
+                <a:ea typeface="Sans Serif Collection" panose="020B0502040504020204" pitchFamily="34" charset="0"/>
+                <a:cs typeface="Sans Serif Collection" panose="020B0502040504020204" pitchFamily="34" charset="0"/>
               </a:rPr>
               <a:t>выполнить тестирование.</a:t>
             </a:r>
@@ -5872,6 +9315,250 @@
           </a:p>
         </p:txBody>
       </p:sp>
+      <p:sp>
+        <p:nvSpPr>
+          <p:cNvPr id="4" name="Номер слайда 3">
+            <a:extLst>
+              <a:ext uri="{FF2B5EF4-FFF2-40B4-BE49-F238E27FC236}">
+                <a16:creationId xmlns:a16="http://schemas.microsoft.com/office/drawing/2014/main" id="{B5220445-18AD-43D6-9F25-6ADEA08804B3}"/>
+              </a:ext>
+            </a:extLst>
+          </p:cNvPr>
+          <p:cNvSpPr>
+            <a:spLocks noGrp="1"/>
+          </p:cNvSpPr>
+          <p:nvPr>
+            <p:ph type="sldNum" sz="quarter" idx="12"/>
+          </p:nvPr>
+        </p:nvSpPr>
+        <p:spPr/>
+        <p:txBody>
+          <a:bodyPr/>
+          <a:lstStyle/>
+          <a:p>
+            <a:fld id="{6AB11809-A137-4636-8E11-D480BDA4566E}" type="slidenum">
+              <a:rPr lang="ru-RU" smtClean="0"/>
+              <a:t>3</a:t>
+            </a:fld>
+            <a:r>
+              <a:rPr lang="en-US" dirty="0"/>
+              <a:t>/1</a:t>
+            </a:r>
+            <a:r>
+              <a:rPr lang="ru-RU" dirty="0"/>
+              <a:t>2</a:t>
+            </a:r>
+          </a:p>
+        </p:txBody>
+      </p:sp>
+    </p:spTree>
+    <p:extLst>
+      <p:ext uri="{BB962C8B-B14F-4D97-AF65-F5344CB8AC3E}">
+        <p14:creationId xmlns:p14="http://schemas.microsoft.com/office/powerpoint/2010/main" val="3707675000"/>
+      </p:ext>
+    </p:extLst>
+  </p:cSld>
+  <p:clrMapOvr>
+    <a:masterClrMapping/>
+  </p:clrMapOvr>
+</p:sld>
+</file>
+
+<file path=ppt/slides/slide4.xml><?xml version="1.0" encoding="utf-8"?>
+<p:sld xmlns:a="http://schemas.openxmlformats.org/drawingml/2006/main" xmlns:r="http://schemas.openxmlformats.org/officeDocument/2006/relationships" xmlns:p="http://schemas.openxmlformats.org/presentationml/2006/main">
+  <p:cSld>
+    <p:spTree>
+      <p:nvGrpSpPr>
+        <p:cNvPr id="1" name=""/>
+        <p:cNvGrpSpPr/>
+        <p:nvPr/>
+      </p:nvGrpSpPr>
+      <p:grpSpPr>
+        <a:xfrm>
+          <a:off x="0" y="0"/>
+          <a:ext cx="0" cy="0"/>
+          <a:chOff x="0" y="0"/>
+          <a:chExt cx="0" cy="0"/>
+        </a:xfrm>
+      </p:grpSpPr>
+      <p:sp>
+        <p:nvSpPr>
+          <p:cNvPr id="2" name="Заголовок 1">
+            <a:extLst>
+              <a:ext uri="{FF2B5EF4-FFF2-40B4-BE49-F238E27FC236}">
+                <a16:creationId xmlns:a16="http://schemas.microsoft.com/office/drawing/2014/main" id="{DEF917E9-5C90-4F70-83BB-8CA64D4472D3}"/>
+              </a:ext>
+            </a:extLst>
+          </p:cNvPr>
+          <p:cNvSpPr>
+            <a:spLocks noGrp="1"/>
+          </p:cNvSpPr>
+          <p:nvPr>
+            <p:ph type="title"/>
+          </p:nvPr>
+        </p:nvSpPr>
+        <p:spPr>
+          <a:xfrm>
+            <a:off x="838200" y="365125"/>
+            <a:ext cx="10515600" cy="712007"/>
+          </a:xfrm>
+        </p:spPr>
+        <p:txBody>
+          <a:bodyPr>
+            <a:normAutofit/>
+          </a:bodyPr>
+          <a:lstStyle/>
+          <a:p>
+            <a:pPr algn="ctr"/>
+            <a:r>
+              <a:rPr lang="ru-RU" sz="4000" dirty="0">
+                <a:latin typeface="Sans Serif Collection" panose="020B0502040504020204" pitchFamily="34" charset="0"/>
+                <a:ea typeface="Sans Serif Collection" panose="020B0502040504020204" pitchFamily="34" charset="0"/>
+                <a:cs typeface="Sans Serif Collection" panose="020B0502040504020204" pitchFamily="34" charset="0"/>
+              </a:rPr>
+              <a:t>ОБЗОР АНАЛОГОВ</a:t>
+            </a:r>
+          </a:p>
+        </p:txBody>
+      </p:sp>
+      <p:sp>
+        <p:nvSpPr>
+          <p:cNvPr id="3" name="Объект 2">
+            <a:extLst>
+              <a:ext uri="{FF2B5EF4-FFF2-40B4-BE49-F238E27FC236}">
+                <a16:creationId xmlns:a16="http://schemas.microsoft.com/office/drawing/2014/main" id="{E24BCD9D-0A3C-4C64-905B-CC566CAE4F65}"/>
+              </a:ext>
+            </a:extLst>
+          </p:cNvPr>
+          <p:cNvSpPr>
+            <a:spLocks noGrp="1"/>
+          </p:cNvSpPr>
+          <p:nvPr>
+            <p:ph idx="1"/>
+          </p:nvPr>
+        </p:nvSpPr>
+        <p:spPr>
+          <a:xfrm>
+            <a:off x="838200" y="1077131"/>
+            <a:ext cx="10515600" cy="495436"/>
+          </a:xfrm>
+        </p:spPr>
+        <p:txBody>
+          <a:bodyPr>
+            <a:normAutofit lnSpcReduction="10000"/>
+          </a:bodyPr>
+          <a:lstStyle/>
+          <a:p>
+            <a:pPr marL="0" indent="0" algn="ctr">
+              <a:lnSpc>
+                <a:spcPct val="100000"/>
+              </a:lnSpc>
+              <a:buNone/>
+            </a:pPr>
+            <a:r>
+              <a:rPr lang="en-US" b="1" dirty="0">
+                <a:effectLst/>
+                <a:latin typeface="Sans Serif Collection" panose="020B0502040504020204" pitchFamily="34" charset="0"/>
+                <a:ea typeface="Sans Serif Collection" panose="020B0502040504020204" pitchFamily="34" charset="0"/>
+                <a:cs typeface="Sans Serif Collection" panose="020B0502040504020204" pitchFamily="34" charset="0"/>
+              </a:rPr>
+              <a:t>Unity</a:t>
+            </a:r>
+            <a:r>
+              <a:rPr lang="ru-RU" dirty="0">
+                <a:effectLst/>
+                <a:latin typeface="Sans Serif Collection" panose="020B0502040504020204" pitchFamily="34" charset="0"/>
+                <a:ea typeface="Sans Serif Collection" panose="020B0502040504020204" pitchFamily="34" charset="0"/>
+                <a:cs typeface="Sans Serif Collection" panose="020B0502040504020204" pitchFamily="34" charset="0"/>
+              </a:rPr>
+              <a:t> </a:t>
+            </a:r>
+          </a:p>
+        </p:txBody>
+      </p:sp>
+      <p:sp>
+        <p:nvSpPr>
+          <p:cNvPr id="4" name="Номер слайда 3">
+            <a:extLst>
+              <a:ext uri="{FF2B5EF4-FFF2-40B4-BE49-F238E27FC236}">
+                <a16:creationId xmlns:a16="http://schemas.microsoft.com/office/drawing/2014/main" id="{B5220445-18AD-43D6-9F25-6ADEA08804B3}"/>
+              </a:ext>
+            </a:extLst>
+          </p:cNvPr>
+          <p:cNvSpPr>
+            <a:spLocks noGrp="1"/>
+          </p:cNvSpPr>
+          <p:nvPr>
+            <p:ph type="sldNum" sz="quarter" idx="12"/>
+          </p:nvPr>
+        </p:nvSpPr>
+        <p:spPr/>
+        <p:txBody>
+          <a:bodyPr/>
+          <a:lstStyle/>
+          <a:p>
+            <a:fld id="{6AB11809-A137-4636-8E11-D480BDA4566E}" type="slidenum">
+              <a:rPr lang="ru-RU" smtClean="0"/>
+              <a:t>4</a:t>
+            </a:fld>
+            <a:r>
+              <a:rPr lang="en-US" dirty="0"/>
+              <a:t>/1</a:t>
+            </a:r>
+            <a:r>
+              <a:rPr lang="ru-RU" dirty="0"/>
+              <a:t>2</a:t>
+            </a:r>
+          </a:p>
+        </p:txBody>
+      </p:sp>
+      <p:pic>
+        <p:nvPicPr>
+          <p:cNvPr id="1026" name="Picture 2" descr="PIC-FLIP Fluid Simulation">
+            <a:extLst>
+              <a:ext uri="{FF2B5EF4-FFF2-40B4-BE49-F238E27FC236}">
+                <a16:creationId xmlns:a16="http://schemas.microsoft.com/office/drawing/2014/main" id="{39B4ED3F-934A-4574-A819-1664E04F495F}"/>
+              </a:ext>
+            </a:extLst>
+          </p:cNvPr>
+          <p:cNvPicPr>
+            <a:picLocks noChangeAspect="1" noChangeArrowheads="1"/>
+          </p:cNvPicPr>
+          <p:nvPr/>
+        </p:nvPicPr>
+        <p:blipFill>
+          <a:blip r:embed="rId3">
+            <a:extLst>
+              <a:ext uri="{28A0092B-C50C-407E-A947-70E740481C1C}">
+                <a14:useLocalDpi xmlns:a14="http://schemas.microsoft.com/office/drawing/2010/main" val="0"/>
+              </a:ext>
+            </a:extLst>
+          </a:blip>
+          <a:srcRect/>
+          <a:stretch>
+            <a:fillRect/>
+          </a:stretch>
+        </p:blipFill>
+        <p:spPr bwMode="auto">
+          <a:xfrm>
+            <a:off x="1966583" y="1572567"/>
+            <a:ext cx="8258833" cy="4338590"/>
+          </a:xfrm>
+          <a:prstGeom prst="rect">
+            <a:avLst/>
+          </a:prstGeom>
+          <a:noFill/>
+          <a:extLst>
+            <a:ext uri="{909E8E84-426E-40DD-AFC4-6F175D3DCCD1}">
+              <a14:hiddenFill xmlns:a14="http://schemas.microsoft.com/office/drawing/2010/main">
+                <a:solidFill>
+                  <a:srgbClr val="FFFFFF"/>
+                </a:solidFill>
+              </a14:hiddenFill>
+            </a:ext>
+          </a:extLst>
+        </p:spPr>
+      </p:pic>
     </p:spTree>
     <p:extLst>
       <p:ext uri="{BB962C8B-B14F-4D97-AF65-F5344CB8AC3E}">
@@ -5885,7 +9572,7 @@
 </p:sld>
 </file>
 
-<file path=ppt/slides/slide3.xml><?xml version="1.0" encoding="utf-8"?>
+<file path=ppt/slides/slide5.xml><?xml version="1.0" encoding="utf-8"?>
 <p:sld xmlns:a="http://schemas.openxmlformats.org/drawingml/2006/main" xmlns:r="http://schemas.openxmlformats.org/officeDocument/2006/relationships" xmlns:p="http://schemas.openxmlformats.org/presentationml/2006/main">
   <p:cSld>
     <p:spTree>
@@ -5917,7 +9604,7 @@
           <p:nvPr/>
         </p:nvPicPr>
         <p:blipFill rotWithShape="1">
-          <a:blip r:embed="rId2">
+          <a:blip r:embed="rId3">
             <a:extLst>
               <a:ext uri="{28A0092B-C50C-407E-A947-70E740481C1C}">
                 <a14:useLocalDpi xmlns:a14="http://schemas.microsoft.com/office/drawing/2010/main" val="0"/>
@@ -5968,11 +9655,49 @@
             <a:pPr algn="ctr"/>
             <a:r>
               <a:rPr lang="ru-RU" sz="4000" dirty="0">
-                <a:latin typeface="Times New Roman" panose="02020603050405020304" pitchFamily="18" charset="0"/>
-                <a:cs typeface="Times New Roman" panose="02020603050405020304" pitchFamily="18" charset="0"/>
+                <a:latin typeface="Sans Serif Collection" panose="020B0502040504020204" pitchFamily="34" charset="0"/>
+                <a:ea typeface="Sans Serif Collection" panose="020B0502040504020204" pitchFamily="34" charset="0"/>
+                <a:cs typeface="Sans Serif Collection" panose="020B0502040504020204" pitchFamily="34" charset="0"/>
               </a:rPr>
               <a:t>Диаграмма вариантов использования</a:t>
             </a:r>
+          </a:p>
+        </p:txBody>
+      </p:sp>
+      <p:sp>
+        <p:nvSpPr>
+          <p:cNvPr id="3" name="Номер слайда 2">
+            <a:extLst>
+              <a:ext uri="{FF2B5EF4-FFF2-40B4-BE49-F238E27FC236}">
+                <a16:creationId xmlns:a16="http://schemas.microsoft.com/office/drawing/2014/main" id="{96DD0039-154F-4E71-ADD7-E44A22F397C8}"/>
+              </a:ext>
+            </a:extLst>
+          </p:cNvPr>
+          <p:cNvSpPr>
+            <a:spLocks noGrp="1"/>
+          </p:cNvSpPr>
+          <p:nvPr>
+            <p:ph type="sldNum" sz="quarter" idx="12"/>
+          </p:nvPr>
+        </p:nvSpPr>
+        <p:spPr/>
+        <p:txBody>
+          <a:bodyPr/>
+          <a:lstStyle/>
+          <a:p>
+            <a:fld id="{6AB11809-A137-4636-8E11-D480BDA4566E}" type="slidenum">
+              <a:rPr lang="ru-RU" smtClean="0"/>
+              <a:t>5</a:t>
+            </a:fld>
+            <a:r>
+              <a:rPr lang="en-US" dirty="0"/>
+              <a:t>/1</a:t>
+            </a:r>
+            <a:r>
+              <a:rPr lang="ru-RU" dirty="0"/>
+              <a:t>2</a:t>
+            </a:r>
+            <a:endParaRPr lang="en-US" dirty="0"/>
           </a:p>
         </p:txBody>
       </p:sp>
@@ -5980,216 +9705,6 @@
     <p:extLst>
       <p:ext uri="{BB962C8B-B14F-4D97-AF65-F5344CB8AC3E}">
         <p14:creationId xmlns:p14="http://schemas.microsoft.com/office/powerpoint/2010/main" val="921963677"/>
-      </p:ext>
-    </p:extLst>
-  </p:cSld>
-  <p:clrMapOvr>
-    <a:masterClrMapping/>
-  </p:clrMapOvr>
-</p:sld>
-</file>
-
-<file path=ppt/slides/slide4.xml><?xml version="1.0" encoding="utf-8"?>
-<p:sld xmlns:a="http://schemas.openxmlformats.org/drawingml/2006/main" xmlns:r="http://schemas.openxmlformats.org/officeDocument/2006/relationships" xmlns:p="http://schemas.openxmlformats.org/presentationml/2006/main">
-  <p:cSld>
-    <p:spTree>
-      <p:nvGrpSpPr>
-        <p:cNvPr id="1" name=""/>
-        <p:cNvGrpSpPr/>
-        <p:nvPr/>
-      </p:nvGrpSpPr>
-      <p:grpSpPr>
-        <a:xfrm>
-          <a:off x="0" y="0"/>
-          <a:ext cx="0" cy="0"/>
-          <a:chOff x="0" y="0"/>
-          <a:chExt cx="0" cy="0"/>
-        </a:xfrm>
-      </p:grpSpPr>
-      <p:sp>
-        <p:nvSpPr>
-          <p:cNvPr id="2" name="Заголовок 1">
-            <a:extLst>
-              <a:ext uri="{FF2B5EF4-FFF2-40B4-BE49-F238E27FC236}">
-                <a16:creationId xmlns:a16="http://schemas.microsoft.com/office/drawing/2014/main" id="{FE305D29-52BD-4520-A556-C6BBCF93639E}"/>
-              </a:ext>
-            </a:extLst>
-          </p:cNvPr>
-          <p:cNvSpPr>
-            <a:spLocks noGrp="1"/>
-          </p:cNvSpPr>
-          <p:nvPr>
-            <p:ph type="title"/>
-          </p:nvPr>
-        </p:nvSpPr>
-        <p:spPr>
-          <a:xfrm>
-            <a:off x="838200" y="147234"/>
-            <a:ext cx="10515600" cy="635430"/>
-          </a:xfrm>
-        </p:spPr>
-        <p:txBody>
-          <a:bodyPr>
-            <a:normAutofit fontScale="90000"/>
-          </a:bodyPr>
-          <a:lstStyle/>
-          <a:p>
-            <a:pPr algn="ctr"/>
-            <a:r>
-              <a:rPr lang="ru-RU" sz="4000" dirty="0">
-                <a:latin typeface="Times New Roman" panose="02020603050405020304" pitchFamily="18" charset="0"/>
-                <a:cs typeface="Times New Roman" panose="02020603050405020304" pitchFamily="18" charset="0"/>
-              </a:rPr>
-              <a:t>Диаграмма классов</a:t>
-            </a:r>
-          </a:p>
-        </p:txBody>
-      </p:sp>
-      <p:pic>
-        <p:nvPicPr>
-          <p:cNvPr id="5" name="Рисунок 4">
-            <a:extLst>
-              <a:ext uri="{FF2B5EF4-FFF2-40B4-BE49-F238E27FC236}">
-                <a16:creationId xmlns:a16="http://schemas.microsoft.com/office/drawing/2014/main" id="{38C37589-E238-4FCC-AC71-9D38CDC8ED9C}"/>
-              </a:ext>
-            </a:extLst>
-          </p:cNvPr>
-          <p:cNvPicPr>
-            <a:picLocks noChangeAspect="1"/>
-          </p:cNvPicPr>
-          <p:nvPr/>
-        </p:nvPicPr>
-        <p:blipFill>
-          <a:blip r:embed="rId2">
-            <a:extLst>
-              <a:ext uri="{28A0092B-C50C-407E-A947-70E740481C1C}">
-                <a14:useLocalDpi xmlns:a14="http://schemas.microsoft.com/office/drawing/2010/main" val="0"/>
-              </a:ext>
-            </a:extLst>
-          </a:blip>
-          <a:stretch>
-            <a:fillRect/>
-          </a:stretch>
-        </p:blipFill>
-        <p:spPr>
-          <a:xfrm>
-            <a:off x="3261641" y="782664"/>
-            <a:ext cx="5668718" cy="6075336"/>
-          </a:xfrm>
-          <a:prstGeom prst="rect">
-            <a:avLst/>
-          </a:prstGeom>
-        </p:spPr>
-      </p:pic>
-    </p:spTree>
-    <p:extLst>
-      <p:ext uri="{BB962C8B-B14F-4D97-AF65-F5344CB8AC3E}">
-        <p14:creationId xmlns:p14="http://schemas.microsoft.com/office/powerpoint/2010/main" val="3688829239"/>
-      </p:ext>
-    </p:extLst>
-  </p:cSld>
-  <p:clrMapOvr>
-    <a:masterClrMapping/>
-  </p:clrMapOvr>
-</p:sld>
-</file>
-
-<file path=ppt/slides/slide5.xml><?xml version="1.0" encoding="utf-8"?>
-<p:sld xmlns:a="http://schemas.openxmlformats.org/drawingml/2006/main" xmlns:r="http://schemas.openxmlformats.org/officeDocument/2006/relationships" xmlns:p="http://schemas.openxmlformats.org/presentationml/2006/main">
-  <p:cSld>
-    <p:spTree>
-      <p:nvGrpSpPr>
-        <p:cNvPr id="1" name=""/>
-        <p:cNvGrpSpPr/>
-        <p:nvPr/>
-      </p:nvGrpSpPr>
-      <p:grpSpPr>
-        <a:xfrm>
-          <a:off x="0" y="0"/>
-          <a:ext cx="0" cy="0"/>
-          <a:chOff x="0" y="0"/>
-          <a:chExt cx="0" cy="0"/>
-        </a:xfrm>
-      </p:grpSpPr>
-      <p:sp>
-        <p:nvSpPr>
-          <p:cNvPr id="2" name="Заголовок 1">
-            <a:extLst>
-              <a:ext uri="{FF2B5EF4-FFF2-40B4-BE49-F238E27FC236}">
-                <a16:creationId xmlns:a16="http://schemas.microsoft.com/office/drawing/2014/main" id="{FE305D29-52BD-4520-A556-C6BBCF93639E}"/>
-              </a:ext>
-            </a:extLst>
-          </p:cNvPr>
-          <p:cNvSpPr>
-            <a:spLocks noGrp="1"/>
-          </p:cNvSpPr>
-          <p:nvPr>
-            <p:ph type="title"/>
-          </p:nvPr>
-        </p:nvSpPr>
-        <p:spPr>
-          <a:xfrm>
-            <a:off x="838200" y="147234"/>
-            <a:ext cx="10515600" cy="635430"/>
-          </a:xfrm>
-        </p:spPr>
-        <p:txBody>
-          <a:bodyPr>
-            <a:normAutofit fontScale="90000"/>
-          </a:bodyPr>
-          <a:lstStyle/>
-          <a:p>
-            <a:pPr algn="ctr"/>
-            <a:r>
-              <a:rPr lang="ru-RU" sz="4000" dirty="0">
-                <a:latin typeface="Times New Roman" panose="02020603050405020304" pitchFamily="18" charset="0"/>
-                <a:cs typeface="Times New Roman" panose="02020603050405020304" pitchFamily="18" charset="0"/>
-              </a:rPr>
-              <a:t>Диаграмма «сущность-связь»</a:t>
-            </a:r>
-          </a:p>
-        </p:txBody>
-      </p:sp>
-      <p:pic>
-        <p:nvPicPr>
-          <p:cNvPr id="4" name="Рисунок 3">
-            <a:extLst>
-              <a:ext uri="{FF2B5EF4-FFF2-40B4-BE49-F238E27FC236}">
-                <a16:creationId xmlns:a16="http://schemas.microsoft.com/office/drawing/2014/main" id="{7CBC4FC8-EE48-4C0A-A747-FF9C8A4EF9C7}"/>
-              </a:ext>
-            </a:extLst>
-          </p:cNvPr>
-          <p:cNvPicPr>
-            <a:picLocks noChangeAspect="1"/>
-          </p:cNvPicPr>
-          <p:nvPr/>
-        </p:nvPicPr>
-        <p:blipFill>
-          <a:blip r:embed="rId2">
-            <a:extLst>
-              <a:ext uri="{28A0092B-C50C-407E-A947-70E740481C1C}">
-                <a14:useLocalDpi xmlns:a14="http://schemas.microsoft.com/office/drawing/2010/main" val="0"/>
-              </a:ext>
-            </a:extLst>
-          </a:blip>
-          <a:stretch>
-            <a:fillRect/>
-          </a:stretch>
-        </p:blipFill>
-        <p:spPr>
-          <a:xfrm>
-            <a:off x="1974548" y="1561252"/>
-            <a:ext cx="8242903" cy="3735496"/>
-          </a:xfrm>
-          <a:prstGeom prst="rect">
-            <a:avLst/>
-          </a:prstGeom>
-        </p:spPr>
-      </p:pic>
-    </p:spTree>
-    <p:extLst>
-      <p:ext uri="{BB962C8B-B14F-4D97-AF65-F5344CB8AC3E}">
-        <p14:creationId xmlns:p14="http://schemas.microsoft.com/office/powerpoint/2010/main" val="2207210610"/>
       </p:ext>
     </p:extLst>
   </p:cSld>
@@ -6221,7 +9736,7 @@
           <p:cNvPr id="2" name="Заголовок 1">
             <a:extLst>
               <a:ext uri="{FF2B5EF4-FFF2-40B4-BE49-F238E27FC236}">
-                <a16:creationId xmlns:a16="http://schemas.microsoft.com/office/drawing/2014/main" id="{DEF917E9-5C90-4F70-83BB-8CA64D4472D3}"/>
+                <a16:creationId xmlns:a16="http://schemas.microsoft.com/office/drawing/2014/main" id="{FE305D29-52BD-4520-A556-C6BBCF93639E}"/>
               </a:ext>
             </a:extLst>
           </p:cNvPr>
@@ -6234,319 +9749,104 @@
         </p:nvSpPr>
         <p:spPr>
           <a:xfrm>
-            <a:off x="838200" y="365125"/>
-            <a:ext cx="10515600" cy="712007"/>
+            <a:off x="838200" y="147234"/>
+            <a:ext cx="10515600" cy="635430"/>
           </a:xfrm>
         </p:spPr>
         <p:txBody>
           <a:bodyPr>
-            <a:normAutofit/>
+            <a:normAutofit fontScale="90000"/>
           </a:bodyPr>
           <a:lstStyle/>
           <a:p>
             <a:pPr algn="ctr"/>
             <a:r>
               <a:rPr lang="ru-RU" sz="4000" dirty="0">
-                <a:latin typeface="Times New Roman" panose="02020603050405020304" pitchFamily="18" charset="0"/>
-                <a:cs typeface="Times New Roman" panose="02020603050405020304" pitchFamily="18" charset="0"/>
-              </a:rPr>
-              <a:t>ИНСТРУМЕНТЫ РАЗРАБОТКИ</a:t>
-            </a:r>
-          </a:p>
-        </p:txBody>
-      </p:sp>
-      <p:sp>
-        <p:nvSpPr>
-          <p:cNvPr id="3" name="Объект 2">
+                <a:latin typeface="Sans Serif Collection" panose="020B0502040504020204" pitchFamily="34" charset="0"/>
+                <a:ea typeface="Sans Serif Collection" panose="020B0502040504020204" pitchFamily="34" charset="0"/>
+                <a:cs typeface="Sans Serif Collection" panose="020B0502040504020204" pitchFamily="34" charset="0"/>
+              </a:rPr>
+              <a:t>Диаграмма классов</a:t>
+            </a:r>
+          </a:p>
+        </p:txBody>
+      </p:sp>
+      <p:pic>
+        <p:nvPicPr>
+          <p:cNvPr id="5" name="Рисунок 4">
             <a:extLst>
               <a:ext uri="{FF2B5EF4-FFF2-40B4-BE49-F238E27FC236}">
-                <a16:creationId xmlns:a16="http://schemas.microsoft.com/office/drawing/2014/main" id="{E24BCD9D-0A3C-4C64-905B-CC566CAE4F65}"/>
+                <a16:creationId xmlns:a16="http://schemas.microsoft.com/office/drawing/2014/main" id="{38C37589-E238-4FCC-AC71-9D38CDC8ED9C}"/>
               </a:ext>
             </a:extLst>
           </p:cNvPr>
-          <p:cNvSpPr>
-            <a:spLocks noGrp="1"/>
-          </p:cNvSpPr>
-          <p:nvPr>
-            <p:ph idx="1"/>
-          </p:nvPr>
-        </p:nvSpPr>
+          <p:cNvPicPr>
+            <a:picLocks noChangeAspect="1"/>
+          </p:cNvPicPr>
+          <p:nvPr/>
+        </p:nvPicPr>
+        <p:blipFill>
+          <a:blip r:embed="rId3">
+            <a:extLst>
+              <a:ext uri="{28A0092B-C50C-407E-A947-70E740481C1C}">
+                <a14:useLocalDpi xmlns:a14="http://schemas.microsoft.com/office/drawing/2010/main" val="0"/>
+              </a:ext>
+            </a:extLst>
+          </a:blip>
+          <a:stretch>
+            <a:fillRect/>
+          </a:stretch>
+        </p:blipFill>
         <p:spPr>
           <a:xfrm>
-            <a:off x="838200" y="1077131"/>
-            <a:ext cx="10515600" cy="5587140"/>
+            <a:off x="3261641" y="782664"/>
+            <a:ext cx="5668718" cy="6075336"/>
           </a:xfrm>
+          <a:prstGeom prst="rect">
+            <a:avLst/>
+          </a:prstGeom>
         </p:spPr>
-        <p:txBody>
-          <a:bodyPr>
-            <a:normAutofit/>
-          </a:bodyPr>
+      </p:pic>
+      <p:sp>
+        <p:nvSpPr>
+          <p:cNvPr id="3" name="Номер слайда 2">
+            <a:extLst>
+              <a:ext uri="{FF2B5EF4-FFF2-40B4-BE49-F238E27FC236}">
+                <a16:creationId xmlns:a16="http://schemas.microsoft.com/office/drawing/2014/main" id="{51E38FA0-7D1D-4CB7-AB63-EB7E6930459C}"/>
+              </a:ext>
+            </a:extLst>
+          </p:cNvPr>
+          <p:cNvSpPr>
+            <a:spLocks noGrp="1"/>
+          </p:cNvSpPr>
+          <p:nvPr>
+            <p:ph type="sldNum" sz="quarter" idx="12"/>
+          </p:nvPr>
+        </p:nvSpPr>
+        <p:spPr/>
+        <p:txBody>
+          <a:bodyPr/>
           <a:lstStyle/>
           <a:p>
-            <a:pPr marL="0" indent="0">
-              <a:lnSpc>
-                <a:spcPct val="100000"/>
-              </a:lnSpc>
-              <a:buNone/>
-            </a:pPr>
-            <a:r>
-              <a:rPr lang="ru-RU" b="1" dirty="0">
-                <a:latin typeface="Times New Roman" panose="02020603050405020304" pitchFamily="18" charset="0"/>
-                <a:cs typeface="Times New Roman" panose="02020603050405020304" pitchFamily="18" charset="0"/>
-              </a:rPr>
-              <a:t>Язык программирования</a:t>
-            </a:r>
-            <a:r>
-              <a:rPr lang="en-US" b="1" dirty="0">
-                <a:latin typeface="Times New Roman" panose="02020603050405020304" pitchFamily="18" charset="0"/>
-                <a:cs typeface="Times New Roman" panose="02020603050405020304" pitchFamily="18" charset="0"/>
-              </a:rPr>
-              <a:t>:</a:t>
-            </a:r>
-            <a:r>
-              <a:rPr lang="en-US" dirty="0">
-                <a:latin typeface="Times New Roman" panose="02020603050405020304" pitchFamily="18" charset="0"/>
-                <a:cs typeface="Times New Roman" panose="02020603050405020304" pitchFamily="18" charset="0"/>
-              </a:rPr>
-              <a:t> C++ </a:t>
-            </a:r>
-            <a:r>
-              <a:rPr lang="ru-RU" dirty="0">
-                <a:latin typeface="Times New Roman" panose="02020603050405020304" pitchFamily="18" charset="0"/>
-                <a:cs typeface="Times New Roman" panose="02020603050405020304" pitchFamily="18" charset="0"/>
-              </a:rPr>
-              <a:t>(стандарт «</a:t>
-            </a:r>
-            <a:r>
-              <a:rPr lang="en-US" dirty="0">
-                <a:latin typeface="Times New Roman" panose="02020603050405020304" pitchFamily="18" charset="0"/>
-                <a:cs typeface="Times New Roman" panose="02020603050405020304" pitchFamily="18" charset="0"/>
-              </a:rPr>
-              <a:t>CXX STANDART 20</a:t>
-            </a:r>
-            <a:r>
-              <a:rPr lang="ru-RU" dirty="0">
-                <a:latin typeface="Times New Roman" panose="02020603050405020304" pitchFamily="18" charset="0"/>
-                <a:cs typeface="Times New Roman" panose="02020603050405020304" pitchFamily="18" charset="0"/>
-              </a:rPr>
-              <a:t>»)</a:t>
-            </a:r>
-            <a:endParaRPr lang="en-US" dirty="0">
-              <a:latin typeface="Times New Roman" panose="02020603050405020304" pitchFamily="18" charset="0"/>
-              <a:cs typeface="Times New Roman" panose="02020603050405020304" pitchFamily="18" charset="0"/>
-            </a:endParaRPr>
-          </a:p>
-          <a:p>
-            <a:pPr marL="0" indent="0">
-              <a:lnSpc>
-                <a:spcPct val="100000"/>
-              </a:lnSpc>
-              <a:buNone/>
-            </a:pPr>
-            <a:r>
-              <a:rPr lang="ru-RU" b="1" dirty="0">
-                <a:latin typeface="Times New Roman" panose="02020603050405020304" pitchFamily="18" charset="0"/>
-                <a:cs typeface="Times New Roman" panose="02020603050405020304" pitchFamily="18" charset="0"/>
-              </a:rPr>
-              <a:t>Система сборки</a:t>
-            </a:r>
-            <a:r>
-              <a:rPr lang="en-US" b="1" dirty="0">
-                <a:latin typeface="Times New Roman" panose="02020603050405020304" pitchFamily="18" charset="0"/>
-                <a:cs typeface="Times New Roman" panose="02020603050405020304" pitchFamily="18" charset="0"/>
-              </a:rPr>
-              <a:t>: </a:t>
-            </a:r>
-            <a:r>
-              <a:rPr lang="en-US" dirty="0" err="1">
-                <a:latin typeface="Times New Roman" panose="02020603050405020304" pitchFamily="18" charset="0"/>
-                <a:cs typeface="Times New Roman" panose="02020603050405020304" pitchFamily="18" charset="0"/>
-              </a:rPr>
-              <a:t>Cmake</a:t>
-            </a:r>
-            <a:r>
-              <a:rPr lang="ru-RU" dirty="0">
-                <a:latin typeface="Times New Roman" panose="02020603050405020304" pitchFamily="18" charset="0"/>
-                <a:cs typeface="Times New Roman" panose="02020603050405020304" pitchFamily="18" charset="0"/>
-              </a:rPr>
-              <a:t> </a:t>
-            </a:r>
-          </a:p>
-          <a:p>
-            <a:pPr marL="0" indent="0">
-              <a:lnSpc>
-                <a:spcPct val="100000"/>
-              </a:lnSpc>
-              <a:buNone/>
-            </a:pPr>
-            <a:r>
-              <a:rPr lang="ru-RU" b="1" dirty="0">
-                <a:latin typeface="Times New Roman" panose="02020603050405020304" pitchFamily="18" charset="0"/>
-                <a:cs typeface="Times New Roman" panose="02020603050405020304" pitchFamily="18" charset="0"/>
-              </a:rPr>
-              <a:t>Компилятор</a:t>
-            </a:r>
-            <a:r>
-              <a:rPr lang="en-US" b="1" dirty="0">
-                <a:latin typeface="Times New Roman" panose="02020603050405020304" pitchFamily="18" charset="0"/>
-                <a:cs typeface="Times New Roman" panose="02020603050405020304" pitchFamily="18" charset="0"/>
-              </a:rPr>
-              <a:t>: </a:t>
-            </a:r>
-            <a:r>
-              <a:rPr lang="en-US" dirty="0">
-                <a:latin typeface="Times New Roman" panose="02020603050405020304" pitchFamily="18" charset="0"/>
-                <a:cs typeface="Times New Roman" panose="02020603050405020304" pitchFamily="18" charset="0"/>
-              </a:rPr>
-              <a:t>GCC</a:t>
-            </a:r>
-            <a:endParaRPr lang="ru-RU" dirty="0">
-              <a:latin typeface="Times New Roman" panose="02020603050405020304" pitchFamily="18" charset="0"/>
-              <a:cs typeface="Times New Roman" panose="02020603050405020304" pitchFamily="18" charset="0"/>
-            </a:endParaRPr>
-          </a:p>
-          <a:p>
-            <a:pPr marL="0" indent="0">
-              <a:lnSpc>
-                <a:spcPct val="100000"/>
-              </a:lnSpc>
-              <a:buNone/>
-            </a:pPr>
-            <a:r>
-              <a:rPr lang="ru-RU" b="1" dirty="0">
-                <a:latin typeface="Times New Roman" panose="02020603050405020304" pitchFamily="18" charset="0"/>
-                <a:cs typeface="Times New Roman" panose="02020603050405020304" pitchFamily="18" charset="0"/>
-              </a:rPr>
-              <a:t>Среда разработки</a:t>
-            </a:r>
-            <a:r>
-              <a:rPr lang="en-US" b="1" dirty="0">
-                <a:latin typeface="Times New Roman" panose="02020603050405020304" pitchFamily="18" charset="0"/>
-                <a:cs typeface="Times New Roman" panose="02020603050405020304" pitchFamily="18" charset="0"/>
-              </a:rPr>
-              <a:t>: </a:t>
-            </a:r>
-            <a:r>
-              <a:rPr lang="ru-RU" dirty="0">
-                <a:latin typeface="Times New Roman" panose="02020603050405020304" pitchFamily="18" charset="0"/>
-                <a:cs typeface="Times New Roman" panose="02020603050405020304" pitchFamily="18" charset="0"/>
-              </a:rPr>
-              <a:t>графический редактор «</a:t>
-            </a:r>
-            <a:r>
-              <a:rPr lang="en-US" dirty="0">
-                <a:latin typeface="Times New Roman" panose="02020603050405020304" pitchFamily="18" charset="0"/>
-                <a:cs typeface="Times New Roman" panose="02020603050405020304" pitchFamily="18" charset="0"/>
-              </a:rPr>
-              <a:t>Visual studio code</a:t>
-            </a:r>
-            <a:r>
-              <a:rPr lang="ru-RU" dirty="0">
-                <a:latin typeface="Times New Roman" panose="02020603050405020304" pitchFamily="18" charset="0"/>
-                <a:cs typeface="Times New Roman" panose="02020603050405020304" pitchFamily="18" charset="0"/>
-              </a:rPr>
-              <a:t>»</a:t>
-            </a:r>
-            <a:endParaRPr lang="en-US" b="1" dirty="0">
-              <a:latin typeface="Times New Roman" panose="02020603050405020304" pitchFamily="18" charset="0"/>
-              <a:cs typeface="Times New Roman" panose="02020603050405020304" pitchFamily="18" charset="0"/>
-            </a:endParaRPr>
-          </a:p>
-          <a:p>
-            <a:pPr marL="0" indent="0">
-              <a:lnSpc>
-                <a:spcPct val="100000"/>
-              </a:lnSpc>
-              <a:buNone/>
-            </a:pPr>
-            <a:r>
-              <a:rPr lang="ru-RU" b="1" dirty="0">
-                <a:latin typeface="Times New Roman" panose="02020603050405020304" pitchFamily="18" charset="0"/>
-                <a:cs typeface="Times New Roman" panose="02020603050405020304" pitchFamily="18" charset="0"/>
-              </a:rPr>
-              <a:t>Библиотеки</a:t>
-            </a:r>
-            <a:r>
-              <a:rPr lang="en-US" b="1" dirty="0">
-                <a:latin typeface="Times New Roman" panose="02020603050405020304" pitchFamily="18" charset="0"/>
-                <a:cs typeface="Times New Roman" panose="02020603050405020304" pitchFamily="18" charset="0"/>
-              </a:rPr>
-              <a:t>:</a:t>
-            </a:r>
-            <a:r>
-              <a:rPr lang="ru-RU" b="1" dirty="0">
-                <a:latin typeface="Times New Roman" panose="02020603050405020304" pitchFamily="18" charset="0"/>
-                <a:cs typeface="Times New Roman" panose="02020603050405020304" pitchFamily="18" charset="0"/>
-              </a:rPr>
-              <a:t> </a:t>
-            </a:r>
-            <a:r>
-              <a:rPr lang="en-US" dirty="0">
-                <a:latin typeface="Times New Roman" panose="02020603050405020304" pitchFamily="18" charset="0"/>
-                <a:cs typeface="Times New Roman" panose="02020603050405020304" pitchFamily="18" charset="0"/>
-              </a:rPr>
-              <a:t>SFML (</a:t>
-            </a:r>
-            <a:r>
-              <a:rPr lang="ru-RU" dirty="0">
-                <a:latin typeface="Times New Roman" panose="02020603050405020304" pitchFamily="18" charset="0"/>
-                <a:cs typeface="Times New Roman" panose="02020603050405020304" pitchFamily="18" charset="0"/>
-              </a:rPr>
-              <a:t>создание окна, отрисовка объектов</a:t>
-            </a:r>
-            <a:r>
-              <a:rPr lang="en-US" dirty="0">
-                <a:latin typeface="Times New Roman" panose="02020603050405020304" pitchFamily="18" charset="0"/>
-                <a:cs typeface="Times New Roman" panose="02020603050405020304" pitchFamily="18" charset="0"/>
-              </a:rPr>
-              <a:t>)</a:t>
-            </a:r>
-            <a:r>
-              <a:rPr lang="ru-RU" dirty="0">
-                <a:latin typeface="Times New Roman" panose="02020603050405020304" pitchFamily="18" charset="0"/>
-                <a:cs typeface="Times New Roman" panose="02020603050405020304" pitchFamily="18" charset="0"/>
-              </a:rPr>
-              <a:t>, </a:t>
-            </a:r>
-            <a:r>
-              <a:rPr lang="en-US" dirty="0">
-                <a:latin typeface="Times New Roman" panose="02020603050405020304" pitchFamily="18" charset="0"/>
-                <a:cs typeface="Times New Roman" panose="02020603050405020304" pitchFamily="18" charset="0"/>
-              </a:rPr>
-              <a:t>	OpenMP(</a:t>
-            </a:r>
-            <a:r>
-              <a:rPr lang="ru-RU" dirty="0">
-                <a:latin typeface="Times New Roman" panose="02020603050405020304" pitchFamily="18" charset="0"/>
-                <a:cs typeface="Times New Roman" panose="02020603050405020304" pitchFamily="18" charset="0"/>
-              </a:rPr>
-              <a:t>распараллеливание вычислений</a:t>
-            </a:r>
-            <a:r>
-              <a:rPr lang="en-US" dirty="0">
-                <a:latin typeface="Times New Roman" panose="02020603050405020304" pitchFamily="18" charset="0"/>
-                <a:cs typeface="Times New Roman" panose="02020603050405020304" pitchFamily="18" charset="0"/>
-              </a:rPr>
-              <a:t>)</a:t>
-            </a:r>
-            <a:r>
-              <a:rPr lang="en-US" b="1" dirty="0">
-                <a:latin typeface="Times New Roman" panose="02020603050405020304" pitchFamily="18" charset="0"/>
-                <a:cs typeface="Times New Roman" panose="02020603050405020304" pitchFamily="18" charset="0"/>
-              </a:rPr>
-              <a:t> </a:t>
-            </a:r>
-            <a:endParaRPr lang="ru-RU" b="1" dirty="0">
-              <a:latin typeface="Times New Roman" panose="02020603050405020304" pitchFamily="18" charset="0"/>
-              <a:cs typeface="Times New Roman" panose="02020603050405020304" pitchFamily="18" charset="0"/>
-            </a:endParaRPr>
+            <a:fld id="{6AB11809-A137-4636-8E11-D480BDA4566E}" type="slidenum">
+              <a:rPr lang="ru-RU" smtClean="0"/>
+              <a:t>6</a:t>
+            </a:fld>
+            <a:r>
+              <a:rPr lang="en-US" dirty="0"/>
+              <a:t>/1</a:t>
+            </a:r>
+            <a:r>
+              <a:rPr lang="ru-RU" dirty="0"/>
+              <a:t>2</a:t>
+            </a:r>
           </a:p>
         </p:txBody>
       </p:sp>
     </p:spTree>
     <p:extLst>
       <p:ext uri="{BB962C8B-B14F-4D97-AF65-F5344CB8AC3E}">
-        <p14:creationId xmlns:p14="http://schemas.microsoft.com/office/powerpoint/2010/main" val="3226574027"/>
+        <p14:creationId xmlns:p14="http://schemas.microsoft.com/office/powerpoint/2010/main" val="3688829239"/>
       </p:ext>
     </p:extLst>
   </p:cSld>
@@ -6578,7 +9878,7 @@
           <p:cNvPr id="2" name="Заголовок 1">
             <a:extLst>
               <a:ext uri="{FF2B5EF4-FFF2-40B4-BE49-F238E27FC236}">
-                <a16:creationId xmlns:a16="http://schemas.microsoft.com/office/drawing/2014/main" id="{DEF917E9-5C90-4F70-83BB-8CA64D4472D3}"/>
+                <a16:creationId xmlns:a16="http://schemas.microsoft.com/office/drawing/2014/main" id="{FE305D29-52BD-4520-A556-C6BBCF93639E}"/>
               </a:ext>
             </a:extLst>
           </p:cNvPr>
@@ -6591,45 +9891,44 @@
         </p:nvSpPr>
         <p:spPr>
           <a:xfrm>
-            <a:off x="838200" y="365125"/>
-            <a:ext cx="10515600" cy="712007"/>
+            <a:off x="838200" y="147234"/>
+            <a:ext cx="10515600" cy="635430"/>
           </a:xfrm>
         </p:spPr>
         <p:txBody>
           <a:bodyPr>
-            <a:normAutofit/>
+            <a:normAutofit fontScale="90000"/>
           </a:bodyPr>
           <a:lstStyle/>
           <a:p>
             <a:pPr algn="ctr"/>
             <a:r>
               <a:rPr lang="ru-RU" sz="4000" dirty="0">
-                <a:latin typeface="Times New Roman" panose="02020603050405020304" pitchFamily="18" charset="0"/>
-                <a:cs typeface="Times New Roman" panose="02020603050405020304" pitchFamily="18" charset="0"/>
-              </a:rPr>
-              <a:t>РЕАЛИЗАЦИЯ</a:t>
+                <a:latin typeface="Sans Serif Collection" panose="020B0502040504020204" pitchFamily="34" charset="0"/>
+                <a:ea typeface="Sans Serif Collection" panose="020B0502040504020204" pitchFamily="34" charset="0"/>
+                <a:cs typeface="Sans Serif Collection" panose="020B0502040504020204" pitchFamily="34" charset="0"/>
+              </a:rPr>
+              <a:t>Диаграмма «сущность-связь»</a:t>
             </a:r>
           </a:p>
         </p:txBody>
       </p:sp>
       <p:pic>
         <p:nvPicPr>
-          <p:cNvPr id="5" name="Объект 4">
+          <p:cNvPr id="4" name="Рисунок 3">
             <a:extLst>
               <a:ext uri="{FF2B5EF4-FFF2-40B4-BE49-F238E27FC236}">
-                <a16:creationId xmlns:a16="http://schemas.microsoft.com/office/drawing/2014/main" id="{0A4DBEE2-E953-4F53-90FE-04A2925A3646}"/>
+                <a16:creationId xmlns:a16="http://schemas.microsoft.com/office/drawing/2014/main" id="{7CBC4FC8-EE48-4C0A-A747-FF9C8A4EF9C7}"/>
               </a:ext>
             </a:extLst>
           </p:cNvPr>
           <p:cNvPicPr>
-            <a:picLocks noGrp="1" noChangeAspect="1"/>
+            <a:picLocks noChangeAspect="1"/>
           </p:cNvPicPr>
-          <p:nvPr>
-            <p:ph idx="1"/>
-          </p:nvPr>
+          <p:nvPr/>
         </p:nvPicPr>
         <p:blipFill>
-          <a:blip r:embed="rId2">
+          <a:blip r:embed="rId3">
             <a:extLst>
               <a:ext uri="{28A0092B-C50C-407E-A947-70E740481C1C}">
                 <a14:useLocalDpi xmlns:a14="http://schemas.microsoft.com/office/drawing/2010/main" val="0"/>
@@ -6642,15 +9941,54 @@
         </p:blipFill>
         <p:spPr>
           <a:xfrm>
-            <a:off x="2373282" y="1077913"/>
-            <a:ext cx="7445435" cy="5586412"/>
+            <a:off x="1974548" y="1561252"/>
+            <a:ext cx="8242903" cy="3735496"/>
           </a:xfrm>
+          <a:prstGeom prst="rect">
+            <a:avLst/>
+          </a:prstGeom>
         </p:spPr>
       </p:pic>
+      <p:sp>
+        <p:nvSpPr>
+          <p:cNvPr id="3" name="Номер слайда 2">
+            <a:extLst>
+              <a:ext uri="{FF2B5EF4-FFF2-40B4-BE49-F238E27FC236}">
+                <a16:creationId xmlns:a16="http://schemas.microsoft.com/office/drawing/2014/main" id="{5258B083-10E7-42BD-B008-698C724D8F46}"/>
+              </a:ext>
+            </a:extLst>
+          </p:cNvPr>
+          <p:cNvSpPr>
+            <a:spLocks noGrp="1"/>
+          </p:cNvSpPr>
+          <p:nvPr>
+            <p:ph type="sldNum" sz="quarter" idx="12"/>
+          </p:nvPr>
+        </p:nvSpPr>
+        <p:spPr/>
+        <p:txBody>
+          <a:bodyPr/>
+          <a:lstStyle/>
+          <a:p>
+            <a:fld id="{6AB11809-A137-4636-8E11-D480BDA4566E}" type="slidenum">
+              <a:rPr lang="ru-RU" smtClean="0"/>
+              <a:t>7</a:t>
+            </a:fld>
+            <a:r>
+              <a:rPr lang="en-US" dirty="0"/>
+              <a:t>/1</a:t>
+            </a:r>
+            <a:r>
+              <a:rPr lang="ru-RU" dirty="0"/>
+              <a:t>2</a:t>
+            </a:r>
+          </a:p>
+        </p:txBody>
+      </p:sp>
     </p:spTree>
     <p:extLst>
       <p:ext uri="{BB962C8B-B14F-4D97-AF65-F5344CB8AC3E}">
-        <p14:creationId xmlns:p14="http://schemas.microsoft.com/office/powerpoint/2010/main" val="4024543043"/>
+        <p14:creationId xmlns:p14="http://schemas.microsoft.com/office/powerpoint/2010/main" val="2207210610"/>
       </p:ext>
     </p:extLst>
   </p:cSld>
@@ -6708,49 +10046,413 @@
             <a:pPr algn="ctr"/>
             <a:r>
               <a:rPr lang="ru-RU" sz="4000" dirty="0">
-                <a:latin typeface="Times New Roman" panose="02020603050405020304" pitchFamily="18" charset="0"/>
-                <a:cs typeface="Times New Roman" panose="02020603050405020304" pitchFamily="18" charset="0"/>
-              </a:rPr>
-              <a:t>ОПТИМИЗАЦИЯ</a:t>
-            </a:r>
-          </a:p>
-        </p:txBody>
-      </p:sp>
-      <p:graphicFrame>
-        <p:nvGraphicFramePr>
-          <p:cNvPr id="6" name="Объект 5">
+                <a:latin typeface="Sans Serif Collection" panose="020B0502040504020204" pitchFamily="34" charset="0"/>
+                <a:ea typeface="Sans Serif Collection" panose="020B0502040504020204" pitchFamily="34" charset="0"/>
+                <a:cs typeface="Sans Serif Collection" panose="020B0502040504020204" pitchFamily="34" charset="0"/>
+              </a:rPr>
+              <a:t>ИНСТРУМЕНТЫ РАЗРАБОТКИ</a:t>
+            </a:r>
+          </a:p>
+        </p:txBody>
+      </p:sp>
+      <p:sp>
+        <p:nvSpPr>
+          <p:cNvPr id="3" name="Объект 2">
             <a:extLst>
               <a:ext uri="{FF2B5EF4-FFF2-40B4-BE49-F238E27FC236}">
-                <a16:creationId xmlns:a16="http://schemas.microsoft.com/office/drawing/2014/main" id="{C2F47AA5-AE64-4964-B5DE-715C721831C2}"/>
+                <a16:creationId xmlns:a16="http://schemas.microsoft.com/office/drawing/2014/main" id="{E24BCD9D-0A3C-4C64-905B-CC566CAE4F65}"/>
               </a:ext>
             </a:extLst>
           </p:cNvPr>
-          <p:cNvGraphicFramePr>
-            <a:graphicFrameLocks noGrp="1"/>
-          </p:cNvGraphicFramePr>
+          <p:cNvSpPr>
+            <a:spLocks noGrp="1"/>
+          </p:cNvSpPr>
           <p:nvPr>
             <p:ph idx="1"/>
-            <p:extLst>
-              <p:ext uri="{D42A27DB-BD31-4B8C-83A1-F6EECF244321}">
-                <p14:modId xmlns:p14="http://schemas.microsoft.com/office/powerpoint/2010/main" val="3731676602"/>
-              </p:ext>
-            </p:extLst>
-          </p:nvPr>
-        </p:nvGraphicFramePr>
-        <p:xfrm>
-          <a:off x="838200" y="1325880"/>
-          <a:ext cx="10515600" cy="4851083"/>
-        </p:xfrm>
-        <a:graphic>
-          <a:graphicData uri="http://schemas.openxmlformats.org/drawingml/2006/chart">
-            <c:chart xmlns:c="http://schemas.openxmlformats.org/drawingml/2006/chart" xmlns:r="http://schemas.openxmlformats.org/officeDocument/2006/relationships" r:id="rId2"/>
-          </a:graphicData>
-        </a:graphic>
-      </p:graphicFrame>
+          </p:nvPr>
+        </p:nvSpPr>
+        <p:spPr>
+          <a:xfrm>
+            <a:off x="838200" y="1077131"/>
+            <a:ext cx="10515600" cy="5587140"/>
+          </a:xfrm>
+        </p:spPr>
+        <p:txBody>
+          <a:bodyPr>
+            <a:normAutofit/>
+          </a:bodyPr>
+          <a:lstStyle/>
+          <a:p>
+            <a:pPr marL="0" indent="0">
+              <a:lnSpc>
+                <a:spcPct val="150000"/>
+              </a:lnSpc>
+              <a:buNone/>
+            </a:pPr>
+            <a:r>
+              <a:rPr lang="ru-RU" b="1" dirty="0">
+                <a:latin typeface="Sans Serif Collection" panose="020B0502040504020204" pitchFamily="34" charset="0"/>
+                <a:ea typeface="Sans Serif Collection" panose="020B0502040504020204" pitchFamily="34" charset="0"/>
+                <a:cs typeface="Sans Serif Collection" panose="020B0502040504020204" pitchFamily="34" charset="0"/>
+              </a:rPr>
+              <a:t>Язык программирования</a:t>
+            </a:r>
+            <a:r>
+              <a:rPr lang="en-US" b="1" dirty="0">
+                <a:latin typeface="Sans Serif Collection" panose="020B0502040504020204" pitchFamily="34" charset="0"/>
+                <a:ea typeface="Sans Serif Collection" panose="020B0502040504020204" pitchFamily="34" charset="0"/>
+                <a:cs typeface="Sans Serif Collection" panose="020B0502040504020204" pitchFamily="34" charset="0"/>
+              </a:rPr>
+              <a:t>:</a:t>
+            </a:r>
+            <a:r>
+              <a:rPr lang="en-US" dirty="0">
+                <a:latin typeface="Sans Serif Collection" panose="020B0502040504020204" pitchFamily="34" charset="0"/>
+                <a:ea typeface="Sans Serif Collection" panose="020B0502040504020204" pitchFamily="34" charset="0"/>
+                <a:cs typeface="Sans Serif Collection" panose="020B0502040504020204" pitchFamily="34" charset="0"/>
+              </a:rPr>
+              <a:t> C++ </a:t>
+            </a:r>
+            <a:r>
+              <a:rPr lang="ru-RU" dirty="0">
+                <a:latin typeface="Sans Serif Collection" panose="020B0502040504020204" pitchFamily="34" charset="0"/>
+                <a:ea typeface="Sans Serif Collection" panose="020B0502040504020204" pitchFamily="34" charset="0"/>
+                <a:cs typeface="Sans Serif Collection" panose="020B0502040504020204" pitchFamily="34" charset="0"/>
+              </a:rPr>
+              <a:t>(</a:t>
+            </a:r>
+            <a:r>
+              <a:rPr lang="en-US" dirty="0">
+                <a:latin typeface="Sans Serif Collection" panose="020B0502040504020204" pitchFamily="34" charset="0"/>
+                <a:ea typeface="Sans Serif Collection" panose="020B0502040504020204" pitchFamily="34" charset="0"/>
+                <a:cs typeface="Sans Serif Collection" panose="020B0502040504020204" pitchFamily="34" charset="0"/>
+              </a:rPr>
+              <a:t>CXX STANDART 20</a:t>
+            </a:r>
+            <a:r>
+              <a:rPr lang="ru-RU" dirty="0">
+                <a:latin typeface="Sans Serif Collection" panose="020B0502040504020204" pitchFamily="34" charset="0"/>
+                <a:ea typeface="Sans Serif Collection" panose="020B0502040504020204" pitchFamily="34" charset="0"/>
+                <a:cs typeface="Sans Serif Collection" panose="020B0502040504020204" pitchFamily="34" charset="0"/>
+              </a:rPr>
+              <a:t>)</a:t>
+            </a:r>
+            <a:endParaRPr lang="en-US" dirty="0">
+              <a:latin typeface="Sans Serif Collection" panose="020B0502040504020204" pitchFamily="34" charset="0"/>
+              <a:ea typeface="Sans Serif Collection" panose="020B0502040504020204" pitchFamily="34" charset="0"/>
+              <a:cs typeface="Sans Serif Collection" panose="020B0502040504020204" pitchFamily="34" charset="0"/>
+            </a:endParaRPr>
+          </a:p>
+          <a:p>
+            <a:pPr marL="0" indent="0">
+              <a:lnSpc>
+                <a:spcPct val="100000"/>
+              </a:lnSpc>
+              <a:buNone/>
+            </a:pPr>
+            <a:r>
+              <a:rPr lang="ru-RU" b="1" dirty="0">
+                <a:latin typeface="Sans Serif Collection" panose="020B0502040504020204" pitchFamily="34" charset="0"/>
+                <a:ea typeface="Sans Serif Collection" panose="020B0502040504020204" pitchFamily="34" charset="0"/>
+                <a:cs typeface="Sans Serif Collection" panose="020B0502040504020204" pitchFamily="34" charset="0"/>
+              </a:rPr>
+              <a:t>Система сборки</a:t>
+            </a:r>
+            <a:r>
+              <a:rPr lang="en-US" b="1" dirty="0">
+                <a:latin typeface="Sans Serif Collection" panose="020B0502040504020204" pitchFamily="34" charset="0"/>
+                <a:ea typeface="Sans Serif Collection" panose="020B0502040504020204" pitchFamily="34" charset="0"/>
+                <a:cs typeface="Sans Serif Collection" panose="020B0502040504020204" pitchFamily="34" charset="0"/>
+              </a:rPr>
+              <a:t>: </a:t>
+            </a:r>
+            <a:r>
+              <a:rPr lang="en-US" dirty="0" err="1">
+                <a:latin typeface="Sans Serif Collection" panose="020B0502040504020204" pitchFamily="34" charset="0"/>
+                <a:ea typeface="Sans Serif Collection" panose="020B0502040504020204" pitchFamily="34" charset="0"/>
+                <a:cs typeface="Sans Serif Collection" panose="020B0502040504020204" pitchFamily="34" charset="0"/>
+              </a:rPr>
+              <a:t>Cmake</a:t>
+            </a:r>
+            <a:r>
+              <a:rPr lang="ru-RU" dirty="0">
+                <a:latin typeface="Sans Serif Collection" panose="020B0502040504020204" pitchFamily="34" charset="0"/>
+                <a:ea typeface="Sans Serif Collection" panose="020B0502040504020204" pitchFamily="34" charset="0"/>
+                <a:cs typeface="Sans Serif Collection" panose="020B0502040504020204" pitchFamily="34" charset="0"/>
+              </a:rPr>
+              <a:t> </a:t>
+            </a:r>
+          </a:p>
+          <a:p>
+            <a:pPr marL="0" indent="0">
+              <a:lnSpc>
+                <a:spcPct val="150000"/>
+              </a:lnSpc>
+              <a:buNone/>
+            </a:pPr>
+            <a:r>
+              <a:rPr lang="ru-RU" b="1" dirty="0">
+                <a:latin typeface="Sans Serif Collection" panose="020B0502040504020204" pitchFamily="34" charset="0"/>
+                <a:ea typeface="Sans Serif Collection" panose="020B0502040504020204" pitchFamily="34" charset="0"/>
+                <a:cs typeface="Sans Serif Collection" panose="020B0502040504020204" pitchFamily="34" charset="0"/>
+              </a:rPr>
+              <a:t>Система тестирования</a:t>
+            </a:r>
+            <a:r>
+              <a:rPr lang="en-US" b="1" dirty="0">
+                <a:latin typeface="Sans Serif Collection" panose="020B0502040504020204" pitchFamily="34" charset="0"/>
+                <a:ea typeface="Sans Serif Collection" panose="020B0502040504020204" pitchFamily="34" charset="0"/>
+                <a:cs typeface="Sans Serif Collection" panose="020B0502040504020204" pitchFamily="34" charset="0"/>
+              </a:rPr>
+              <a:t>: </a:t>
+            </a:r>
+            <a:r>
+              <a:rPr lang="en-US" dirty="0" err="1">
+                <a:latin typeface="Sans Serif Collection" panose="020B0502040504020204" pitchFamily="34" charset="0"/>
+                <a:ea typeface="Sans Serif Collection" panose="020B0502040504020204" pitchFamily="34" charset="0"/>
+                <a:cs typeface="Sans Serif Collection" panose="020B0502040504020204" pitchFamily="34" charset="0"/>
+              </a:rPr>
+              <a:t>Ctest</a:t>
+            </a:r>
+            <a:endParaRPr lang="ru-RU" b="1" dirty="0">
+              <a:latin typeface="Sans Serif Collection" panose="020B0502040504020204" pitchFamily="34" charset="0"/>
+              <a:ea typeface="Sans Serif Collection" panose="020B0502040504020204" pitchFamily="34" charset="0"/>
+              <a:cs typeface="Sans Serif Collection" panose="020B0502040504020204" pitchFamily="34" charset="0"/>
+            </a:endParaRPr>
+          </a:p>
+          <a:p>
+            <a:pPr marL="0" indent="0">
+              <a:lnSpc>
+                <a:spcPct val="150000"/>
+              </a:lnSpc>
+              <a:buNone/>
+            </a:pPr>
+            <a:r>
+              <a:rPr lang="ru-RU" b="1" dirty="0">
+                <a:latin typeface="Sans Serif Collection" panose="020B0502040504020204" pitchFamily="34" charset="0"/>
+                <a:ea typeface="Sans Serif Collection" panose="020B0502040504020204" pitchFamily="34" charset="0"/>
+                <a:cs typeface="Sans Serif Collection" panose="020B0502040504020204" pitchFamily="34" charset="0"/>
+              </a:rPr>
+              <a:t>Компилятор</a:t>
+            </a:r>
+            <a:r>
+              <a:rPr lang="en-US" b="1" dirty="0">
+                <a:latin typeface="Sans Serif Collection" panose="020B0502040504020204" pitchFamily="34" charset="0"/>
+                <a:ea typeface="Sans Serif Collection" panose="020B0502040504020204" pitchFamily="34" charset="0"/>
+                <a:cs typeface="Sans Serif Collection" panose="020B0502040504020204" pitchFamily="34" charset="0"/>
+              </a:rPr>
+              <a:t>: </a:t>
+            </a:r>
+            <a:r>
+              <a:rPr lang="en-US" dirty="0">
+                <a:latin typeface="Sans Serif Collection" panose="020B0502040504020204" pitchFamily="34" charset="0"/>
+                <a:ea typeface="Sans Serif Collection" panose="020B0502040504020204" pitchFamily="34" charset="0"/>
+                <a:cs typeface="Sans Serif Collection" panose="020B0502040504020204" pitchFamily="34" charset="0"/>
+              </a:rPr>
+              <a:t>GCC</a:t>
+            </a:r>
+            <a:endParaRPr lang="ru-RU" dirty="0">
+              <a:latin typeface="Sans Serif Collection" panose="020B0502040504020204" pitchFamily="34" charset="0"/>
+              <a:ea typeface="Sans Serif Collection" panose="020B0502040504020204" pitchFamily="34" charset="0"/>
+              <a:cs typeface="Sans Serif Collection" panose="020B0502040504020204" pitchFamily="34" charset="0"/>
+            </a:endParaRPr>
+          </a:p>
+          <a:p>
+            <a:pPr marL="0" indent="0">
+              <a:lnSpc>
+                <a:spcPct val="150000"/>
+              </a:lnSpc>
+              <a:buNone/>
+            </a:pPr>
+            <a:r>
+              <a:rPr lang="ru-RU" b="1" dirty="0">
+                <a:latin typeface="Sans Serif Collection" panose="020B0502040504020204" pitchFamily="34" charset="0"/>
+                <a:ea typeface="Sans Serif Collection" panose="020B0502040504020204" pitchFamily="34" charset="0"/>
+                <a:cs typeface="Sans Serif Collection" panose="020B0502040504020204" pitchFamily="34" charset="0"/>
+              </a:rPr>
+              <a:t>Среда разработки</a:t>
+            </a:r>
+            <a:r>
+              <a:rPr lang="en-US" b="1" dirty="0">
+                <a:latin typeface="Sans Serif Collection" panose="020B0502040504020204" pitchFamily="34" charset="0"/>
+                <a:ea typeface="Sans Serif Collection" panose="020B0502040504020204" pitchFamily="34" charset="0"/>
+                <a:cs typeface="Sans Serif Collection" panose="020B0502040504020204" pitchFamily="34" charset="0"/>
+              </a:rPr>
+              <a:t>: </a:t>
+            </a:r>
+            <a:r>
+              <a:rPr lang="ru-RU" dirty="0">
+                <a:latin typeface="Sans Serif Collection" panose="020B0502040504020204" pitchFamily="34" charset="0"/>
+                <a:ea typeface="Sans Serif Collection" panose="020B0502040504020204" pitchFamily="34" charset="0"/>
+                <a:cs typeface="Sans Serif Collection" panose="020B0502040504020204" pitchFamily="34" charset="0"/>
+              </a:rPr>
+              <a:t>редактор «</a:t>
+            </a:r>
+            <a:r>
+              <a:rPr lang="en-US" dirty="0">
+                <a:latin typeface="Sans Serif Collection" panose="020B0502040504020204" pitchFamily="34" charset="0"/>
+                <a:ea typeface="Sans Serif Collection" panose="020B0502040504020204" pitchFamily="34" charset="0"/>
+                <a:cs typeface="Sans Serif Collection" panose="020B0502040504020204" pitchFamily="34" charset="0"/>
+              </a:rPr>
+              <a:t>Visual studio code</a:t>
+            </a:r>
+            <a:r>
+              <a:rPr lang="ru-RU" dirty="0">
+                <a:latin typeface="Sans Serif Collection" panose="020B0502040504020204" pitchFamily="34" charset="0"/>
+                <a:ea typeface="Sans Serif Collection" panose="020B0502040504020204" pitchFamily="34" charset="0"/>
+                <a:cs typeface="Sans Serif Collection" panose="020B0502040504020204" pitchFamily="34" charset="0"/>
+              </a:rPr>
+              <a:t>»</a:t>
+            </a:r>
+            <a:endParaRPr lang="en-US" b="1" dirty="0">
+              <a:latin typeface="Sans Serif Collection" panose="020B0502040504020204" pitchFamily="34" charset="0"/>
+              <a:ea typeface="Sans Serif Collection" panose="020B0502040504020204" pitchFamily="34" charset="0"/>
+              <a:cs typeface="Sans Serif Collection" panose="020B0502040504020204" pitchFamily="34" charset="0"/>
+            </a:endParaRPr>
+          </a:p>
+          <a:p>
+            <a:pPr marL="0" indent="0">
+              <a:lnSpc>
+                <a:spcPct val="150000"/>
+              </a:lnSpc>
+              <a:buNone/>
+            </a:pPr>
+            <a:r>
+              <a:rPr lang="ru-RU" b="1" dirty="0">
+                <a:latin typeface="Sans Serif Collection" panose="020B0502040504020204" pitchFamily="34" charset="0"/>
+                <a:ea typeface="Sans Serif Collection" panose="020B0502040504020204" pitchFamily="34" charset="0"/>
+                <a:cs typeface="Sans Serif Collection" panose="020B0502040504020204" pitchFamily="34" charset="0"/>
+              </a:rPr>
+              <a:t>Библиотеки</a:t>
+            </a:r>
+            <a:r>
+              <a:rPr lang="en-US" b="1" dirty="0">
+                <a:latin typeface="Sans Serif Collection" panose="020B0502040504020204" pitchFamily="34" charset="0"/>
+                <a:ea typeface="Sans Serif Collection" panose="020B0502040504020204" pitchFamily="34" charset="0"/>
+                <a:cs typeface="Sans Serif Collection" panose="020B0502040504020204" pitchFamily="34" charset="0"/>
+              </a:rPr>
+              <a:t>:</a:t>
+            </a:r>
+            <a:r>
+              <a:rPr lang="ru-RU" b="1" dirty="0">
+                <a:latin typeface="Sans Serif Collection" panose="020B0502040504020204" pitchFamily="34" charset="0"/>
+                <a:ea typeface="Sans Serif Collection" panose="020B0502040504020204" pitchFamily="34" charset="0"/>
+                <a:cs typeface="Sans Serif Collection" panose="020B0502040504020204" pitchFamily="34" charset="0"/>
+              </a:rPr>
+              <a:t> </a:t>
+            </a:r>
+            <a:r>
+              <a:rPr lang="en-US" dirty="0">
+                <a:latin typeface="Sans Serif Collection" panose="020B0502040504020204" pitchFamily="34" charset="0"/>
+                <a:ea typeface="Sans Serif Collection" panose="020B0502040504020204" pitchFamily="34" charset="0"/>
+                <a:cs typeface="Sans Serif Collection" panose="020B0502040504020204" pitchFamily="34" charset="0"/>
+              </a:rPr>
+              <a:t>SFML (</a:t>
+            </a:r>
+            <a:r>
+              <a:rPr lang="ru-RU" dirty="0">
+                <a:latin typeface="Sans Serif Collection" panose="020B0502040504020204" pitchFamily="34" charset="0"/>
+                <a:ea typeface="Sans Serif Collection" panose="020B0502040504020204" pitchFamily="34" charset="0"/>
+                <a:cs typeface="Sans Serif Collection" panose="020B0502040504020204" pitchFamily="34" charset="0"/>
+              </a:rPr>
+              <a:t>создание окна, отрисовка объектов</a:t>
+            </a:r>
+            <a:r>
+              <a:rPr lang="en-US" dirty="0">
+                <a:latin typeface="Sans Serif Collection" panose="020B0502040504020204" pitchFamily="34" charset="0"/>
+                <a:ea typeface="Sans Serif Collection" panose="020B0502040504020204" pitchFamily="34" charset="0"/>
+                <a:cs typeface="Sans Serif Collection" panose="020B0502040504020204" pitchFamily="34" charset="0"/>
+              </a:rPr>
+              <a:t>)</a:t>
+            </a:r>
+            <a:r>
+              <a:rPr lang="ru-RU" dirty="0">
+                <a:latin typeface="Sans Serif Collection" panose="020B0502040504020204" pitchFamily="34" charset="0"/>
+                <a:ea typeface="Sans Serif Collection" panose="020B0502040504020204" pitchFamily="34" charset="0"/>
+                <a:cs typeface="Sans Serif Collection" panose="020B0502040504020204" pitchFamily="34" charset="0"/>
+              </a:rPr>
+              <a:t>, </a:t>
+            </a:r>
+            <a:r>
+              <a:rPr lang="en-US" dirty="0">
+                <a:latin typeface="Sans Serif Collection" panose="020B0502040504020204" pitchFamily="34" charset="0"/>
+                <a:ea typeface="Sans Serif Collection" panose="020B0502040504020204" pitchFamily="34" charset="0"/>
+                <a:cs typeface="Sans Serif Collection" panose="020B0502040504020204" pitchFamily="34" charset="0"/>
+              </a:rPr>
+              <a:t>	OpenMP(</a:t>
+            </a:r>
+            <a:r>
+              <a:rPr lang="ru-RU" dirty="0">
+                <a:latin typeface="Sans Serif Collection" panose="020B0502040504020204" pitchFamily="34" charset="0"/>
+                <a:ea typeface="Sans Serif Collection" panose="020B0502040504020204" pitchFamily="34" charset="0"/>
+                <a:cs typeface="Sans Serif Collection" panose="020B0502040504020204" pitchFamily="34" charset="0"/>
+              </a:rPr>
+              <a:t>распараллеливание вычислений</a:t>
+            </a:r>
+            <a:r>
+              <a:rPr lang="en-US" dirty="0">
+                <a:latin typeface="Sans Serif Collection" panose="020B0502040504020204" pitchFamily="34" charset="0"/>
+                <a:ea typeface="Sans Serif Collection" panose="020B0502040504020204" pitchFamily="34" charset="0"/>
+                <a:cs typeface="Sans Serif Collection" panose="020B0502040504020204" pitchFamily="34" charset="0"/>
+              </a:rPr>
+              <a:t>)</a:t>
+            </a:r>
+            <a:r>
+              <a:rPr lang="en-US" b="1" dirty="0">
+                <a:latin typeface="Sans Serif Collection" panose="020B0502040504020204" pitchFamily="34" charset="0"/>
+                <a:ea typeface="Sans Serif Collection" panose="020B0502040504020204" pitchFamily="34" charset="0"/>
+                <a:cs typeface="Sans Serif Collection" panose="020B0502040504020204" pitchFamily="34" charset="0"/>
+              </a:rPr>
+              <a:t> </a:t>
+            </a:r>
+            <a:endParaRPr lang="ru-RU" b="1" dirty="0">
+              <a:latin typeface="Sans Serif Collection" panose="020B0502040504020204" pitchFamily="34" charset="0"/>
+              <a:ea typeface="Sans Serif Collection" panose="020B0502040504020204" pitchFamily="34" charset="0"/>
+              <a:cs typeface="Sans Serif Collection" panose="020B0502040504020204" pitchFamily="34" charset="0"/>
+            </a:endParaRPr>
+          </a:p>
+        </p:txBody>
+      </p:sp>
+      <p:sp>
+        <p:nvSpPr>
+          <p:cNvPr id="4" name="Номер слайда 3">
+            <a:extLst>
+              <a:ext uri="{FF2B5EF4-FFF2-40B4-BE49-F238E27FC236}">
+                <a16:creationId xmlns:a16="http://schemas.microsoft.com/office/drawing/2014/main" id="{903C39B7-0C91-4102-AFDB-471258109FCC}"/>
+              </a:ext>
+            </a:extLst>
+          </p:cNvPr>
+          <p:cNvSpPr>
+            <a:spLocks noGrp="1"/>
+          </p:cNvSpPr>
+          <p:nvPr>
+            <p:ph type="sldNum" sz="quarter" idx="12"/>
+          </p:nvPr>
+        </p:nvSpPr>
+        <p:spPr/>
+        <p:txBody>
+          <a:bodyPr/>
+          <a:lstStyle/>
+          <a:p>
+            <a:fld id="{6AB11809-A137-4636-8E11-D480BDA4566E}" type="slidenum">
+              <a:rPr lang="ru-RU" smtClean="0"/>
+              <a:t>8</a:t>
+            </a:fld>
+            <a:r>
+              <a:rPr lang="en-US" dirty="0"/>
+              <a:t>/1</a:t>
+            </a:r>
+            <a:r>
+              <a:rPr lang="ru-RU" dirty="0"/>
+              <a:t>2</a:t>
+            </a:r>
+          </a:p>
+        </p:txBody>
+      </p:sp>
     </p:spTree>
     <p:extLst>
       <p:ext uri="{BB962C8B-B14F-4D97-AF65-F5344CB8AC3E}">
-        <p14:creationId xmlns:p14="http://schemas.microsoft.com/office/powerpoint/2010/main" val="632479920"/>
+        <p14:creationId xmlns:p14="http://schemas.microsoft.com/office/powerpoint/2010/main" val="3226574027"/>
       </p:ext>
     </p:extLst>
   </p:cSld>
@@ -6808,756 +10510,85 @@
             <a:pPr algn="ctr"/>
             <a:r>
               <a:rPr lang="ru-RU" sz="4000" dirty="0">
-                <a:latin typeface="Times New Roman" panose="02020603050405020304" pitchFamily="18" charset="0"/>
-                <a:cs typeface="Times New Roman" panose="02020603050405020304" pitchFamily="18" charset="0"/>
-              </a:rPr>
-              <a:t>ТЕСТИРОВАНИЕ</a:t>
-            </a:r>
-          </a:p>
-        </p:txBody>
-      </p:sp>
-      <p:graphicFrame>
-        <p:nvGraphicFramePr>
-          <p:cNvPr id="5" name="Таблица 5">
+                <a:latin typeface="Sans Serif Collection" panose="020B0502040504020204" pitchFamily="34" charset="0"/>
+                <a:ea typeface="Sans Serif Collection" panose="020B0502040504020204" pitchFamily="34" charset="0"/>
+                <a:cs typeface="Sans Serif Collection" panose="020B0502040504020204" pitchFamily="34" charset="0"/>
+              </a:rPr>
+              <a:t>РЕАЛИЗАЦИЯ</a:t>
+            </a:r>
+          </a:p>
+        </p:txBody>
+      </p:sp>
+      <p:sp>
+        <p:nvSpPr>
+          <p:cNvPr id="3" name="Номер слайда 2">
             <a:extLst>
               <a:ext uri="{FF2B5EF4-FFF2-40B4-BE49-F238E27FC236}">
-                <a16:creationId xmlns:a16="http://schemas.microsoft.com/office/drawing/2014/main" id="{6256C914-ADFA-4C39-B757-5F052C213495}"/>
+                <a16:creationId xmlns:a16="http://schemas.microsoft.com/office/drawing/2014/main" id="{5F9999DB-6D06-4F3D-BA37-A17AC114E127}"/>
               </a:ext>
             </a:extLst>
           </p:cNvPr>
-          <p:cNvGraphicFramePr>
-            <a:graphicFrameLocks noGrp="1"/>
-          </p:cNvGraphicFramePr>
-          <p:nvPr>
-            <p:ph idx="1"/>
-            <p:extLst>
-              <p:ext uri="{D42A27DB-BD31-4B8C-83A1-F6EECF244321}">
-                <p14:modId xmlns:p14="http://schemas.microsoft.com/office/powerpoint/2010/main" val="4128593385"/>
-              </p:ext>
-            </p:extLst>
-          </p:nvPr>
-        </p:nvGraphicFramePr>
-        <p:xfrm>
-          <a:off x="838200" y="1611824"/>
-          <a:ext cx="10515600" cy="4490246"/>
-        </p:xfrm>
-        <a:graphic>
-          <a:graphicData uri="http://schemas.openxmlformats.org/drawingml/2006/table">
-            <a:tbl>
-              <a:tblPr firstRow="1" bandRow="1">
-                <a:tableStyleId>{D7AC3CCA-C797-4891-BE02-D94E43425B78}</a:tableStyleId>
-              </a:tblPr>
-              <a:tblGrid>
-                <a:gridCol w="820119">
-                  <a:extLst>
-                    <a:ext uri="{9D8B030D-6E8A-4147-A177-3AD203B41FA5}">
-                      <a16:colId xmlns:a16="http://schemas.microsoft.com/office/drawing/2014/main" val="1980195538"/>
-                    </a:ext>
-                  </a:extLst>
-                </a:gridCol>
-                <a:gridCol w="2007030">
-                  <a:extLst>
-                    <a:ext uri="{9D8B030D-6E8A-4147-A177-3AD203B41FA5}">
-                      <a16:colId xmlns:a16="http://schemas.microsoft.com/office/drawing/2014/main" val="681019543"/>
-                    </a:ext>
-                  </a:extLst>
-                </a:gridCol>
-                <a:gridCol w="3395851">
-                  <a:extLst>
-                    <a:ext uri="{9D8B030D-6E8A-4147-A177-3AD203B41FA5}">
-                      <a16:colId xmlns:a16="http://schemas.microsoft.com/office/drawing/2014/main" val="3006854878"/>
-                    </a:ext>
-                  </a:extLst>
-                </a:gridCol>
-                <a:gridCol w="2857715">
-                  <a:extLst>
-                    <a:ext uri="{9D8B030D-6E8A-4147-A177-3AD203B41FA5}">
-                      <a16:colId xmlns:a16="http://schemas.microsoft.com/office/drawing/2014/main" val="2102379300"/>
-                    </a:ext>
-                  </a:extLst>
-                </a:gridCol>
-                <a:gridCol w="1434885">
-                  <a:extLst>
-                    <a:ext uri="{9D8B030D-6E8A-4147-A177-3AD203B41FA5}">
-                      <a16:colId xmlns:a16="http://schemas.microsoft.com/office/drawing/2014/main" val="4153163213"/>
-                    </a:ext>
-                  </a:extLst>
-                </a:gridCol>
-              </a:tblGrid>
-              <a:tr h="305317">
-                <a:tc>
-                  <a:txBody>
-                    <a:bodyPr/>
-                    <a:lstStyle/>
-                    <a:p>
-                      <a:pPr algn="ctr">
-                        <a:spcAft>
-                          <a:spcPts val="0"/>
-                        </a:spcAft>
-                      </a:pPr>
-                      <a:r>
-                        <a:rPr lang="ru-RU" sz="2400" b="1" dirty="0">
-                          <a:effectLst/>
-                          <a:latin typeface="Times New Roman" panose="02020603050405020304" pitchFamily="18" charset="0"/>
-                          <a:ea typeface="Times New Roman" panose="02020603050405020304" pitchFamily="18" charset="0"/>
-                        </a:rPr>
-                        <a:t>№</a:t>
-                      </a:r>
-                      <a:endParaRPr lang="ru-RU" sz="2400" dirty="0">
-                        <a:effectLst/>
-                        <a:latin typeface="Times New Roman" panose="02020603050405020304" pitchFamily="18" charset="0"/>
-                        <a:ea typeface="MS Mincho" panose="02020609040205080304" pitchFamily="49" charset="-128"/>
-                      </a:endParaRPr>
-                    </a:p>
-                  </a:txBody>
-                  <a:tcPr marL="68580" marR="68580" marT="0" marB="0" anchor="ctr">
-                    <a:solidFill>
-                      <a:schemeClr val="bg1"/>
-                    </a:solidFill>
-                  </a:tcPr>
-                </a:tc>
-                <a:tc>
-                  <a:txBody>
-                    <a:bodyPr/>
-                    <a:lstStyle/>
-                    <a:p>
-                      <a:pPr algn="ctr">
-                        <a:spcAft>
-                          <a:spcPts val="0"/>
-                        </a:spcAft>
-                      </a:pPr>
-                      <a:r>
-                        <a:rPr lang="ru-RU" sz="2400" b="1" dirty="0">
-                          <a:effectLst/>
-                          <a:latin typeface="Times New Roman" panose="02020603050405020304" pitchFamily="18" charset="0"/>
-                          <a:ea typeface="Times New Roman" panose="02020603050405020304" pitchFamily="18" charset="0"/>
-                        </a:rPr>
-                        <a:t>Название </a:t>
-                      </a:r>
-                      <a:endParaRPr lang="ru-RU" sz="2400" dirty="0">
-                        <a:effectLst/>
-                        <a:latin typeface="Times New Roman" panose="02020603050405020304" pitchFamily="18" charset="0"/>
-                        <a:ea typeface="MS Mincho" panose="02020609040205080304" pitchFamily="49" charset="-128"/>
-                      </a:endParaRPr>
-                    </a:p>
-                    <a:p>
-                      <a:pPr algn="ctr">
-                        <a:spcAft>
-                          <a:spcPts val="0"/>
-                        </a:spcAft>
-                      </a:pPr>
-                      <a:r>
-                        <a:rPr lang="ru-RU" sz="2400" b="1" dirty="0">
-                          <a:effectLst/>
-                          <a:latin typeface="Times New Roman" panose="02020603050405020304" pitchFamily="18" charset="0"/>
-                          <a:ea typeface="Times New Roman" panose="02020603050405020304" pitchFamily="18" charset="0"/>
-                        </a:rPr>
-                        <a:t>теста</a:t>
-                      </a:r>
-                      <a:endParaRPr lang="ru-RU" sz="2400" dirty="0">
-                        <a:effectLst/>
-                        <a:latin typeface="Times New Roman" panose="02020603050405020304" pitchFamily="18" charset="0"/>
-                        <a:ea typeface="MS Mincho" panose="02020609040205080304" pitchFamily="49" charset="-128"/>
-                      </a:endParaRPr>
-                    </a:p>
-                  </a:txBody>
-                  <a:tcPr marL="68580" marR="68580" marT="0" marB="0" anchor="ctr">
-                    <a:solidFill>
-                      <a:schemeClr val="bg1"/>
-                    </a:solidFill>
-                  </a:tcPr>
-                </a:tc>
-                <a:tc>
-                  <a:txBody>
-                    <a:bodyPr/>
-                    <a:lstStyle/>
-                    <a:p>
-                      <a:pPr algn="ctr">
-                        <a:spcAft>
-                          <a:spcPts val="0"/>
-                        </a:spcAft>
-                      </a:pPr>
-                      <a:r>
-                        <a:rPr lang="ru-RU" sz="2400" b="1" dirty="0">
-                          <a:effectLst/>
-                          <a:latin typeface="Times New Roman" panose="02020603050405020304" pitchFamily="18" charset="0"/>
-                          <a:ea typeface="Times New Roman" panose="02020603050405020304" pitchFamily="18" charset="0"/>
-                        </a:rPr>
-                        <a:t>Шаги</a:t>
-                      </a:r>
-                      <a:endParaRPr lang="ru-RU" sz="2400" dirty="0">
-                        <a:effectLst/>
-                        <a:latin typeface="Times New Roman" panose="02020603050405020304" pitchFamily="18" charset="0"/>
-                        <a:ea typeface="MS Mincho" panose="02020609040205080304" pitchFamily="49" charset="-128"/>
-                      </a:endParaRPr>
-                    </a:p>
-                  </a:txBody>
-                  <a:tcPr marL="68580" marR="68580" marT="0" marB="0" anchor="ctr">
-                    <a:solidFill>
-                      <a:schemeClr val="bg1"/>
-                    </a:solidFill>
-                  </a:tcPr>
-                </a:tc>
-                <a:tc>
-                  <a:txBody>
-                    <a:bodyPr/>
-                    <a:lstStyle/>
-                    <a:p>
-                      <a:pPr algn="ctr">
-                        <a:spcAft>
-                          <a:spcPts val="0"/>
-                        </a:spcAft>
-                      </a:pPr>
-                      <a:r>
-                        <a:rPr lang="ru-RU" sz="2400" b="1">
-                          <a:effectLst/>
-                          <a:latin typeface="Times New Roman" panose="02020603050405020304" pitchFamily="18" charset="0"/>
-                          <a:ea typeface="Times New Roman" panose="02020603050405020304" pitchFamily="18" charset="0"/>
-                        </a:rPr>
-                        <a:t>Ожидаемый </a:t>
-                      </a:r>
-                      <a:endParaRPr lang="ru-RU" sz="2400">
-                        <a:effectLst/>
-                        <a:latin typeface="Times New Roman" panose="02020603050405020304" pitchFamily="18" charset="0"/>
-                        <a:ea typeface="MS Mincho" panose="02020609040205080304" pitchFamily="49" charset="-128"/>
-                      </a:endParaRPr>
-                    </a:p>
-                    <a:p>
-                      <a:pPr algn="ctr">
-                        <a:spcAft>
-                          <a:spcPts val="0"/>
-                        </a:spcAft>
-                      </a:pPr>
-                      <a:r>
-                        <a:rPr lang="ru-RU" sz="2400" b="1">
-                          <a:effectLst/>
-                          <a:latin typeface="Times New Roman" panose="02020603050405020304" pitchFamily="18" charset="0"/>
-                          <a:ea typeface="Times New Roman" panose="02020603050405020304" pitchFamily="18" charset="0"/>
-                        </a:rPr>
-                        <a:t>результат</a:t>
-                      </a:r>
-                      <a:endParaRPr lang="ru-RU" sz="2400">
-                        <a:effectLst/>
-                        <a:latin typeface="Times New Roman" panose="02020603050405020304" pitchFamily="18" charset="0"/>
-                        <a:ea typeface="MS Mincho" panose="02020609040205080304" pitchFamily="49" charset="-128"/>
-                      </a:endParaRPr>
-                    </a:p>
-                  </a:txBody>
-                  <a:tcPr marL="68580" marR="68580" marT="0" marB="0" anchor="ctr">
-                    <a:solidFill>
-                      <a:schemeClr val="bg1"/>
-                    </a:solidFill>
-                  </a:tcPr>
-                </a:tc>
-                <a:tc>
-                  <a:txBody>
-                    <a:bodyPr/>
-                    <a:lstStyle/>
-                    <a:p>
-                      <a:pPr algn="ctr">
-                        <a:spcAft>
-                          <a:spcPts val="0"/>
-                        </a:spcAft>
-                      </a:pPr>
-                      <a:r>
-                        <a:rPr lang="ru-RU" sz="2400" b="1">
-                          <a:effectLst/>
-                          <a:latin typeface="Times New Roman" panose="02020603050405020304" pitchFamily="18" charset="0"/>
-                          <a:ea typeface="Times New Roman" panose="02020603050405020304" pitchFamily="18" charset="0"/>
-                        </a:rPr>
-                        <a:t>Тест пройден?</a:t>
-                      </a:r>
-                      <a:endParaRPr lang="ru-RU" sz="2400">
-                        <a:effectLst/>
-                        <a:latin typeface="Times New Roman" panose="02020603050405020304" pitchFamily="18" charset="0"/>
-                        <a:ea typeface="MS Mincho" panose="02020609040205080304" pitchFamily="49" charset="-128"/>
-                      </a:endParaRPr>
-                    </a:p>
-                  </a:txBody>
-                  <a:tcPr marL="68580" marR="68580" marT="0" marB="0" anchor="ctr">
-                    <a:solidFill>
-                      <a:schemeClr val="bg1"/>
-                    </a:solidFill>
-                  </a:tcPr>
-                </a:tc>
-                <a:extLst>
-                  <a:ext uri="{0D108BD9-81ED-4DB2-BD59-A6C34878D82A}">
-                    <a16:rowId xmlns:a16="http://schemas.microsoft.com/office/drawing/2014/main" val="1515235151"/>
-                  </a:ext>
-                </a:extLst>
-              </a:tr>
-              <a:tr h="1245676">
-                <a:tc>
-                  <a:txBody>
-                    <a:bodyPr/>
-                    <a:lstStyle/>
-                    <a:p>
-                      <a:pPr marL="342900" marR="20955" lvl="0" indent="-342900" algn="just">
-                        <a:spcAft>
-                          <a:spcPts val="0"/>
-                        </a:spcAft>
-                        <a:buFont typeface="+mj-lt"/>
-                        <a:buAutoNum type="arabicPeriod"/>
-                      </a:pPr>
-                      <a:r>
-                        <a:rPr lang="ru-RU" sz="2400">
-                          <a:effectLst/>
-                          <a:latin typeface="Times New Roman" panose="02020603050405020304" pitchFamily="18" charset="0"/>
-                          <a:ea typeface="Times New Roman" panose="02020603050405020304" pitchFamily="18" charset="0"/>
-                        </a:rPr>
-                        <a:t> </a:t>
-                      </a:r>
-                      <a:endParaRPr lang="ru-RU" sz="2400">
-                        <a:effectLst/>
-                        <a:latin typeface="Times New Roman" panose="02020603050405020304" pitchFamily="18" charset="0"/>
-                        <a:ea typeface="MS Mincho" panose="02020609040205080304" pitchFamily="49" charset="-128"/>
-                      </a:endParaRPr>
-                    </a:p>
-                  </a:txBody>
-                  <a:tcPr marL="68580" marR="68580" marT="0" marB="0">
-                    <a:solidFill>
-                      <a:schemeClr val="bg1"/>
-                    </a:solidFill>
-                  </a:tcPr>
-                </a:tc>
-                <a:tc>
-                  <a:txBody>
-                    <a:bodyPr/>
-                    <a:lstStyle/>
-                    <a:p>
-                      <a:pPr>
-                        <a:spcAft>
-                          <a:spcPts val="0"/>
-                        </a:spcAft>
-                      </a:pPr>
-                      <a:r>
-                        <a:rPr lang="ru-RU" sz="2400" dirty="0">
-                          <a:effectLst/>
-                          <a:latin typeface="Times New Roman" panose="02020603050405020304" pitchFamily="18" charset="0"/>
-                          <a:ea typeface="Times New Roman" panose="02020603050405020304" pitchFamily="18" charset="0"/>
-                        </a:rPr>
-                        <a:t>Создание частиц</a:t>
-                      </a:r>
-                      <a:endParaRPr lang="ru-RU" sz="2400" dirty="0">
-                        <a:effectLst/>
-                        <a:latin typeface="Times New Roman" panose="02020603050405020304" pitchFamily="18" charset="0"/>
-                        <a:ea typeface="MS Mincho" panose="02020609040205080304" pitchFamily="49" charset="-128"/>
-                      </a:endParaRPr>
-                    </a:p>
-                  </a:txBody>
-                  <a:tcPr marL="68580" marR="68580" marT="0" marB="0">
-                    <a:solidFill>
-                      <a:schemeClr val="bg1"/>
-                    </a:solidFill>
-                  </a:tcPr>
-                </a:tc>
-                <a:tc>
-                  <a:txBody>
-                    <a:bodyPr/>
-                    <a:lstStyle/>
-                    <a:p>
-                      <a:pPr marL="342900" lvl="0" indent="-342900">
-                        <a:spcAft>
-                          <a:spcPts val="0"/>
-                        </a:spcAft>
-                        <a:buFont typeface="+mj-lt"/>
-                        <a:buAutoNum type="arabicPeriod"/>
-                      </a:pPr>
-                      <a:r>
-                        <a:rPr lang="ru-RU" sz="2400" dirty="0">
-                          <a:effectLst/>
-                          <a:latin typeface="Times New Roman" panose="02020603050405020304" pitchFamily="18" charset="0"/>
-                          <a:ea typeface="Times New Roman" panose="02020603050405020304" pitchFamily="18" charset="0"/>
-                        </a:rPr>
-                        <a:t>Запустить программу. </a:t>
-                      </a:r>
-                      <a:endParaRPr lang="ru-RU" sz="2400" dirty="0">
-                        <a:effectLst/>
-                        <a:latin typeface="Times New Roman" panose="02020603050405020304" pitchFamily="18" charset="0"/>
-                        <a:ea typeface="MS Mincho" panose="02020609040205080304" pitchFamily="49" charset="-128"/>
-                      </a:endParaRPr>
-                    </a:p>
-                    <a:p>
-                      <a:pPr marL="342900" lvl="0" indent="-342900">
-                        <a:spcAft>
-                          <a:spcPts val="0"/>
-                        </a:spcAft>
-                        <a:buFont typeface="+mj-lt"/>
-                        <a:buAutoNum type="arabicPeriod"/>
-                      </a:pPr>
-                      <a:r>
-                        <a:rPr lang="ru-RU" sz="2400" dirty="0">
-                          <a:effectLst/>
-                          <a:latin typeface="Times New Roman" panose="02020603050405020304" pitchFamily="18" charset="0"/>
-                          <a:ea typeface="Times New Roman" panose="02020603050405020304" pitchFamily="18" charset="0"/>
-                        </a:rPr>
-                        <a:t>Наблюдать автоматическое создание частиц.</a:t>
-                      </a:r>
-                      <a:endParaRPr lang="ru-RU" sz="2400" dirty="0">
-                        <a:effectLst/>
-                        <a:latin typeface="Times New Roman" panose="02020603050405020304" pitchFamily="18" charset="0"/>
-                        <a:ea typeface="MS Mincho" panose="02020609040205080304" pitchFamily="49" charset="-128"/>
-                      </a:endParaRPr>
-                    </a:p>
-                  </a:txBody>
-                  <a:tcPr marL="68580" marR="68580" marT="0" marB="0">
-                    <a:solidFill>
-                      <a:schemeClr val="bg1"/>
-                    </a:solidFill>
-                  </a:tcPr>
-                </a:tc>
-                <a:tc>
-                  <a:txBody>
-                    <a:bodyPr/>
-                    <a:lstStyle/>
-                    <a:p>
-                      <a:pPr>
-                        <a:spcAft>
-                          <a:spcPts val="0"/>
-                        </a:spcAft>
-                      </a:pPr>
-                      <a:r>
-                        <a:rPr lang="ru-RU" sz="2400" dirty="0">
-                          <a:effectLst/>
-                          <a:latin typeface="Times New Roman" panose="02020603050405020304" pitchFamily="18" charset="0"/>
-                          <a:ea typeface="Times New Roman" panose="02020603050405020304" pitchFamily="18" charset="0"/>
-                        </a:rPr>
-                        <a:t>Частицы создаются до тех пор, пока их не будет 1000.</a:t>
-                      </a:r>
-                      <a:endParaRPr lang="ru-RU" sz="2400" dirty="0">
-                        <a:effectLst/>
-                        <a:latin typeface="Times New Roman" panose="02020603050405020304" pitchFamily="18" charset="0"/>
-                        <a:ea typeface="MS Mincho" panose="02020609040205080304" pitchFamily="49" charset="-128"/>
-                      </a:endParaRPr>
-                    </a:p>
-                  </a:txBody>
-                  <a:tcPr marL="68580" marR="68580" marT="0" marB="0">
-                    <a:solidFill>
-                      <a:schemeClr val="bg1"/>
-                    </a:solidFill>
-                  </a:tcPr>
-                </a:tc>
-                <a:tc>
-                  <a:txBody>
-                    <a:bodyPr/>
-                    <a:lstStyle/>
-                    <a:p>
-                      <a:pPr>
-                        <a:spcAft>
-                          <a:spcPts val="0"/>
-                        </a:spcAft>
-                      </a:pPr>
-                      <a:r>
-                        <a:rPr lang="ru-RU" sz="2400" dirty="0">
-                          <a:effectLst/>
-                          <a:latin typeface="Times New Roman" panose="02020603050405020304" pitchFamily="18" charset="0"/>
-                          <a:ea typeface="Times New Roman" panose="02020603050405020304" pitchFamily="18" charset="0"/>
-                        </a:rPr>
-                        <a:t>Да</a:t>
-                      </a:r>
-                      <a:endParaRPr lang="ru-RU" sz="2400" dirty="0">
-                        <a:effectLst/>
-                        <a:latin typeface="Times New Roman" panose="02020603050405020304" pitchFamily="18" charset="0"/>
-                        <a:ea typeface="MS Mincho" panose="02020609040205080304" pitchFamily="49" charset="-128"/>
-                      </a:endParaRPr>
-                    </a:p>
-                  </a:txBody>
-                  <a:tcPr marL="68580" marR="68580" marT="0" marB="0">
-                    <a:solidFill>
-                      <a:schemeClr val="bg1"/>
-                    </a:solidFill>
-                  </a:tcPr>
-                </a:tc>
-                <a:extLst>
-                  <a:ext uri="{0D108BD9-81ED-4DB2-BD59-A6C34878D82A}">
-                    <a16:rowId xmlns:a16="http://schemas.microsoft.com/office/drawing/2014/main" val="523595126"/>
-                  </a:ext>
-                </a:extLst>
-              </a:tr>
-              <a:tr h="466886">
-                <a:tc>
-                  <a:txBody>
-                    <a:bodyPr/>
-                    <a:lstStyle/>
-                    <a:p>
-                      <a:r>
-                        <a:rPr lang="ru-RU" sz="2400" dirty="0"/>
-                        <a:t>…</a:t>
-                      </a:r>
-                    </a:p>
-                  </a:txBody>
-                  <a:tcPr>
-                    <a:solidFill>
-                      <a:schemeClr val="bg1"/>
-                    </a:solidFill>
-                  </a:tcPr>
-                </a:tc>
-                <a:tc>
-                  <a:txBody>
-                    <a:bodyPr/>
-                    <a:lstStyle/>
-                    <a:p>
-                      <a:r>
-                        <a:rPr lang="ru-RU" sz="2400" dirty="0"/>
-                        <a:t>…</a:t>
-                      </a:r>
-                    </a:p>
-                  </a:txBody>
-                  <a:tcPr>
-                    <a:solidFill>
-                      <a:schemeClr val="bg1"/>
-                    </a:solidFill>
-                  </a:tcPr>
-                </a:tc>
-                <a:tc>
-                  <a:txBody>
-                    <a:bodyPr/>
-                    <a:lstStyle/>
-                    <a:p>
-                      <a:r>
-                        <a:rPr lang="ru-RU" sz="2400" dirty="0"/>
-                        <a:t>…</a:t>
-                      </a:r>
-                    </a:p>
-                  </a:txBody>
-                  <a:tcPr>
-                    <a:solidFill>
-                      <a:schemeClr val="bg1"/>
-                    </a:solidFill>
-                  </a:tcPr>
-                </a:tc>
-                <a:tc>
-                  <a:txBody>
-                    <a:bodyPr/>
-                    <a:lstStyle/>
-                    <a:p>
-                      <a:r>
-                        <a:rPr lang="ru-RU" sz="2400" dirty="0"/>
-                        <a:t>…</a:t>
-                      </a:r>
-                    </a:p>
-                  </a:txBody>
-                  <a:tcPr>
-                    <a:solidFill>
-                      <a:schemeClr val="bg1"/>
-                    </a:solidFill>
-                  </a:tcPr>
-                </a:tc>
-                <a:tc>
-                  <a:txBody>
-                    <a:bodyPr/>
-                    <a:lstStyle/>
-                    <a:p>
-                      <a:r>
-                        <a:rPr lang="ru-RU" sz="2400" dirty="0"/>
-                        <a:t>…</a:t>
-                      </a:r>
-                    </a:p>
-                  </a:txBody>
-                  <a:tcPr>
-                    <a:solidFill>
-                      <a:schemeClr val="bg1"/>
-                    </a:solidFill>
-                  </a:tcPr>
-                </a:tc>
-                <a:extLst>
-                  <a:ext uri="{0D108BD9-81ED-4DB2-BD59-A6C34878D82A}">
-                    <a16:rowId xmlns:a16="http://schemas.microsoft.com/office/drawing/2014/main" val="3386950757"/>
-                  </a:ext>
-                </a:extLst>
-              </a:tr>
-              <a:tr h="1245676">
-                <a:tc>
-                  <a:txBody>
-                    <a:bodyPr/>
-                    <a:lstStyle/>
-                    <a:p>
-                      <a:pPr marL="342900" marR="20955" lvl="0" indent="-342900" algn="just">
-                        <a:spcAft>
-                          <a:spcPts val="0"/>
-                        </a:spcAft>
-                        <a:buFont typeface="+mj-lt"/>
-                        <a:buAutoNum type="arabicPeriod"/>
-                      </a:pPr>
-                      <a:r>
-                        <a:rPr lang="ru-RU" sz="2400" dirty="0">
-                          <a:effectLst/>
-                          <a:latin typeface="Times New Roman" panose="02020603050405020304" pitchFamily="18" charset="0"/>
-                          <a:ea typeface="Times New Roman" panose="02020603050405020304" pitchFamily="18" charset="0"/>
-                        </a:rPr>
-                        <a:t> </a:t>
-                      </a:r>
-                      <a:endParaRPr lang="ru-RU" sz="2400" dirty="0">
-                        <a:effectLst/>
-                        <a:latin typeface="Times New Roman" panose="02020603050405020304" pitchFamily="18" charset="0"/>
-                        <a:ea typeface="MS Mincho" panose="02020609040205080304" pitchFamily="49" charset="-128"/>
-                      </a:endParaRPr>
-                    </a:p>
-                  </a:txBody>
-                  <a:tcPr marL="68580" marR="68580" marT="0" marB="0">
-                    <a:solidFill>
-                      <a:schemeClr val="bg1"/>
-                    </a:solidFill>
-                  </a:tcPr>
-                </a:tc>
-                <a:tc>
-                  <a:txBody>
-                    <a:bodyPr/>
-                    <a:lstStyle/>
-                    <a:p>
-                      <a:pPr>
-                        <a:spcAft>
-                          <a:spcPts val="0"/>
-                        </a:spcAft>
-                      </a:pPr>
-                      <a:r>
-                        <a:rPr lang="ru-RU" sz="2400">
-                          <a:effectLst/>
-                          <a:latin typeface="Times New Roman" panose="02020603050405020304" pitchFamily="18" charset="0"/>
-                          <a:ea typeface="Times New Roman" panose="02020603050405020304" pitchFamily="18" charset="0"/>
-                        </a:rPr>
-                        <a:t>Отображение метрик производительности </a:t>
-                      </a:r>
-                      <a:endParaRPr lang="ru-RU" sz="2400">
-                        <a:effectLst/>
-                        <a:latin typeface="Times New Roman" panose="02020603050405020304" pitchFamily="18" charset="0"/>
-                        <a:ea typeface="MS Mincho" panose="02020609040205080304" pitchFamily="49" charset="-128"/>
-                      </a:endParaRPr>
-                    </a:p>
-                  </a:txBody>
-                  <a:tcPr marL="68580" marR="68580" marT="0" marB="0">
-                    <a:solidFill>
-                      <a:schemeClr val="bg1"/>
-                    </a:solidFill>
-                  </a:tcPr>
-                </a:tc>
-                <a:tc>
-                  <a:txBody>
-                    <a:bodyPr/>
-                    <a:lstStyle/>
-                    <a:p>
-                      <a:pPr>
-                        <a:spcAft>
-                          <a:spcPts val="0"/>
-                        </a:spcAft>
-                      </a:pPr>
-                      <a:r>
-                        <a:rPr lang="ru-RU" sz="2400" dirty="0">
-                          <a:effectLst/>
-                          <a:latin typeface="Times New Roman" panose="02020603050405020304" pitchFamily="18" charset="0"/>
-                          <a:ea typeface="Times New Roman" panose="02020603050405020304" pitchFamily="18" charset="0"/>
-                        </a:rPr>
-                        <a:t>1. Запустить программу.</a:t>
-                      </a:r>
-                      <a:endParaRPr lang="ru-RU" sz="2400" dirty="0">
-                        <a:effectLst/>
-                        <a:latin typeface="Times New Roman" panose="02020603050405020304" pitchFamily="18" charset="0"/>
-                        <a:ea typeface="MS Mincho" panose="02020609040205080304" pitchFamily="49" charset="-128"/>
-                      </a:endParaRPr>
-                    </a:p>
-                    <a:p>
-                      <a:pPr>
-                        <a:spcAft>
-                          <a:spcPts val="0"/>
-                        </a:spcAft>
-                      </a:pPr>
-                      <a:r>
-                        <a:rPr lang="ru-RU" sz="2400" dirty="0">
-                          <a:effectLst/>
-                          <a:latin typeface="Times New Roman" panose="02020603050405020304" pitchFamily="18" charset="0"/>
-                          <a:ea typeface="Times New Roman" panose="02020603050405020304" pitchFamily="18" charset="0"/>
-                        </a:rPr>
-                        <a:t>2. Наблюдать левый верхний угол окна.</a:t>
-                      </a:r>
-                      <a:endParaRPr lang="ru-RU" sz="2400" dirty="0">
-                        <a:effectLst/>
-                        <a:latin typeface="Times New Roman" panose="02020603050405020304" pitchFamily="18" charset="0"/>
-                        <a:ea typeface="MS Mincho" panose="02020609040205080304" pitchFamily="49" charset="-128"/>
-                      </a:endParaRPr>
-                    </a:p>
-                  </a:txBody>
-                  <a:tcPr marL="68580" marR="68580" marT="0" marB="0">
-                    <a:solidFill>
-                      <a:schemeClr val="bg1"/>
-                    </a:solidFill>
-                  </a:tcPr>
-                </a:tc>
-                <a:tc>
-                  <a:txBody>
-                    <a:bodyPr/>
-                    <a:lstStyle/>
-                    <a:p>
-                      <a:pPr>
-                        <a:spcAft>
-                          <a:spcPts val="0"/>
-                        </a:spcAft>
-                      </a:pPr>
-                      <a:r>
-                        <a:rPr lang="ru-RU" sz="2400" dirty="0">
-                          <a:effectLst/>
-                          <a:latin typeface="Times New Roman" panose="02020603050405020304" pitchFamily="18" charset="0"/>
-                          <a:ea typeface="Times New Roman" panose="02020603050405020304" pitchFamily="18" charset="0"/>
-                        </a:rPr>
-                        <a:t>Отображаются корректные значения производительности.</a:t>
-                      </a:r>
-                      <a:endParaRPr lang="ru-RU" sz="2400" dirty="0">
-                        <a:effectLst/>
-                        <a:latin typeface="Times New Roman" panose="02020603050405020304" pitchFamily="18" charset="0"/>
-                        <a:ea typeface="MS Mincho" panose="02020609040205080304" pitchFamily="49" charset="-128"/>
-                      </a:endParaRPr>
-                    </a:p>
-                  </a:txBody>
-                  <a:tcPr marL="68580" marR="68580" marT="0" marB="0">
-                    <a:solidFill>
-                      <a:schemeClr val="bg1"/>
-                    </a:solidFill>
-                  </a:tcPr>
-                </a:tc>
-                <a:tc>
-                  <a:txBody>
-                    <a:bodyPr/>
-                    <a:lstStyle/>
-                    <a:p>
-                      <a:pPr>
-                        <a:spcAft>
-                          <a:spcPts val="0"/>
-                        </a:spcAft>
-                      </a:pPr>
-                      <a:r>
-                        <a:rPr lang="ru-RU" sz="2400" dirty="0">
-                          <a:effectLst/>
-                          <a:latin typeface="Times New Roman" panose="02020603050405020304" pitchFamily="18" charset="0"/>
-                          <a:ea typeface="Times New Roman" panose="02020603050405020304" pitchFamily="18" charset="0"/>
-                        </a:rPr>
-                        <a:t>Да</a:t>
-                      </a:r>
-                      <a:endParaRPr lang="ru-RU" sz="2400" dirty="0">
-                        <a:effectLst/>
-                        <a:latin typeface="Times New Roman" panose="02020603050405020304" pitchFamily="18" charset="0"/>
-                        <a:ea typeface="MS Mincho" panose="02020609040205080304" pitchFamily="49" charset="-128"/>
-                      </a:endParaRPr>
-                    </a:p>
-                  </a:txBody>
-                  <a:tcPr marL="68580" marR="68580" marT="0" marB="0">
-                    <a:solidFill>
-                      <a:schemeClr val="bg1"/>
-                    </a:solidFill>
-                  </a:tcPr>
-                </a:tc>
-                <a:extLst>
-                  <a:ext uri="{0D108BD9-81ED-4DB2-BD59-A6C34878D82A}">
-                    <a16:rowId xmlns:a16="http://schemas.microsoft.com/office/drawing/2014/main" val="1489161031"/>
-                  </a:ext>
-                </a:extLst>
-              </a:tr>
-            </a:tbl>
-          </a:graphicData>
-        </a:graphic>
-      </p:graphicFrame>
+          <p:cNvSpPr>
+            <a:spLocks noGrp="1"/>
+          </p:cNvSpPr>
+          <p:nvPr>
+            <p:ph type="sldNum" sz="quarter" idx="12"/>
+          </p:nvPr>
+        </p:nvSpPr>
+        <p:spPr/>
+        <p:txBody>
+          <a:bodyPr/>
+          <a:lstStyle/>
+          <a:p>
+            <a:fld id="{6AB11809-A137-4636-8E11-D480BDA4566E}" type="slidenum">
+              <a:rPr lang="ru-RU" smtClean="0"/>
+              <a:t>9</a:t>
+            </a:fld>
+            <a:r>
+              <a:rPr lang="en-US" dirty="0"/>
+              <a:t>/1</a:t>
+            </a:r>
+            <a:r>
+              <a:rPr lang="ru-RU" dirty="0"/>
+              <a:t>2</a:t>
+            </a:r>
+          </a:p>
+        </p:txBody>
+      </p:sp>
+      <p:pic>
+        <p:nvPicPr>
+          <p:cNvPr id="7" name="Рисунок 6">
+            <a:extLst>
+              <a:ext uri="{FF2B5EF4-FFF2-40B4-BE49-F238E27FC236}">
+                <a16:creationId xmlns:a16="http://schemas.microsoft.com/office/drawing/2014/main" id="{AE3B563F-BAB6-4CB9-9ED3-944D60235E81}"/>
+              </a:ext>
+            </a:extLst>
+          </p:cNvPr>
+          <p:cNvPicPr>
+            <a:picLocks noChangeAspect="1"/>
+          </p:cNvPicPr>
+          <p:nvPr/>
+        </p:nvPicPr>
+        <p:blipFill>
+          <a:blip r:embed="rId3"/>
+          <a:stretch>
+            <a:fillRect/>
+          </a:stretch>
+        </p:blipFill>
+        <p:spPr>
+          <a:xfrm>
+            <a:off x="1888860" y="1256519"/>
+            <a:ext cx="8414279" cy="4757507"/>
+          </a:xfrm>
+          <a:prstGeom prst="rect">
+            <a:avLst/>
+          </a:prstGeom>
+        </p:spPr>
+      </p:pic>
     </p:spTree>
     <p:extLst>
       <p:ext uri="{BB962C8B-B14F-4D97-AF65-F5344CB8AC3E}">
-        <p14:creationId xmlns:p14="http://schemas.microsoft.com/office/powerpoint/2010/main" val="2862809011"/>
+        <p14:creationId xmlns:p14="http://schemas.microsoft.com/office/powerpoint/2010/main" val="4024543043"/>
       </p:ext>
     </p:extLst>
   </p:cSld>
@@ -7860,4 +10891,299 @@
     </a:ext>
   </a:extLst>
 </a:theme>
+</file>
+
+<file path=ppt/theme/theme2.xml><?xml version="1.0" encoding="utf-8"?>
+<a:theme xmlns:a="http://schemas.openxmlformats.org/drawingml/2006/main" name="Тема Office">
+  <a:themeElements>
+    <a:clrScheme name="Стандартная">
+      <a:dk1>
+        <a:sysClr val="windowText" lastClr="000000"/>
+      </a:dk1>
+      <a:lt1>
+        <a:sysClr val="window" lastClr="FFFFFF"/>
+      </a:lt1>
+      <a:dk2>
+        <a:srgbClr val="44546A"/>
+      </a:dk2>
+      <a:lt2>
+        <a:srgbClr val="E7E6E6"/>
+      </a:lt2>
+      <a:accent1>
+        <a:srgbClr val="4472C4"/>
+      </a:accent1>
+      <a:accent2>
+        <a:srgbClr val="ED7D31"/>
+      </a:accent2>
+      <a:accent3>
+        <a:srgbClr val="A5A5A5"/>
+      </a:accent3>
+      <a:accent4>
+        <a:srgbClr val="FFC000"/>
+      </a:accent4>
+      <a:accent5>
+        <a:srgbClr val="5B9BD5"/>
+      </a:accent5>
+      <a:accent6>
+        <a:srgbClr val="70AD47"/>
+      </a:accent6>
+      <a:hlink>
+        <a:srgbClr val="0563C1"/>
+      </a:hlink>
+      <a:folHlink>
+        <a:srgbClr val="954F72"/>
+      </a:folHlink>
+    </a:clrScheme>
+    <a:fontScheme name="Стандартная">
+      <a:majorFont>
+        <a:latin typeface="Calibri Light" panose="020F0302020204030204"/>
+        <a:ea typeface=""/>
+        <a:cs typeface=""/>
+        <a:font script="Jpan" typeface="游ゴシック Light"/>
+        <a:font script="Hang" typeface="맑은 고딕"/>
+        <a:font script="Hans" typeface="等线 Light"/>
+        <a:font script="Hant" typeface="新細明體"/>
+        <a:font script="Arab" typeface="Times New Roman"/>
+        <a:font script="Hebr" typeface="Times New Roman"/>
+        <a:font script="Thai" typeface="Angsana New"/>
+        <a:font script="Ethi" typeface="Nyala"/>
+        <a:font script="Beng" typeface="Vrinda"/>
+        <a:font script="Gujr" typeface="Shruti"/>
+        <a:font script="Khmr" typeface="MoolBoran"/>
+        <a:font script="Knda" typeface="Tunga"/>
+        <a:font script="Guru" typeface="Raavi"/>
+        <a:font script="Cans" typeface="Euphemia"/>
+        <a:font script="Cher" typeface="Plantagenet Cherokee"/>
+        <a:font script="Yiii" typeface="Microsoft Yi Baiti"/>
+        <a:font script="Tibt" typeface="Microsoft Himalaya"/>
+        <a:font script="Thaa" typeface="MV Boli"/>
+        <a:font script="Deva" typeface="Mangal"/>
+        <a:font script="Telu" typeface="Gautami"/>
+        <a:font script="Taml" typeface="Latha"/>
+        <a:font script="Syrc" typeface="Estrangelo Edessa"/>
+        <a:font script="Orya" typeface="Kalinga"/>
+        <a:font script="Mlym" typeface="Kartika"/>
+        <a:font script="Laoo" typeface="DokChampa"/>
+        <a:font script="Sinh" typeface="Iskoola Pota"/>
+        <a:font script="Mong" typeface="Mongolian Baiti"/>
+        <a:font script="Viet" typeface="Times New Roman"/>
+        <a:font script="Uigh" typeface="Microsoft Uighur"/>
+        <a:font script="Geor" typeface="Sylfaen"/>
+        <a:font script="Armn" typeface="Arial"/>
+        <a:font script="Bugi" typeface="Leelawadee UI"/>
+        <a:font script="Bopo" typeface="Microsoft JhengHei"/>
+        <a:font script="Java" typeface="Javanese Text"/>
+        <a:font script="Lisu" typeface="Segoe UI"/>
+        <a:font script="Mymr" typeface="Myanmar Text"/>
+        <a:font script="Nkoo" typeface="Ebrima"/>
+        <a:font script="Olck" typeface="Nirmala UI"/>
+        <a:font script="Osma" typeface="Ebrima"/>
+        <a:font script="Phag" typeface="Phagspa"/>
+        <a:font script="Syrn" typeface="Estrangelo Edessa"/>
+        <a:font script="Syrj" typeface="Estrangelo Edessa"/>
+        <a:font script="Syre" typeface="Estrangelo Edessa"/>
+        <a:font script="Sora" typeface="Nirmala UI"/>
+        <a:font script="Tale" typeface="Microsoft Tai Le"/>
+        <a:font script="Talu" typeface="Microsoft New Tai Lue"/>
+        <a:font script="Tfng" typeface="Ebrima"/>
+      </a:majorFont>
+      <a:minorFont>
+        <a:latin typeface="Calibri" panose="020F0502020204030204"/>
+        <a:ea typeface=""/>
+        <a:cs typeface=""/>
+        <a:font script="Jpan" typeface="游ゴシック"/>
+        <a:font script="Hang" typeface="맑은 고딕"/>
+        <a:font script="Hans" typeface="等线"/>
+        <a:font script="Hant" typeface="新細明體"/>
+        <a:font script="Arab" typeface="Arial"/>
+        <a:font script="Hebr" typeface="Arial"/>
+        <a:font script="Thai" typeface="Cordia New"/>
+        <a:font script="Ethi" typeface="Nyala"/>
+        <a:font script="Beng" typeface="Vrinda"/>
+        <a:font script="Gujr" typeface="Shruti"/>
+        <a:font script="Khmr" typeface="DaunPenh"/>
+        <a:font script="Knda" typeface="Tunga"/>
+        <a:font script="Guru" typeface="Raavi"/>
+        <a:font script="Cans" typeface="Euphemia"/>
+        <a:font script="Cher" typeface="Plantagenet Cherokee"/>
+        <a:font script="Yiii" typeface="Microsoft Yi Baiti"/>
+        <a:font script="Tibt" typeface="Microsoft Himalaya"/>
+        <a:font script="Thaa" typeface="MV Boli"/>
+        <a:font script="Deva" typeface="Mangal"/>
+        <a:font script="Telu" typeface="Gautami"/>
+        <a:font script="Taml" typeface="Latha"/>
+        <a:font script="Syrc" typeface="Estrangelo Edessa"/>
+        <a:font script="Orya" typeface="Kalinga"/>
+        <a:font script="Mlym" typeface="Kartika"/>
+        <a:font script="Laoo" typeface="DokChampa"/>
+        <a:font script="Sinh" typeface="Iskoola Pota"/>
+        <a:font script="Mong" typeface="Mongolian Baiti"/>
+        <a:font script="Viet" typeface="Arial"/>
+        <a:font script="Uigh" typeface="Microsoft Uighur"/>
+        <a:font script="Geor" typeface="Sylfaen"/>
+        <a:font script="Armn" typeface="Arial"/>
+        <a:font script="Bugi" typeface="Leelawadee UI"/>
+        <a:font script="Bopo" typeface="Microsoft JhengHei"/>
+        <a:font script="Java" typeface="Javanese Text"/>
+        <a:font script="Lisu" typeface="Segoe UI"/>
+        <a:font script="Mymr" typeface="Myanmar Text"/>
+        <a:font script="Nkoo" typeface="Ebrima"/>
+        <a:font script="Olck" typeface="Nirmala UI"/>
+        <a:font script="Osma" typeface="Ebrima"/>
+        <a:font script="Phag" typeface="Phagspa"/>
+        <a:font script="Syrn" typeface="Estrangelo Edessa"/>
+        <a:font script="Syrj" typeface="Estrangelo Edessa"/>
+        <a:font script="Syre" typeface="Estrangelo Edessa"/>
+        <a:font script="Sora" typeface="Nirmala UI"/>
+        <a:font script="Tale" typeface="Microsoft Tai Le"/>
+        <a:font script="Talu" typeface="Microsoft New Tai Lue"/>
+        <a:font script="Tfng" typeface="Ebrima"/>
+      </a:minorFont>
+    </a:fontScheme>
+    <a:fmtScheme name="Стандартная">
+      <a:fillStyleLst>
+        <a:solidFill>
+          <a:schemeClr val="phClr"/>
+        </a:solidFill>
+        <a:gradFill rotWithShape="1">
+          <a:gsLst>
+            <a:gs pos="0">
+              <a:schemeClr val="phClr">
+                <a:lumMod val="110000"/>
+                <a:satMod val="105000"/>
+                <a:tint val="67000"/>
+              </a:schemeClr>
+            </a:gs>
+            <a:gs pos="50000">
+              <a:schemeClr val="phClr">
+                <a:lumMod val="105000"/>
+                <a:satMod val="103000"/>
+                <a:tint val="73000"/>
+              </a:schemeClr>
+            </a:gs>
+            <a:gs pos="100000">
+              <a:schemeClr val="phClr">
+                <a:lumMod val="105000"/>
+                <a:satMod val="109000"/>
+                <a:tint val="81000"/>
+              </a:schemeClr>
+            </a:gs>
+          </a:gsLst>
+          <a:lin ang="5400000" scaled="0"/>
+        </a:gradFill>
+        <a:gradFill rotWithShape="1">
+          <a:gsLst>
+            <a:gs pos="0">
+              <a:schemeClr val="phClr">
+                <a:satMod val="103000"/>
+                <a:lumMod val="102000"/>
+                <a:tint val="94000"/>
+              </a:schemeClr>
+            </a:gs>
+            <a:gs pos="50000">
+              <a:schemeClr val="phClr">
+                <a:satMod val="110000"/>
+                <a:lumMod val="100000"/>
+                <a:shade val="100000"/>
+              </a:schemeClr>
+            </a:gs>
+            <a:gs pos="100000">
+              <a:schemeClr val="phClr">
+                <a:lumMod val="99000"/>
+                <a:satMod val="120000"/>
+                <a:shade val="78000"/>
+              </a:schemeClr>
+            </a:gs>
+          </a:gsLst>
+          <a:lin ang="5400000" scaled="0"/>
+        </a:gradFill>
+      </a:fillStyleLst>
+      <a:lnStyleLst>
+        <a:ln w="6350" cap="flat" cmpd="sng" algn="ctr">
+          <a:solidFill>
+            <a:schemeClr val="phClr"/>
+          </a:solidFill>
+          <a:prstDash val="solid"/>
+          <a:miter lim="800000"/>
+        </a:ln>
+        <a:ln w="12700" cap="flat" cmpd="sng" algn="ctr">
+          <a:solidFill>
+            <a:schemeClr val="phClr"/>
+          </a:solidFill>
+          <a:prstDash val="solid"/>
+          <a:miter lim="800000"/>
+        </a:ln>
+        <a:ln w="19050" cap="flat" cmpd="sng" algn="ctr">
+          <a:solidFill>
+            <a:schemeClr val="phClr"/>
+          </a:solidFill>
+          <a:prstDash val="solid"/>
+          <a:miter lim="800000"/>
+        </a:ln>
+      </a:lnStyleLst>
+      <a:effectStyleLst>
+        <a:effectStyle>
+          <a:effectLst/>
+        </a:effectStyle>
+        <a:effectStyle>
+          <a:effectLst/>
+        </a:effectStyle>
+        <a:effectStyle>
+          <a:effectLst>
+            <a:outerShdw blurRad="57150" dist="19050" dir="5400000" algn="ctr" rotWithShape="0">
+              <a:srgbClr val="000000">
+                <a:alpha val="63000"/>
+              </a:srgbClr>
+            </a:outerShdw>
+          </a:effectLst>
+        </a:effectStyle>
+      </a:effectStyleLst>
+      <a:bgFillStyleLst>
+        <a:solidFill>
+          <a:schemeClr val="phClr"/>
+        </a:solidFill>
+        <a:solidFill>
+          <a:schemeClr val="phClr">
+            <a:tint val="95000"/>
+            <a:satMod val="170000"/>
+          </a:schemeClr>
+        </a:solidFill>
+        <a:gradFill rotWithShape="1">
+          <a:gsLst>
+            <a:gs pos="0">
+              <a:schemeClr val="phClr">
+                <a:tint val="93000"/>
+                <a:satMod val="150000"/>
+                <a:shade val="98000"/>
+                <a:lumMod val="102000"/>
+              </a:schemeClr>
+            </a:gs>
+            <a:gs pos="50000">
+              <a:schemeClr val="phClr">
+                <a:tint val="98000"/>
+                <a:satMod val="130000"/>
+                <a:shade val="90000"/>
+                <a:lumMod val="103000"/>
+              </a:schemeClr>
+            </a:gs>
+            <a:gs pos="100000">
+              <a:schemeClr val="phClr">
+                <a:shade val="63000"/>
+                <a:satMod val="120000"/>
+              </a:schemeClr>
+            </a:gs>
+          </a:gsLst>
+          <a:lin ang="5400000" scaled="0"/>
+        </a:gradFill>
+      </a:bgFillStyleLst>
+    </a:fmtScheme>
+  </a:themeElements>
+  <a:objectDefaults/>
+  <a:extraClrSchemeLst/>
+  <a:extLst>
+    <a:ext uri="{05A4C25C-085E-4340-85A3-A5531E510DB2}">
+      <thm15:themeFamily xmlns:thm15="http://schemas.microsoft.com/office/thememl/2012/main" name="Office Theme" id="{62F939B6-93AF-4DB8-9C6B-D6C7DFDC589F}" vid="{4A3C46E8-61CC-4603-A589-7422A47A8E4A}"/>
+    </a:ext>
+  </a:extLst>
+</a:theme>
 </file>